--- a/figures/flow chart.pptx
+++ b/figures/flow chart.pptx
@@ -244,7 +244,7 @@
           <a:p>
             <a:fld id="{42C1B6C2-A197-4731-A0B2-F9ADA2CD47A2}" type="datetimeFigureOut">
               <a:rPr lang="fr-FR" smtClean="0"/>
-              <a:t>21/02/2024</a:t>
+              <a:t>16/04/2024</a:t>
             </a:fld>
             <a:endParaRPr lang="fr-FR"/>
           </a:p>
@@ -414,7 +414,7 @@
           <a:p>
             <a:fld id="{42C1B6C2-A197-4731-A0B2-F9ADA2CD47A2}" type="datetimeFigureOut">
               <a:rPr lang="fr-FR" smtClean="0"/>
-              <a:t>21/02/2024</a:t>
+              <a:t>16/04/2024</a:t>
             </a:fld>
             <a:endParaRPr lang="fr-FR"/>
           </a:p>
@@ -594,7 +594,7 @@
           <a:p>
             <a:fld id="{42C1B6C2-A197-4731-A0B2-F9ADA2CD47A2}" type="datetimeFigureOut">
               <a:rPr lang="fr-FR" smtClean="0"/>
-              <a:t>21/02/2024</a:t>
+              <a:t>16/04/2024</a:t>
             </a:fld>
             <a:endParaRPr lang="fr-FR"/>
           </a:p>
@@ -764,7 +764,7 @@
           <a:p>
             <a:fld id="{42C1B6C2-A197-4731-A0B2-F9ADA2CD47A2}" type="datetimeFigureOut">
               <a:rPr lang="fr-FR" smtClean="0"/>
-              <a:t>21/02/2024</a:t>
+              <a:t>16/04/2024</a:t>
             </a:fld>
             <a:endParaRPr lang="fr-FR"/>
           </a:p>
@@ -1008,7 +1008,7 @@
           <a:p>
             <a:fld id="{42C1B6C2-A197-4731-A0B2-F9ADA2CD47A2}" type="datetimeFigureOut">
               <a:rPr lang="fr-FR" smtClean="0"/>
-              <a:t>21/02/2024</a:t>
+              <a:t>16/04/2024</a:t>
             </a:fld>
             <a:endParaRPr lang="fr-FR"/>
           </a:p>
@@ -1240,7 +1240,7 @@
           <a:p>
             <a:fld id="{42C1B6C2-A197-4731-A0B2-F9ADA2CD47A2}" type="datetimeFigureOut">
               <a:rPr lang="fr-FR" smtClean="0"/>
-              <a:t>21/02/2024</a:t>
+              <a:t>16/04/2024</a:t>
             </a:fld>
             <a:endParaRPr lang="fr-FR"/>
           </a:p>
@@ -1607,7 +1607,7 @@
           <a:p>
             <a:fld id="{42C1B6C2-A197-4731-A0B2-F9ADA2CD47A2}" type="datetimeFigureOut">
               <a:rPr lang="fr-FR" smtClean="0"/>
-              <a:t>21/02/2024</a:t>
+              <a:t>16/04/2024</a:t>
             </a:fld>
             <a:endParaRPr lang="fr-FR"/>
           </a:p>
@@ -1725,7 +1725,7 @@
           <a:p>
             <a:fld id="{42C1B6C2-A197-4731-A0B2-F9ADA2CD47A2}" type="datetimeFigureOut">
               <a:rPr lang="fr-FR" smtClean="0"/>
-              <a:t>21/02/2024</a:t>
+              <a:t>16/04/2024</a:t>
             </a:fld>
             <a:endParaRPr lang="fr-FR"/>
           </a:p>
@@ -1820,7 +1820,7 @@
           <a:p>
             <a:fld id="{42C1B6C2-A197-4731-A0B2-F9ADA2CD47A2}" type="datetimeFigureOut">
               <a:rPr lang="fr-FR" smtClean="0"/>
-              <a:t>21/02/2024</a:t>
+              <a:t>16/04/2024</a:t>
             </a:fld>
             <a:endParaRPr lang="fr-FR"/>
           </a:p>
@@ -2097,7 +2097,7 @@
           <a:p>
             <a:fld id="{42C1B6C2-A197-4731-A0B2-F9ADA2CD47A2}" type="datetimeFigureOut">
               <a:rPr lang="fr-FR" smtClean="0"/>
-              <a:t>21/02/2024</a:t>
+              <a:t>16/04/2024</a:t>
             </a:fld>
             <a:endParaRPr lang="fr-FR"/>
           </a:p>
@@ -2354,7 +2354,7 @@
           <a:p>
             <a:fld id="{42C1B6C2-A197-4731-A0B2-F9ADA2CD47A2}" type="datetimeFigureOut">
               <a:rPr lang="fr-FR" smtClean="0"/>
-              <a:t>21/02/2024</a:t>
+              <a:t>16/04/2024</a:t>
             </a:fld>
             <a:endParaRPr lang="fr-FR"/>
           </a:p>
@@ -2567,7 +2567,7 @@
           <a:p>
             <a:fld id="{42C1B6C2-A197-4731-A0B2-F9ADA2CD47A2}" type="datetimeFigureOut">
               <a:rPr lang="fr-FR" smtClean="0"/>
-              <a:t>21/02/2024</a:t>
+              <a:t>16/04/2024</a:t>
             </a:fld>
             <a:endParaRPr lang="fr-FR"/>
           </a:p>
@@ -3676,7 +3676,33 @@
                 <a:ea typeface="Calibri" panose="020F0502020204030204" pitchFamily="34" charset="0"/>
                 <a:cs typeface="Times New Roman" panose="02020603050405020304" pitchFamily="18" charset="0"/>
               </a:rPr>
-              <a:t>(n = 1975)</a:t>
+              <a:t>(n = </a:t>
+            </a:r>
+            <a:r>
+              <a:rPr lang="fr-FR" altLang="fr-FR" sz="1600" b="1" noProof="1" smtClean="0">
+                <a:solidFill>
+                  <a:srgbClr val="0040CF"/>
+                </a:solidFill>
+                <a:latin typeface="Calibri" panose="020F0502020204030204" pitchFamily="34" charset="0"/>
+                <a:ea typeface="Calibri" panose="020F0502020204030204" pitchFamily="34" charset="0"/>
+                <a:cs typeface="Times New Roman" panose="02020603050405020304" pitchFamily="18" charset="0"/>
+              </a:rPr>
+              <a:t>2348</a:t>
+            </a:r>
+            <a:r>
+              <a:rPr kumimoji="0" lang="fr-FR" altLang="fr-FR" sz="1600" b="1" i="0" u="none" strike="noStrike" cap="none" normalizeH="0" baseline="0" noProof="1" smtClean="0">
+                <a:ln>
+                  <a:noFill/>
+                </a:ln>
+                <a:solidFill>
+                  <a:srgbClr val="0040CF"/>
+                </a:solidFill>
+                <a:effectLst/>
+                <a:latin typeface="Calibri" panose="020F0502020204030204" pitchFamily="34" charset="0"/>
+                <a:ea typeface="Calibri" panose="020F0502020204030204" pitchFamily="34" charset="0"/>
+                <a:cs typeface="Times New Roman" panose="02020603050405020304" pitchFamily="18" charset="0"/>
+              </a:rPr>
+              <a:t>)</a:t>
             </a:r>
             <a:endParaRPr kumimoji="0" lang="fr-FR" altLang="fr-FR" sz="1800" b="0" i="0" u="none" strike="noStrike" cap="none" normalizeH="0" baseline="0" noProof="1" smtClean="0">
               <a:ln>
@@ -3773,7 +3799,33 @@
                 <a:ea typeface="Calibri" panose="020F0502020204030204" pitchFamily="34" charset="0"/>
                 <a:cs typeface="Times New Roman" panose="02020603050405020304" pitchFamily="18" charset="0"/>
               </a:rPr>
-              <a:t>(n = 77)    </a:t>
+              <a:t>(n = </a:t>
+            </a:r>
+            <a:r>
+              <a:rPr lang="fr-FR" altLang="fr-FR" sz="1600" b="1" noProof="1" smtClean="0">
+                <a:solidFill>
+                  <a:srgbClr val="0040CF"/>
+                </a:solidFill>
+                <a:latin typeface="Calibri" panose="020F0502020204030204" pitchFamily="34" charset="0"/>
+                <a:ea typeface="Calibri" panose="020F0502020204030204" pitchFamily="34" charset="0"/>
+                <a:cs typeface="Times New Roman" panose="02020603050405020304" pitchFamily="18" charset="0"/>
+              </a:rPr>
+              <a:t>89</a:t>
+            </a:r>
+            <a:r>
+              <a:rPr kumimoji="0" lang="fr-FR" altLang="fr-FR" sz="1600" b="1" i="0" u="none" strike="noStrike" cap="none" normalizeH="0" baseline="0" noProof="1" smtClean="0">
+                <a:ln>
+                  <a:noFill/>
+                </a:ln>
+                <a:solidFill>
+                  <a:srgbClr val="0040CF"/>
+                </a:solidFill>
+                <a:effectLst/>
+                <a:latin typeface="Calibri" panose="020F0502020204030204" pitchFamily="34" charset="0"/>
+                <a:ea typeface="Calibri" panose="020F0502020204030204" pitchFamily="34" charset="0"/>
+                <a:cs typeface="Times New Roman" panose="02020603050405020304" pitchFamily="18" charset="0"/>
+              </a:rPr>
+              <a:t>)    </a:t>
             </a:r>
             <a:endParaRPr kumimoji="0" lang="fr-FR" altLang="fr-FR" sz="1800" b="0" i="0" u="none" strike="noStrike" cap="none" normalizeH="0" baseline="0" noProof="1" smtClean="0">
               <a:ln>
@@ -3870,22 +3922,22 @@
                 <a:ea typeface="Calibri" panose="020F0502020204030204" pitchFamily="34" charset="0"/>
                 <a:cs typeface="Times New Roman" panose="02020603050405020304" pitchFamily="18" charset="0"/>
               </a:rPr>
-              <a:t> automatically</a:t>
-            </a:r>
-            <a:r>
-              <a:rPr kumimoji="0" lang="fr-FR" altLang="fr-FR" sz="1400" b="0" i="0" u="none" strike="noStrike" cap="none" normalizeH="0" baseline="0" noProof="1" smtClean="0">
+              <a:t> </a:t>
+            </a:r>
+            <a:r>
+              <a:rPr kumimoji="0" lang="fr-FR" altLang="fr-FR" sz="1400" b="1" i="0" u="none" strike="noStrike" cap="none" normalizeH="0" baseline="0" noProof="1" smtClean="0">
                 <a:ln>
                   <a:noFill/>
                 </a:ln>
                 <a:solidFill>
-                  <a:srgbClr val="002060"/>
+                  <a:srgbClr val="0040CF"/>
                 </a:solidFill>
                 <a:effectLst/>
                 <a:latin typeface="Calibri" panose="020F0502020204030204" pitchFamily="34" charset="0"/>
                 <a:ea typeface="Calibri" panose="020F0502020204030204" pitchFamily="34" charset="0"/>
                 <a:cs typeface="Times New Roman" panose="02020603050405020304" pitchFamily="18" charset="0"/>
               </a:rPr>
-              <a:t> </a:t>
+              <a:t>(</a:t>
             </a:r>
             <a:r>
               <a:rPr kumimoji="0" lang="fr-FR" altLang="fr-FR" sz="1400" b="1" i="0" u="none" strike="noStrike" cap="none" normalizeH="0" baseline="0" noProof="1" smtClean="0">
@@ -3900,7 +3952,22 @@
                 <a:ea typeface="Calibri" panose="020F0502020204030204" pitchFamily="34" charset="0"/>
                 <a:cs typeface="Times New Roman" panose="02020603050405020304" pitchFamily="18" charset="0"/>
               </a:rPr>
-              <a:t>(n = 1106)</a:t>
+              <a:t>n = </a:t>
+            </a:r>
+            <a:r>
+              <a:rPr kumimoji="0" lang="fr-FR" altLang="fr-FR" sz="1400" b="1" i="0" u="none" strike="noStrike" cap="none" normalizeH="0" baseline="0" noProof="1" smtClean="0">
+                <a:ln>
+                  <a:noFill/>
+                </a:ln>
+                <a:solidFill>
+                  <a:srgbClr val="0040CF"/>
+                </a:solidFill>
+                <a:effectLst/>
+                <a:latin typeface="Calibri" panose="020F0502020204030204" pitchFamily="34" charset="0"/>
+                <a:ea typeface="Calibri" panose="020F0502020204030204" pitchFamily="34" charset="0"/>
+                <a:cs typeface="Times New Roman" panose="02020603050405020304" pitchFamily="18" charset="0"/>
+              </a:rPr>
+              <a:t>1391)</a:t>
             </a:r>
             <a:endParaRPr kumimoji="0" lang="fr-FR" altLang="fr-FR" sz="1800" b="0" i="0" u="none" strike="noStrike" cap="none" normalizeH="0" baseline="0" noProof="1" smtClean="0">
               <a:ln>
@@ -3997,7 +4064,33 @@
                 <a:ea typeface="Calibri" panose="020F0502020204030204" pitchFamily="34" charset="0"/>
                 <a:cs typeface="Times New Roman" panose="02020603050405020304" pitchFamily="18" charset="0"/>
               </a:rPr>
-              <a:t>(n = 1898)</a:t>
+              <a:t>(n = </a:t>
+            </a:r>
+            <a:r>
+              <a:rPr lang="fr-FR" altLang="fr-FR" sz="1400" b="1" noProof="1" smtClean="0">
+                <a:solidFill>
+                  <a:srgbClr val="0040CF"/>
+                </a:solidFill>
+                <a:latin typeface="Calibri" panose="020F0502020204030204" pitchFamily="34" charset="0"/>
+                <a:ea typeface="Calibri" panose="020F0502020204030204" pitchFamily="34" charset="0"/>
+                <a:cs typeface="Times New Roman" panose="02020603050405020304" pitchFamily="18" charset="0"/>
+              </a:rPr>
+              <a:t>2259</a:t>
+            </a:r>
+            <a:r>
+              <a:rPr kumimoji="0" lang="fr-FR" altLang="fr-FR" sz="1400" b="1" i="0" u="none" strike="noStrike" cap="none" normalizeH="0" baseline="0" noProof="1" smtClean="0">
+                <a:ln>
+                  <a:noFill/>
+                </a:ln>
+                <a:solidFill>
+                  <a:srgbClr val="0040CF"/>
+                </a:solidFill>
+                <a:effectLst/>
+                <a:latin typeface="Calibri" panose="020F0502020204030204" pitchFamily="34" charset="0"/>
+                <a:ea typeface="Calibri" panose="020F0502020204030204" pitchFamily="34" charset="0"/>
+                <a:cs typeface="Times New Roman" panose="02020603050405020304" pitchFamily="18" charset="0"/>
+              </a:rPr>
+              <a:t>)</a:t>
             </a:r>
             <a:endParaRPr kumimoji="0" lang="fr-FR" altLang="fr-FR" sz="1800" b="0" i="0" u="none" strike="noStrike" cap="none" normalizeH="0" baseline="0" noProof="1" smtClean="0">
               <a:ln>
@@ -4221,7 +4314,33 @@
                 <a:ea typeface="Calibri" panose="020F0502020204030204" pitchFamily="34" charset="0"/>
                 <a:cs typeface="Times New Roman" panose="02020603050405020304" pitchFamily="18" charset="0"/>
               </a:rPr>
-              <a:t>(n = 29)  </a:t>
+              <a:t>(n = </a:t>
+            </a:r>
+            <a:r>
+              <a:rPr lang="fr-FR" altLang="fr-FR" sz="1400" b="1" noProof="1" smtClean="0">
+                <a:solidFill>
+                  <a:srgbClr val="0040CF"/>
+                </a:solidFill>
+                <a:latin typeface="Calibri" panose="020F0502020204030204" pitchFamily="34" charset="0"/>
+                <a:ea typeface="Calibri" panose="020F0502020204030204" pitchFamily="34" charset="0"/>
+                <a:cs typeface="Times New Roman" panose="02020603050405020304" pitchFamily="18" charset="0"/>
+              </a:rPr>
+              <a:t>33</a:t>
+            </a:r>
+            <a:r>
+              <a:rPr kumimoji="0" lang="fr-FR" altLang="fr-FR" sz="1400" b="1" i="0" u="none" strike="noStrike" cap="none" normalizeH="0" baseline="0" noProof="1" smtClean="0">
+                <a:ln>
+                  <a:noFill/>
+                </a:ln>
+                <a:solidFill>
+                  <a:srgbClr val="0040CF"/>
+                </a:solidFill>
+                <a:effectLst/>
+                <a:latin typeface="Calibri" panose="020F0502020204030204" pitchFamily="34" charset="0"/>
+                <a:ea typeface="Calibri" panose="020F0502020204030204" pitchFamily="34" charset="0"/>
+                <a:cs typeface="Times New Roman" panose="02020603050405020304" pitchFamily="18" charset="0"/>
+              </a:rPr>
+              <a:t>)  </a:t>
             </a:r>
             <a:endParaRPr kumimoji="0" lang="fr-FR" altLang="fr-FR" sz="400" b="0" i="0" u="none" strike="noStrike" cap="none" normalizeH="0" baseline="0" noProof="1" smtClean="0">
               <a:ln>
@@ -4389,7 +4508,22 @@
                 <a:ea typeface="Calibri" panose="020F0502020204030204" pitchFamily="34" charset="0"/>
                 <a:cs typeface="Times New Roman" panose="02020603050405020304" pitchFamily="18" charset="0"/>
               </a:rPr>
-              <a:t>Full text not available (n = 3)</a:t>
+              <a:t>Full text not available (n = </a:t>
+            </a:r>
+            <a:r>
+              <a:rPr kumimoji="0" lang="fr-FR" altLang="fr-FR" sz="1200" b="0" i="0" u="none" strike="noStrike" cap="none" normalizeH="0" baseline="0" noProof="1" smtClean="0">
+                <a:ln>
+                  <a:noFill/>
+                </a:ln>
+                <a:solidFill>
+                  <a:srgbClr val="002060"/>
+                </a:solidFill>
+                <a:effectLst/>
+                <a:latin typeface="Calibri" panose="020F0502020204030204" pitchFamily="34" charset="0"/>
+                <a:ea typeface="Calibri" panose="020F0502020204030204" pitchFamily="34" charset="0"/>
+                <a:cs typeface="Times New Roman" panose="02020603050405020304" pitchFamily="18" charset="0"/>
+              </a:rPr>
+              <a:t>4)</a:t>
             </a:r>
             <a:endParaRPr kumimoji="0" lang="fr-FR" altLang="fr-FR" sz="400" b="0" i="0" u="none" strike="noStrike" cap="none" normalizeH="0" baseline="0" noProof="1" smtClean="0">
               <a:ln>
@@ -4431,7 +4565,22 @@
                 <a:ea typeface="Calibri" panose="020F0502020204030204" pitchFamily="34" charset="0"/>
                 <a:cs typeface="Times New Roman" panose="02020603050405020304" pitchFamily="18" charset="0"/>
               </a:rPr>
-              <a:t>No health (or economic) impact assessment (n = 5)</a:t>
+              <a:t>No health (or economic) impact assessment (n = </a:t>
+            </a:r>
+            <a:r>
+              <a:rPr kumimoji="0" lang="fr-FR" altLang="fr-FR" sz="1200" b="0" i="0" u="none" strike="noStrike" cap="none" normalizeH="0" baseline="0" noProof="1" smtClean="0">
+                <a:ln>
+                  <a:noFill/>
+                </a:ln>
+                <a:solidFill>
+                  <a:srgbClr val="002060"/>
+                </a:solidFill>
+                <a:effectLst/>
+                <a:latin typeface="Calibri" panose="020F0502020204030204" pitchFamily="34" charset="0"/>
+                <a:ea typeface="Calibri" panose="020F0502020204030204" pitchFamily="34" charset="0"/>
+                <a:cs typeface="Times New Roman" panose="02020603050405020304" pitchFamily="18" charset="0"/>
+              </a:rPr>
+              <a:t>10)</a:t>
             </a:r>
             <a:endParaRPr kumimoji="0" lang="fr-FR" altLang="fr-FR" sz="400" b="0" i="0" u="none" strike="noStrike" cap="none" normalizeH="0" baseline="0" noProof="1" smtClean="0">
               <a:ln>
@@ -4473,7 +4622,22 @@
                 <a:ea typeface="Calibri" panose="020F0502020204030204" pitchFamily="34" charset="0"/>
                 <a:cs typeface="Times New Roman" panose="02020603050405020304" pitchFamily="18" charset="0"/>
               </a:rPr>
-              <a:t>The aim of the scenario(s) is not carbon neutrality (n = 14)</a:t>
+              <a:t>The aim of the scenario(s) is not carbon neutrality (n = </a:t>
+            </a:r>
+            <a:r>
+              <a:rPr kumimoji="0" lang="fr-FR" altLang="fr-FR" sz="1200" b="0" i="0" u="none" strike="noStrike" cap="none" normalizeH="0" baseline="0" noProof="1" smtClean="0">
+                <a:ln>
+                  <a:noFill/>
+                </a:ln>
+                <a:solidFill>
+                  <a:srgbClr val="002060"/>
+                </a:solidFill>
+                <a:effectLst/>
+                <a:latin typeface="Calibri" panose="020F0502020204030204" pitchFamily="34" charset="0"/>
+                <a:ea typeface="Calibri" panose="020F0502020204030204" pitchFamily="34" charset="0"/>
+                <a:cs typeface="Times New Roman" panose="02020603050405020304" pitchFamily="18" charset="0"/>
+              </a:rPr>
+              <a:t>12)</a:t>
             </a:r>
             <a:endParaRPr kumimoji="0" lang="fr-FR" altLang="fr-FR" sz="1800" b="0" i="0" u="none" strike="noStrike" cap="none" normalizeH="0" baseline="0" noProof="1" smtClean="0">
               <a:ln>
@@ -4750,7 +4914,33 @@
                 <a:ea typeface="Calibri" panose="020F0502020204030204" pitchFamily="34" charset="0"/>
                 <a:cs typeface="Times New Roman" panose="02020603050405020304" pitchFamily="18" charset="0"/>
               </a:rPr>
-              <a:t>(n = 48)    </a:t>
+              <a:t>(n = </a:t>
+            </a:r>
+            <a:r>
+              <a:rPr lang="fr-FR" altLang="fr-FR" sz="1600" b="1" noProof="1" smtClean="0">
+                <a:solidFill>
+                  <a:srgbClr val="0040CF"/>
+                </a:solidFill>
+                <a:latin typeface="Calibri" panose="020F0502020204030204" pitchFamily="34" charset="0"/>
+                <a:ea typeface="Calibri" panose="020F0502020204030204" pitchFamily="34" charset="0"/>
+                <a:cs typeface="Times New Roman" panose="02020603050405020304" pitchFamily="18" charset="0"/>
+              </a:rPr>
+              <a:t>56</a:t>
+            </a:r>
+            <a:r>
+              <a:rPr kumimoji="0" lang="fr-FR" altLang="fr-FR" sz="1600" b="1" i="0" u="none" strike="noStrike" cap="none" normalizeH="0" baseline="0" noProof="1" smtClean="0">
+                <a:ln>
+                  <a:noFill/>
+                </a:ln>
+                <a:solidFill>
+                  <a:srgbClr val="0040CF"/>
+                </a:solidFill>
+                <a:effectLst/>
+                <a:latin typeface="Calibri" panose="020F0502020204030204" pitchFamily="34" charset="0"/>
+                <a:ea typeface="Calibri" panose="020F0502020204030204" pitchFamily="34" charset="0"/>
+                <a:cs typeface="Times New Roman" panose="02020603050405020304" pitchFamily="18" charset="0"/>
+              </a:rPr>
+              <a:t>)    </a:t>
             </a:r>
             <a:endParaRPr kumimoji="0" lang="fr-FR" altLang="fr-FR" sz="1800" b="0" i="0" u="none" strike="noStrike" cap="none" normalizeH="0" baseline="0" noProof="1" smtClean="0">
               <a:ln>
@@ -5357,7 +5547,22 @@
                 <a:ea typeface="Calibri" panose="020F0502020204030204" pitchFamily="34" charset="0"/>
                 <a:cs typeface="Times New Roman" panose="02020603050405020304" pitchFamily="18" charset="0"/>
               </a:rPr>
-              <a:t>(n = 3042)</a:t>
+              <a:t>(n = </a:t>
+            </a:r>
+            <a:r>
+              <a:rPr kumimoji="0" lang="fr-FR" altLang="fr-FR" sz="1600" b="1" i="0" u="none" strike="noStrike" cap="none" normalizeH="0" baseline="0" noProof="1" smtClean="0">
+                <a:ln>
+                  <a:noFill/>
+                </a:ln>
+                <a:solidFill>
+                  <a:srgbClr val="0040CF"/>
+                </a:solidFill>
+                <a:effectLst/>
+                <a:latin typeface="Calibri" panose="020F0502020204030204" pitchFamily="34" charset="0"/>
+                <a:ea typeface="Calibri" panose="020F0502020204030204" pitchFamily="34" charset="0"/>
+                <a:cs typeface="Times New Roman" panose="02020603050405020304" pitchFamily="18" charset="0"/>
+              </a:rPr>
+              <a:t>3700)</a:t>
             </a:r>
             <a:endParaRPr kumimoji="0" lang="fr-FR" altLang="fr-FR" sz="400" b="0" i="0" u="none" strike="noStrike" cap="none" normalizeH="0" baseline="0" noProof="1" smtClean="0">
               <a:ln>
@@ -5399,7 +5604,22 @@
                 <a:ea typeface="Calibri" panose="020F0502020204030204" pitchFamily="34" charset="0"/>
                 <a:cs typeface="Times New Roman" panose="02020603050405020304" pitchFamily="18" charset="0"/>
               </a:rPr>
-              <a:t>Scopus (n = 1179)</a:t>
+              <a:t>Scopus (n = </a:t>
+            </a:r>
+            <a:r>
+              <a:rPr kumimoji="0" lang="fr-FR" altLang="fr-FR" sz="1400" b="0" i="0" u="none" strike="noStrike" cap="none" normalizeH="0" baseline="0" noProof="1" smtClean="0">
+                <a:ln>
+                  <a:noFill/>
+                </a:ln>
+                <a:solidFill>
+                  <a:srgbClr val="002060"/>
+                </a:solidFill>
+                <a:effectLst/>
+                <a:latin typeface="Calibri" panose="020F0502020204030204" pitchFamily="34" charset="0"/>
+                <a:ea typeface="Calibri" panose="020F0502020204030204" pitchFamily="34" charset="0"/>
+                <a:cs typeface="Times New Roman" panose="02020603050405020304" pitchFamily="18" charset="0"/>
+              </a:rPr>
+              <a:t>1663)</a:t>
             </a:r>
             <a:endParaRPr kumimoji="0" lang="fr-FR" altLang="fr-FR" sz="400" b="0" i="0" u="none" strike="noStrike" cap="none" normalizeH="0" baseline="0" noProof="1" smtClean="0">
               <a:ln>
@@ -5483,7 +5703,52 @@
                 <a:ea typeface="Calibri" panose="020F0502020204030204" pitchFamily="34" charset="0"/>
                 <a:cs typeface="Times New Roman" panose="02020603050405020304" pitchFamily="18" charset="0"/>
               </a:rPr>
-              <a:t>PubMed (n = 762)</a:t>
+              <a:t>PubMed (n </a:t>
+            </a:r>
+            <a:r>
+              <a:rPr kumimoji="0" lang="fr-FR" altLang="fr-FR" sz="1400" b="0" i="0" u="none" strike="noStrike" cap="none" normalizeH="0" baseline="0" noProof="1" smtClean="0">
+                <a:ln>
+                  <a:noFill/>
+                </a:ln>
+                <a:solidFill>
+                  <a:srgbClr val="002060"/>
+                </a:solidFill>
+                <a:effectLst/>
+                <a:latin typeface="Calibri" panose="020F0502020204030204" pitchFamily="34" charset="0"/>
+                <a:ea typeface="Calibri" panose="020F0502020204030204" pitchFamily="34" charset="0"/>
+                <a:cs typeface="Times New Roman" panose="02020603050405020304" pitchFamily="18" charset="0"/>
+              </a:rPr>
+              <a:t>=</a:t>
+            </a:r>
+            <a:r>
+              <a:rPr kumimoji="0" lang="fr-FR" altLang="fr-FR" sz="1400" b="0" i="0" u="none" strike="noStrike" cap="none" normalizeH="0" noProof="1" smtClean="0">
+                <a:ln>
+                  <a:noFill/>
+                </a:ln>
+                <a:solidFill>
+                  <a:srgbClr val="002060"/>
+                </a:solidFill>
+                <a:effectLst/>
+                <a:latin typeface="Calibri" panose="020F0502020204030204" pitchFamily="34" charset="0"/>
+                <a:ea typeface="Calibri" panose="020F0502020204030204" pitchFamily="34" charset="0"/>
+                <a:cs typeface="Times New Roman" panose="02020603050405020304" pitchFamily="18" charset="0"/>
+              </a:rPr>
+              <a:t> 936</a:t>
+            </a:r>
+            <a:r>
+              <a:rPr kumimoji="0" lang="fr-FR" altLang="fr-FR" sz="1400" b="0" i="0" u="none" strike="noStrike" cap="none" normalizeH="0" baseline="0" noProof="1" smtClean="0">
+                <a:ln>
+                  <a:noFill/>
+                </a:ln>
+                <a:solidFill>
+                  <a:srgbClr val="002060"/>
+                </a:solidFill>
+                <a:effectLst/>
+                <a:latin typeface="Calibri" panose="020F0502020204030204" pitchFamily="34" charset="0"/>
+                <a:ea typeface="Calibri" panose="020F0502020204030204" pitchFamily="34" charset="0"/>
+                <a:cs typeface="Times New Roman" panose="02020603050405020304" pitchFamily="18" charset="0"/>
+              </a:rPr>
+              <a:t>)</a:t>
             </a:r>
             <a:endParaRPr kumimoji="0" lang="fr-FR" altLang="fr-FR" sz="1800" b="0" i="0" u="none" strike="noStrike" cap="none" normalizeH="0" baseline="0" noProof="1" smtClean="0">
               <a:ln>
@@ -6756,22 +7021,7 @@
                 <a:ea typeface="Calibri" panose="020F0502020204030204" pitchFamily="34" charset="0"/>
                 <a:cs typeface="Times New Roman" panose="02020603050405020304" pitchFamily="18" charset="0"/>
               </a:rPr>
-              <a:t>(n </a:t>
-            </a:r>
-            <a:r>
-              <a:rPr kumimoji="0" lang="fr-FR" altLang="fr-FR" sz="1600" b="1" i="0" u="none" strike="noStrike" cap="none" normalizeH="0" baseline="0" noProof="1" smtClean="0">
-                <a:ln>
-                  <a:noFill/>
-                </a:ln>
-                <a:solidFill>
-                  <a:srgbClr val="0040CF"/>
-                </a:solidFill>
-                <a:effectLst/>
-                <a:latin typeface="Calibri" panose="020F0502020204030204" pitchFamily="34" charset="0"/>
-                <a:ea typeface="Calibri" panose="020F0502020204030204" pitchFamily="34" charset="0"/>
-                <a:cs typeface="Times New Roman" panose="02020603050405020304" pitchFamily="18" charset="0"/>
-              </a:rPr>
-              <a:t>= 1975)</a:t>
+              <a:t>(n = 1975)</a:t>
             </a:r>
             <a:endParaRPr kumimoji="0" lang="fr-FR" altLang="fr-FR" sz="1800" b="0" i="0" u="none" strike="noStrike" cap="none" normalizeH="0" baseline="0" noProof="1" smtClean="0">
               <a:ln>
@@ -6968,22 +7218,7 @@
                 <a:ea typeface="Calibri" panose="020F0502020204030204" pitchFamily="34" charset="0"/>
                 <a:cs typeface="Times New Roman" panose="02020603050405020304" pitchFamily="18" charset="0"/>
               </a:rPr>
-              <a:t>(n </a:t>
-            </a:r>
-            <a:r>
-              <a:rPr kumimoji="0" lang="fr-FR" altLang="fr-FR" sz="1400" b="1" i="0" u="none" strike="noStrike" cap="none" normalizeH="0" baseline="0" noProof="1" smtClean="0">
-                <a:ln>
-                  <a:noFill/>
-                </a:ln>
-                <a:solidFill>
-                  <a:srgbClr val="0040CF"/>
-                </a:solidFill>
-                <a:effectLst/>
-                <a:latin typeface="Calibri" panose="020F0502020204030204" pitchFamily="34" charset="0"/>
-                <a:ea typeface="Calibri" panose="020F0502020204030204" pitchFamily="34" charset="0"/>
-                <a:cs typeface="Times New Roman" panose="02020603050405020304" pitchFamily="18" charset="0"/>
-              </a:rPr>
-              <a:t>= 1106)</a:t>
+              <a:t>(n = 1106)</a:t>
             </a:r>
             <a:endParaRPr kumimoji="0" lang="fr-FR" altLang="fr-FR" sz="1800" b="0" i="0" u="none" strike="noStrike" cap="none" normalizeH="0" baseline="0" noProof="1" smtClean="0">
               <a:ln>
@@ -7288,22 +7523,7 @@
                 <a:ea typeface="Calibri" panose="020F0502020204030204" pitchFamily="34" charset="0"/>
                 <a:cs typeface="Times New Roman" panose="02020603050405020304" pitchFamily="18" charset="0"/>
               </a:rPr>
-              <a:t>(n </a:t>
-            </a:r>
-            <a:r>
-              <a:rPr kumimoji="0" lang="fr-FR" altLang="fr-FR" sz="1400" b="1" i="0" u="none" strike="noStrike" cap="none" normalizeH="0" baseline="0" noProof="1" smtClean="0">
-                <a:ln>
-                  <a:noFill/>
-                </a:ln>
-                <a:solidFill>
-                  <a:srgbClr val="0040CF"/>
-                </a:solidFill>
-                <a:effectLst/>
-                <a:latin typeface="Calibri" panose="020F0502020204030204" pitchFamily="34" charset="0"/>
-                <a:ea typeface="Calibri" panose="020F0502020204030204" pitchFamily="34" charset="0"/>
-                <a:cs typeface="Times New Roman" panose="02020603050405020304" pitchFamily="18" charset="0"/>
-              </a:rPr>
-              <a:t>= 29)  </a:t>
+              <a:t>(n = 29)  </a:t>
             </a:r>
             <a:endParaRPr kumimoji="0" lang="fr-FR" altLang="fr-FR" sz="400" b="0" i="0" u="none" strike="noStrike" cap="none" normalizeH="0" baseline="0" noProof="1" smtClean="0">
               <a:ln>
@@ -7345,22 +7565,7 @@
                 <a:ea typeface="Calibri" panose="020F0502020204030204" pitchFamily="34" charset="0"/>
                 <a:cs typeface="Times New Roman" panose="02020603050405020304" pitchFamily="18" charset="0"/>
               </a:rPr>
-              <a:t>Doublons </a:t>
-            </a:r>
-            <a:r>
-              <a:rPr kumimoji="0" lang="fr-FR" altLang="fr-FR" sz="1200" b="0" i="0" u="none" strike="noStrike" cap="none" normalizeH="0" baseline="0" noProof="1" smtClean="0">
-                <a:ln>
-                  <a:noFill/>
-                </a:ln>
-                <a:solidFill>
-                  <a:srgbClr val="002060"/>
-                </a:solidFill>
-                <a:effectLst/>
-                <a:latin typeface="Calibri" panose="020F0502020204030204" pitchFamily="34" charset="0"/>
-                <a:ea typeface="Calibri" panose="020F0502020204030204" pitchFamily="34" charset="0"/>
-                <a:cs typeface="Times New Roman" panose="02020603050405020304" pitchFamily="18" charset="0"/>
-              </a:rPr>
-              <a:t>(n = 2)</a:t>
+              <a:t>Doublons (n = 2)</a:t>
             </a:r>
             <a:endParaRPr kumimoji="0" lang="fr-FR" altLang="fr-FR" sz="400" b="0" i="0" u="none" strike="noStrike" cap="none" normalizeH="0" baseline="0" noProof="1" smtClean="0">
               <a:ln>
@@ -7402,22 +7607,7 @@
                 <a:ea typeface="Calibri" panose="020F0502020204030204" pitchFamily="34" charset="0"/>
                 <a:cs typeface="Times New Roman" panose="02020603050405020304" pitchFamily="18" charset="0"/>
               </a:rPr>
-              <a:t>Texte en Chinois (n </a:t>
-            </a:r>
-            <a:r>
-              <a:rPr kumimoji="0" lang="fr-FR" altLang="fr-FR" sz="1200" b="0" i="0" u="none" strike="noStrike" cap="none" normalizeH="0" baseline="0" noProof="1" smtClean="0">
-                <a:ln>
-                  <a:noFill/>
-                </a:ln>
-                <a:solidFill>
-                  <a:srgbClr val="002060"/>
-                </a:solidFill>
-                <a:effectLst/>
-                <a:latin typeface="Calibri" panose="020F0502020204030204" pitchFamily="34" charset="0"/>
-                <a:ea typeface="Calibri" panose="020F0502020204030204" pitchFamily="34" charset="0"/>
-                <a:cs typeface="Times New Roman" panose="02020603050405020304" pitchFamily="18" charset="0"/>
-              </a:rPr>
-              <a:t>= 1)</a:t>
+              <a:t>Texte en Chinois (n = 1)</a:t>
             </a:r>
             <a:endParaRPr kumimoji="0" lang="fr-FR" altLang="fr-FR" sz="400" b="0" i="0" u="none" strike="noStrike" cap="none" normalizeH="0" baseline="0" noProof="1" smtClean="0">
               <a:ln>
@@ -7459,22 +7649,7 @@
                 <a:ea typeface="Calibri" panose="020F0502020204030204" pitchFamily="34" charset="0"/>
                 <a:cs typeface="Times New Roman" panose="02020603050405020304" pitchFamily="18" charset="0"/>
               </a:rPr>
-              <a:t>Pas de co-bénéfice (n </a:t>
-            </a:r>
-            <a:r>
-              <a:rPr kumimoji="0" lang="fr-FR" altLang="fr-FR" sz="1200" b="0" i="0" u="none" strike="noStrike" cap="none" normalizeH="0" baseline="0" noProof="1" smtClean="0">
-                <a:ln>
-                  <a:noFill/>
-                </a:ln>
-                <a:solidFill>
-                  <a:srgbClr val="002060"/>
-                </a:solidFill>
-                <a:effectLst/>
-                <a:latin typeface="Calibri" panose="020F0502020204030204" pitchFamily="34" charset="0"/>
-                <a:ea typeface="Calibri" panose="020F0502020204030204" pitchFamily="34" charset="0"/>
-                <a:cs typeface="Times New Roman" panose="02020603050405020304" pitchFamily="18" charset="0"/>
-              </a:rPr>
-              <a:t>= 4)</a:t>
+              <a:t>Pas de co-bénéfice (n = 4)</a:t>
             </a:r>
             <a:endParaRPr kumimoji="0" lang="fr-FR" altLang="fr-FR" sz="400" b="0" i="0" u="none" strike="noStrike" cap="none" normalizeH="0" baseline="0" noProof="1" smtClean="0">
               <a:ln>
@@ -7546,22 +7721,7 @@
                 <a:ea typeface="Calibri" panose="020F0502020204030204" pitchFamily="34" charset="0"/>
                 <a:cs typeface="Times New Roman" panose="02020603050405020304" pitchFamily="18" charset="0"/>
               </a:rPr>
-              <a:t>(n </a:t>
-            </a:r>
-            <a:r>
-              <a:rPr kumimoji="0" lang="fr-FR" altLang="fr-FR" sz="1200" b="0" i="0" u="none" strike="noStrike" cap="none" normalizeH="0" baseline="0" noProof="1" smtClean="0">
-                <a:ln>
-                  <a:noFill/>
-                </a:ln>
-                <a:solidFill>
-                  <a:srgbClr val="002060"/>
-                </a:solidFill>
-                <a:effectLst/>
-                <a:latin typeface="Calibri" panose="020F0502020204030204" pitchFamily="34" charset="0"/>
-                <a:ea typeface="Calibri" panose="020F0502020204030204" pitchFamily="34" charset="0"/>
-                <a:cs typeface="Times New Roman" panose="02020603050405020304" pitchFamily="18" charset="0"/>
-              </a:rPr>
-              <a:t>= 3)</a:t>
+              <a:t>(n = 3)</a:t>
             </a:r>
             <a:endParaRPr kumimoji="0" lang="fr-FR" altLang="fr-FR" sz="400" b="0" i="0" u="none" strike="noStrike" cap="none" normalizeH="0" baseline="0" noProof="1" smtClean="0">
               <a:ln>
@@ -7603,22 +7763,7 @@
                 <a:ea typeface="Calibri" panose="020F0502020204030204" pitchFamily="34" charset="0"/>
                 <a:cs typeface="Times New Roman" panose="02020603050405020304" pitchFamily="18" charset="0"/>
               </a:rPr>
-              <a:t>Pas d’évaluation d’impact sanitaire ou économique </a:t>
-            </a:r>
-            <a:r>
-              <a:rPr kumimoji="0" lang="fr-FR" altLang="fr-FR" sz="1200" b="0" i="0" u="none" strike="noStrike" cap="none" normalizeH="0" baseline="0" noProof="1" smtClean="0">
-                <a:ln>
-                  <a:noFill/>
-                </a:ln>
-                <a:solidFill>
-                  <a:srgbClr val="002060"/>
-                </a:solidFill>
-                <a:effectLst/>
-                <a:latin typeface="Calibri" panose="020F0502020204030204" pitchFamily="34" charset="0"/>
-                <a:ea typeface="Calibri" panose="020F0502020204030204" pitchFamily="34" charset="0"/>
-                <a:cs typeface="Times New Roman" panose="02020603050405020304" pitchFamily="18" charset="0"/>
-              </a:rPr>
-              <a:t>(n = 5)</a:t>
+              <a:t>Pas d’évaluation d’impact sanitaire ou économique (n = 5)</a:t>
             </a:r>
             <a:endParaRPr kumimoji="0" lang="fr-FR" altLang="fr-FR" sz="400" b="0" i="0" u="none" strike="noStrike" cap="none" normalizeH="0" baseline="0" noProof="1" smtClean="0">
               <a:ln>
@@ -7690,22 +7835,7 @@
                 <a:ea typeface="Calibri" panose="020F0502020204030204" pitchFamily="34" charset="0"/>
                 <a:cs typeface="Times New Roman" panose="02020603050405020304" pitchFamily="18" charset="0"/>
               </a:rPr>
-              <a:t> </a:t>
-            </a:r>
-            <a:r>
-              <a:rPr kumimoji="0" lang="fr-FR" altLang="fr-FR" sz="1200" b="0" i="0" u="none" strike="noStrike" cap="none" normalizeH="0" baseline="0" noProof="1" smtClean="0">
-                <a:ln>
-                  <a:noFill/>
-                </a:ln>
-                <a:solidFill>
-                  <a:srgbClr val="002060"/>
-                </a:solidFill>
-                <a:effectLst/>
-                <a:latin typeface="Calibri" panose="020F0502020204030204" pitchFamily="34" charset="0"/>
-                <a:ea typeface="Calibri" panose="020F0502020204030204" pitchFamily="34" charset="0"/>
-                <a:cs typeface="Times New Roman" panose="02020603050405020304" pitchFamily="18" charset="0"/>
-              </a:rPr>
-              <a:t>(n = 14)</a:t>
+              <a:t> (n = 14)</a:t>
             </a:r>
             <a:endParaRPr kumimoji="0" lang="fr-FR" altLang="fr-FR" sz="1800" b="0" i="0" u="none" strike="noStrike" cap="none" normalizeH="0" baseline="0" noProof="1" smtClean="0">
               <a:ln>
@@ -8588,22 +8718,7 @@
                 <a:ea typeface="Calibri" panose="020F0502020204030204" pitchFamily="34" charset="0"/>
                 <a:cs typeface="Times New Roman" panose="02020603050405020304" pitchFamily="18" charset="0"/>
               </a:rPr>
-              <a:t>(n </a:t>
-            </a:r>
-            <a:r>
-              <a:rPr kumimoji="0" lang="fr-FR" altLang="fr-FR" sz="1600" b="1" i="0" u="none" strike="noStrike" cap="none" normalizeH="0" baseline="0" noProof="1" smtClean="0">
-                <a:ln>
-                  <a:noFill/>
-                </a:ln>
-                <a:solidFill>
-                  <a:srgbClr val="0040CF"/>
-                </a:solidFill>
-                <a:effectLst/>
-                <a:latin typeface="Calibri" panose="020F0502020204030204" pitchFamily="34" charset="0"/>
-                <a:ea typeface="Calibri" panose="020F0502020204030204" pitchFamily="34" charset="0"/>
-                <a:cs typeface="Times New Roman" panose="02020603050405020304" pitchFamily="18" charset="0"/>
-              </a:rPr>
-              <a:t>= 3042)</a:t>
+              <a:t>(n = 3042)</a:t>
             </a:r>
             <a:endParaRPr kumimoji="0" lang="fr-FR" altLang="fr-FR" sz="400" b="0" i="0" u="none" strike="noStrike" cap="none" normalizeH="0" baseline="0" noProof="1" smtClean="0">
               <a:ln>

--- a/figures/flow chart.pptx
+++ b/figures/flow chart.pptx
@@ -244,7 +244,7 @@
           <a:p>
             <a:fld id="{42C1B6C2-A197-4731-A0B2-F9ADA2CD47A2}" type="datetimeFigureOut">
               <a:rPr lang="fr-FR" smtClean="0"/>
-              <a:t>16/04/2024</a:t>
+              <a:t>11/05/2024</a:t>
             </a:fld>
             <a:endParaRPr lang="fr-FR"/>
           </a:p>
@@ -414,7 +414,7 @@
           <a:p>
             <a:fld id="{42C1B6C2-A197-4731-A0B2-F9ADA2CD47A2}" type="datetimeFigureOut">
               <a:rPr lang="fr-FR" smtClean="0"/>
-              <a:t>16/04/2024</a:t>
+              <a:t>11/05/2024</a:t>
             </a:fld>
             <a:endParaRPr lang="fr-FR"/>
           </a:p>
@@ -594,7 +594,7 @@
           <a:p>
             <a:fld id="{42C1B6C2-A197-4731-A0B2-F9ADA2CD47A2}" type="datetimeFigureOut">
               <a:rPr lang="fr-FR" smtClean="0"/>
-              <a:t>16/04/2024</a:t>
+              <a:t>11/05/2024</a:t>
             </a:fld>
             <a:endParaRPr lang="fr-FR"/>
           </a:p>
@@ -764,7 +764,7 @@
           <a:p>
             <a:fld id="{42C1B6C2-A197-4731-A0B2-F9ADA2CD47A2}" type="datetimeFigureOut">
               <a:rPr lang="fr-FR" smtClean="0"/>
-              <a:t>16/04/2024</a:t>
+              <a:t>11/05/2024</a:t>
             </a:fld>
             <a:endParaRPr lang="fr-FR"/>
           </a:p>
@@ -1008,7 +1008,7 @@
           <a:p>
             <a:fld id="{42C1B6C2-A197-4731-A0B2-F9ADA2CD47A2}" type="datetimeFigureOut">
               <a:rPr lang="fr-FR" smtClean="0"/>
-              <a:t>16/04/2024</a:t>
+              <a:t>11/05/2024</a:t>
             </a:fld>
             <a:endParaRPr lang="fr-FR"/>
           </a:p>
@@ -1240,7 +1240,7 @@
           <a:p>
             <a:fld id="{42C1B6C2-A197-4731-A0B2-F9ADA2CD47A2}" type="datetimeFigureOut">
               <a:rPr lang="fr-FR" smtClean="0"/>
-              <a:t>16/04/2024</a:t>
+              <a:t>11/05/2024</a:t>
             </a:fld>
             <a:endParaRPr lang="fr-FR"/>
           </a:p>
@@ -1607,7 +1607,7 @@
           <a:p>
             <a:fld id="{42C1B6C2-A197-4731-A0B2-F9ADA2CD47A2}" type="datetimeFigureOut">
               <a:rPr lang="fr-FR" smtClean="0"/>
-              <a:t>16/04/2024</a:t>
+              <a:t>11/05/2024</a:t>
             </a:fld>
             <a:endParaRPr lang="fr-FR"/>
           </a:p>
@@ -1725,7 +1725,7 @@
           <a:p>
             <a:fld id="{42C1B6C2-A197-4731-A0B2-F9ADA2CD47A2}" type="datetimeFigureOut">
               <a:rPr lang="fr-FR" smtClean="0"/>
-              <a:t>16/04/2024</a:t>
+              <a:t>11/05/2024</a:t>
             </a:fld>
             <a:endParaRPr lang="fr-FR"/>
           </a:p>
@@ -1820,7 +1820,7 @@
           <a:p>
             <a:fld id="{42C1B6C2-A197-4731-A0B2-F9ADA2CD47A2}" type="datetimeFigureOut">
               <a:rPr lang="fr-FR" smtClean="0"/>
-              <a:t>16/04/2024</a:t>
+              <a:t>11/05/2024</a:t>
             </a:fld>
             <a:endParaRPr lang="fr-FR"/>
           </a:p>
@@ -2097,7 +2097,7 @@
           <a:p>
             <a:fld id="{42C1B6C2-A197-4731-A0B2-F9ADA2CD47A2}" type="datetimeFigureOut">
               <a:rPr lang="fr-FR" smtClean="0"/>
-              <a:t>16/04/2024</a:t>
+              <a:t>11/05/2024</a:t>
             </a:fld>
             <a:endParaRPr lang="fr-FR"/>
           </a:p>
@@ -2354,7 +2354,7 @@
           <a:p>
             <a:fld id="{42C1B6C2-A197-4731-A0B2-F9ADA2CD47A2}" type="datetimeFigureOut">
               <a:rPr lang="fr-FR" smtClean="0"/>
-              <a:t>16/04/2024</a:t>
+              <a:t>11/05/2024</a:t>
             </a:fld>
             <a:endParaRPr lang="fr-FR"/>
           </a:p>
@@ -2567,7 +2567,7 @@
           <a:p>
             <a:fld id="{42C1B6C2-A197-4731-A0B2-F9ADA2CD47A2}" type="datetimeFigureOut">
               <a:rPr lang="fr-FR" smtClean="0"/>
-              <a:t>16/04/2024</a:t>
+              <a:t>11/05/2024</a:t>
             </a:fld>
             <a:endParaRPr lang="fr-FR"/>
           </a:p>
@@ -3605,7 +3605,7 @@
         <p:spPr bwMode="auto">
           <a:xfrm>
             <a:off x="988378" y="4814888"/>
-            <a:ext cx="2762250" cy="452437"/>
+            <a:ext cx="2762250" cy="515937"/>
           </a:xfrm>
           <a:prstGeom prst="roundRect">
             <a:avLst>
@@ -3661,22 +3661,52 @@
                 <a:ea typeface="Calibri" panose="020F0502020204030204" pitchFamily="34" charset="0"/>
                 <a:cs typeface="Times New Roman" panose="02020603050405020304" pitchFamily="18" charset="0"/>
               </a:rPr>
-              <a:t>Abstract screened </a:t>
-            </a:r>
-            <a:r>
-              <a:rPr kumimoji="0" lang="fr-FR" altLang="fr-FR" sz="1600" b="1" i="0" u="none" strike="noStrike" cap="none" normalizeH="0" baseline="0" noProof="1" smtClean="0">
+              <a:t>Screening </a:t>
+            </a:r>
+            <a:r>
+              <a:rPr kumimoji="0" lang="fr-FR" altLang="fr-FR" sz="1600" b="0" i="0" u="none" strike="noStrike" cap="none" normalizeH="0" baseline="0" noProof="1" smtClean="0">
                 <a:ln>
                   <a:noFill/>
                 </a:ln>
                 <a:solidFill>
-                  <a:srgbClr val="0040CF"/>
+                  <a:srgbClr val="002060"/>
                 </a:solidFill>
                 <a:effectLst/>
                 <a:latin typeface="Calibri" panose="020F0502020204030204" pitchFamily="34" charset="0"/>
                 <a:ea typeface="Calibri" panose="020F0502020204030204" pitchFamily="34" charset="0"/>
                 <a:cs typeface="Times New Roman" panose="02020603050405020304" pitchFamily="18" charset="0"/>
               </a:rPr>
-              <a:t>(n = </a:t>
+              <a:t>of title and abstract </a:t>
+            </a:r>
+            <a:r>
+              <a:rPr kumimoji="0" lang="fr-FR" altLang="fr-FR" sz="1600" b="1" i="0" u="none" strike="noStrike" cap="none" normalizeH="0" baseline="0" noProof="1" smtClean="0">
+                <a:ln>
+                  <a:noFill/>
+                </a:ln>
+                <a:solidFill>
+                  <a:srgbClr val="0040CF"/>
+                </a:solidFill>
+                <a:effectLst/>
+                <a:latin typeface="Calibri" panose="020F0502020204030204" pitchFamily="34" charset="0"/>
+                <a:ea typeface="Calibri" panose="020F0502020204030204" pitchFamily="34" charset="0"/>
+                <a:cs typeface="Times New Roman" panose="02020603050405020304" pitchFamily="18" charset="0"/>
+              </a:rPr>
+              <a:t>(</a:t>
+            </a:r>
+            <a:r>
+              <a:rPr kumimoji="0" lang="fr-FR" altLang="fr-FR" sz="1600" b="1" i="0" u="none" strike="noStrike" cap="none" normalizeH="0" baseline="0" noProof="1" smtClean="0">
+                <a:ln>
+                  <a:noFill/>
+                </a:ln>
+                <a:solidFill>
+                  <a:srgbClr val="0040CF"/>
+                </a:solidFill>
+                <a:effectLst/>
+                <a:latin typeface="Calibri" panose="020F0502020204030204" pitchFamily="34" charset="0"/>
+                <a:ea typeface="Calibri" panose="020F0502020204030204" pitchFamily="34" charset="0"/>
+                <a:cs typeface="Times New Roman" panose="02020603050405020304" pitchFamily="18" charset="0"/>
+              </a:rPr>
+              <a:t>n = </a:t>
             </a:r>
             <a:r>
               <a:rPr lang="fr-FR" altLang="fr-FR" sz="1600" b="1" noProof="1" smtClean="0">
@@ -3937,37 +3967,7 @@
                 <a:ea typeface="Calibri" panose="020F0502020204030204" pitchFamily="34" charset="0"/>
                 <a:cs typeface="Times New Roman" panose="02020603050405020304" pitchFamily="18" charset="0"/>
               </a:rPr>
-              <a:t>(</a:t>
-            </a:r>
-            <a:r>
-              <a:rPr kumimoji="0" lang="fr-FR" altLang="fr-FR" sz="1400" b="1" i="0" u="none" strike="noStrike" cap="none" normalizeH="0" baseline="0" noProof="1" smtClean="0">
-                <a:ln>
-                  <a:noFill/>
-                </a:ln>
-                <a:solidFill>
-                  <a:srgbClr val="0040CF"/>
-                </a:solidFill>
-                <a:effectLst/>
-                <a:latin typeface="Calibri" panose="020F0502020204030204" pitchFamily="34" charset="0"/>
-                <a:ea typeface="Calibri" panose="020F0502020204030204" pitchFamily="34" charset="0"/>
-                <a:cs typeface="Times New Roman" panose="02020603050405020304" pitchFamily="18" charset="0"/>
-              </a:rPr>
-              <a:t>n = </a:t>
-            </a:r>
-            <a:r>
-              <a:rPr kumimoji="0" lang="fr-FR" altLang="fr-FR" sz="1400" b="1" i="0" u="none" strike="noStrike" cap="none" normalizeH="0" baseline="0" noProof="1" smtClean="0">
-                <a:ln>
-                  <a:noFill/>
-                </a:ln>
-                <a:solidFill>
-                  <a:srgbClr val="0040CF"/>
-                </a:solidFill>
-                <a:effectLst/>
-                <a:latin typeface="Calibri" panose="020F0502020204030204" pitchFamily="34" charset="0"/>
-                <a:ea typeface="Calibri" panose="020F0502020204030204" pitchFamily="34" charset="0"/>
-                <a:cs typeface="Times New Roman" panose="02020603050405020304" pitchFamily="18" charset="0"/>
-              </a:rPr>
-              <a:t>1391)</a:t>
+              <a:t>(n = 1391)</a:t>
             </a:r>
             <a:endParaRPr kumimoji="0" lang="fr-FR" altLang="fr-FR" sz="1800" b="0" i="0" u="none" strike="noStrike" cap="none" normalizeH="0" baseline="0" noProof="1" smtClean="0">
               <a:ln>
@@ -4049,22 +4049,52 @@
                 <a:ea typeface="Calibri" panose="020F0502020204030204" pitchFamily="34" charset="0"/>
                 <a:cs typeface="Times New Roman" panose="02020603050405020304" pitchFamily="18" charset="0"/>
               </a:rPr>
-              <a:t>Studies excluded on abstract </a:t>
-            </a:r>
-            <a:r>
-              <a:rPr kumimoji="0" lang="fr-FR" altLang="fr-FR" sz="1400" b="1" i="0" u="none" strike="noStrike" cap="none" normalizeH="0" baseline="0" noProof="1" smtClean="0">
+              <a:t>Studies excluded on </a:t>
+            </a:r>
+            <a:r>
+              <a:rPr kumimoji="0" lang="fr-FR" altLang="fr-FR" sz="1400" b="0" i="0" u="none" strike="noStrike" cap="none" normalizeH="0" baseline="0" noProof="1" smtClean="0">
                 <a:ln>
                   <a:noFill/>
                 </a:ln>
                 <a:solidFill>
-                  <a:srgbClr val="0040CF"/>
+                  <a:srgbClr val="002060"/>
                 </a:solidFill>
                 <a:effectLst/>
                 <a:latin typeface="Calibri" panose="020F0502020204030204" pitchFamily="34" charset="0"/>
                 <a:ea typeface="Calibri" panose="020F0502020204030204" pitchFamily="34" charset="0"/>
                 <a:cs typeface="Times New Roman" panose="02020603050405020304" pitchFamily="18" charset="0"/>
               </a:rPr>
-              <a:t>(n = </a:t>
+              <a:t>title or abstract </a:t>
+            </a:r>
+            <a:r>
+              <a:rPr kumimoji="0" lang="fr-FR" altLang="fr-FR" sz="1400" b="1" i="0" u="none" strike="noStrike" cap="none" normalizeH="0" baseline="0" noProof="1" smtClean="0">
+                <a:ln>
+                  <a:noFill/>
+                </a:ln>
+                <a:solidFill>
+                  <a:srgbClr val="0040CF"/>
+                </a:solidFill>
+                <a:effectLst/>
+                <a:latin typeface="Calibri" panose="020F0502020204030204" pitchFamily="34" charset="0"/>
+                <a:ea typeface="Calibri" panose="020F0502020204030204" pitchFamily="34" charset="0"/>
+                <a:cs typeface="Times New Roman" panose="02020603050405020304" pitchFamily="18" charset="0"/>
+              </a:rPr>
+              <a:t>(n </a:t>
+            </a:r>
+            <a:r>
+              <a:rPr kumimoji="0" lang="fr-FR" altLang="fr-FR" sz="1400" b="1" i="0" u="none" strike="noStrike" cap="none" normalizeH="0" baseline="0" noProof="1" smtClean="0">
+                <a:ln>
+                  <a:noFill/>
+                </a:ln>
+                <a:solidFill>
+                  <a:srgbClr val="0040CF"/>
+                </a:solidFill>
+                <a:effectLst/>
+                <a:latin typeface="Calibri" panose="020F0502020204030204" pitchFamily="34" charset="0"/>
+                <a:ea typeface="Calibri" panose="020F0502020204030204" pitchFamily="34" charset="0"/>
+                <a:cs typeface="Times New Roman" panose="02020603050405020304" pitchFamily="18" charset="0"/>
+              </a:rPr>
+              <a:t>= </a:t>
             </a:r>
             <a:r>
               <a:rPr lang="fr-FR" altLang="fr-FR" sz="1400" b="1" noProof="1" smtClean="0">
@@ -4508,22 +4538,7 @@
                 <a:ea typeface="Calibri" panose="020F0502020204030204" pitchFamily="34" charset="0"/>
                 <a:cs typeface="Times New Roman" panose="02020603050405020304" pitchFamily="18" charset="0"/>
               </a:rPr>
-              <a:t>Full text not available (n = </a:t>
-            </a:r>
-            <a:r>
-              <a:rPr kumimoji="0" lang="fr-FR" altLang="fr-FR" sz="1200" b="0" i="0" u="none" strike="noStrike" cap="none" normalizeH="0" baseline="0" noProof="1" smtClean="0">
-                <a:ln>
-                  <a:noFill/>
-                </a:ln>
-                <a:solidFill>
-                  <a:srgbClr val="002060"/>
-                </a:solidFill>
-                <a:effectLst/>
-                <a:latin typeface="Calibri" panose="020F0502020204030204" pitchFamily="34" charset="0"/>
-                <a:ea typeface="Calibri" panose="020F0502020204030204" pitchFamily="34" charset="0"/>
-                <a:cs typeface="Times New Roman" panose="02020603050405020304" pitchFamily="18" charset="0"/>
-              </a:rPr>
-              <a:t>4)</a:t>
+              <a:t>Full text not available (n = 4)</a:t>
             </a:r>
             <a:endParaRPr kumimoji="0" lang="fr-FR" altLang="fr-FR" sz="400" b="0" i="0" u="none" strike="noStrike" cap="none" normalizeH="0" baseline="0" noProof="1" smtClean="0">
               <a:ln>
@@ -4565,22 +4580,7 @@
                 <a:ea typeface="Calibri" panose="020F0502020204030204" pitchFamily="34" charset="0"/>
                 <a:cs typeface="Times New Roman" panose="02020603050405020304" pitchFamily="18" charset="0"/>
               </a:rPr>
-              <a:t>No health (or economic) impact assessment (n = </a:t>
-            </a:r>
-            <a:r>
-              <a:rPr kumimoji="0" lang="fr-FR" altLang="fr-FR" sz="1200" b="0" i="0" u="none" strike="noStrike" cap="none" normalizeH="0" baseline="0" noProof="1" smtClean="0">
-                <a:ln>
-                  <a:noFill/>
-                </a:ln>
-                <a:solidFill>
-                  <a:srgbClr val="002060"/>
-                </a:solidFill>
-                <a:effectLst/>
-                <a:latin typeface="Calibri" panose="020F0502020204030204" pitchFamily="34" charset="0"/>
-                <a:ea typeface="Calibri" panose="020F0502020204030204" pitchFamily="34" charset="0"/>
-                <a:cs typeface="Times New Roman" panose="02020603050405020304" pitchFamily="18" charset="0"/>
-              </a:rPr>
-              <a:t>10)</a:t>
+              <a:t>No health (or economic) impact assessment (n = 10)</a:t>
             </a:r>
             <a:endParaRPr kumimoji="0" lang="fr-FR" altLang="fr-FR" sz="400" b="0" i="0" u="none" strike="noStrike" cap="none" normalizeH="0" baseline="0" noProof="1" smtClean="0">
               <a:ln>
@@ -4622,22 +4622,7 @@
                 <a:ea typeface="Calibri" panose="020F0502020204030204" pitchFamily="34" charset="0"/>
                 <a:cs typeface="Times New Roman" panose="02020603050405020304" pitchFamily="18" charset="0"/>
               </a:rPr>
-              <a:t>The aim of the scenario(s) is not carbon neutrality (n = </a:t>
-            </a:r>
-            <a:r>
-              <a:rPr kumimoji="0" lang="fr-FR" altLang="fr-FR" sz="1200" b="0" i="0" u="none" strike="noStrike" cap="none" normalizeH="0" baseline="0" noProof="1" smtClean="0">
-                <a:ln>
-                  <a:noFill/>
-                </a:ln>
-                <a:solidFill>
-                  <a:srgbClr val="002060"/>
-                </a:solidFill>
-                <a:effectLst/>
-                <a:latin typeface="Calibri" panose="020F0502020204030204" pitchFamily="34" charset="0"/>
-                <a:ea typeface="Calibri" panose="020F0502020204030204" pitchFamily="34" charset="0"/>
-                <a:cs typeface="Times New Roman" panose="02020603050405020304" pitchFamily="18" charset="0"/>
-              </a:rPr>
-              <a:t>12)</a:t>
+              <a:t>The aim of the scenario(s) is not carbon neutrality (n = 12)</a:t>
             </a:r>
             <a:endParaRPr kumimoji="0" lang="fr-FR" altLang="fr-FR" sz="1800" b="0" i="0" u="none" strike="noStrike" cap="none" normalizeH="0" baseline="0" noProof="1" smtClean="0">
               <a:ln>
@@ -5547,22 +5532,7 @@
                 <a:ea typeface="Calibri" panose="020F0502020204030204" pitchFamily="34" charset="0"/>
                 <a:cs typeface="Times New Roman" panose="02020603050405020304" pitchFamily="18" charset="0"/>
               </a:rPr>
-              <a:t>(n = </a:t>
-            </a:r>
-            <a:r>
-              <a:rPr kumimoji="0" lang="fr-FR" altLang="fr-FR" sz="1600" b="1" i="0" u="none" strike="noStrike" cap="none" normalizeH="0" baseline="0" noProof="1" smtClean="0">
-                <a:ln>
-                  <a:noFill/>
-                </a:ln>
-                <a:solidFill>
-                  <a:srgbClr val="0040CF"/>
-                </a:solidFill>
-                <a:effectLst/>
-                <a:latin typeface="Calibri" panose="020F0502020204030204" pitchFamily="34" charset="0"/>
-                <a:ea typeface="Calibri" panose="020F0502020204030204" pitchFamily="34" charset="0"/>
-                <a:cs typeface="Times New Roman" panose="02020603050405020304" pitchFamily="18" charset="0"/>
-              </a:rPr>
-              <a:t>3700)</a:t>
+              <a:t>(n = 3700)</a:t>
             </a:r>
             <a:endParaRPr kumimoji="0" lang="fr-FR" altLang="fr-FR" sz="400" b="0" i="0" u="none" strike="noStrike" cap="none" normalizeH="0" baseline="0" noProof="1" smtClean="0">
               <a:ln>
@@ -5604,22 +5574,7 @@
                 <a:ea typeface="Calibri" panose="020F0502020204030204" pitchFamily="34" charset="0"/>
                 <a:cs typeface="Times New Roman" panose="02020603050405020304" pitchFamily="18" charset="0"/>
               </a:rPr>
-              <a:t>Scopus (n = </a:t>
-            </a:r>
-            <a:r>
-              <a:rPr kumimoji="0" lang="fr-FR" altLang="fr-FR" sz="1400" b="0" i="0" u="none" strike="noStrike" cap="none" normalizeH="0" baseline="0" noProof="1" smtClean="0">
-                <a:ln>
-                  <a:noFill/>
-                </a:ln>
-                <a:solidFill>
-                  <a:srgbClr val="002060"/>
-                </a:solidFill>
-                <a:effectLst/>
-                <a:latin typeface="Calibri" panose="020F0502020204030204" pitchFamily="34" charset="0"/>
-                <a:ea typeface="Calibri" panose="020F0502020204030204" pitchFamily="34" charset="0"/>
-                <a:cs typeface="Times New Roman" panose="02020603050405020304" pitchFamily="18" charset="0"/>
-              </a:rPr>
-              <a:t>1663)</a:t>
+              <a:t>Scopus (n = 1663)</a:t>
             </a:r>
             <a:endParaRPr kumimoji="0" lang="fr-FR" altLang="fr-FR" sz="400" b="0" i="0" u="none" strike="noStrike" cap="none" normalizeH="0" baseline="0" noProof="1" smtClean="0">
               <a:ln>
@@ -5703,22 +5658,7 @@
                 <a:ea typeface="Calibri" panose="020F0502020204030204" pitchFamily="34" charset="0"/>
                 <a:cs typeface="Times New Roman" panose="02020603050405020304" pitchFamily="18" charset="0"/>
               </a:rPr>
-              <a:t>PubMed (n </a:t>
-            </a:r>
-            <a:r>
-              <a:rPr kumimoji="0" lang="fr-FR" altLang="fr-FR" sz="1400" b="0" i="0" u="none" strike="noStrike" cap="none" normalizeH="0" baseline="0" noProof="1" smtClean="0">
-                <a:ln>
-                  <a:noFill/>
-                </a:ln>
-                <a:solidFill>
-                  <a:srgbClr val="002060"/>
-                </a:solidFill>
-                <a:effectLst/>
-                <a:latin typeface="Calibri" panose="020F0502020204030204" pitchFamily="34" charset="0"/>
-                <a:ea typeface="Calibri" panose="020F0502020204030204" pitchFamily="34" charset="0"/>
-                <a:cs typeface="Times New Roman" panose="02020603050405020304" pitchFamily="18" charset="0"/>
-              </a:rPr>
-              <a:t>=</a:t>
+              <a:t>PubMed (n =</a:t>
             </a:r>
             <a:r>
               <a:rPr kumimoji="0" lang="fr-FR" altLang="fr-FR" sz="1400" b="0" i="0" u="none" strike="noStrike" cap="none" normalizeH="0" noProof="1" smtClean="0">
@@ -6175,8 +6115,26 @@
                 <a:ea typeface="Calibri" panose="020F0502020204030204" pitchFamily="34" charset="0"/>
                 <a:cs typeface="Times New Roman" panose="02020603050405020304" pitchFamily="18" charset="0"/>
               </a:rPr>
-              <a:t>References from corresponding authors </a:t>
-            </a:r>
+              <a:t>References sent by corresponding authors from included studies</a:t>
+            </a:r>
+          </a:p>
+          <a:p>
+            <a:pPr marL="0" marR="0" lvl="0" indent="0" algn="l" defTabSz="914400" rtl="0" eaLnBrk="0" fontAlgn="base" latinLnBrk="0" hangingPunct="0">
+              <a:lnSpc>
+                <a:spcPct val="100000"/>
+              </a:lnSpc>
+              <a:spcBef>
+                <a:spcPct val="0"/>
+              </a:spcBef>
+              <a:spcAft>
+                <a:spcPct val="0"/>
+              </a:spcAft>
+              <a:buClrTx/>
+              <a:buSzTx/>
+              <a:buFontTx/>
+              <a:buNone/>
+              <a:tabLst/>
+            </a:pPr>
             <a:r>
               <a:rPr kumimoji="0" lang="fr-FR" altLang="fr-FR" sz="1400" b="1" i="0" u="none" strike="noStrike" cap="none" normalizeH="0" baseline="0" noProof="1" smtClean="0">
                 <a:ln>
@@ -6256,8 +6214,8 @@
         </p:nvCxnSpPr>
         <p:spPr>
           <a:xfrm flipH="1">
-            <a:off x="2366328" y="5266849"/>
-            <a:ext cx="10795" cy="886301"/>
+            <a:off x="2366328" y="5330825"/>
+            <a:ext cx="3175" cy="822325"/>
           </a:xfrm>
           <a:prstGeom prst="straightConnector1">
             <a:avLst/>

--- a/figures/flow chart.pptx
+++ b/figures/flow chart.pptx
@@ -244,7 +244,7 @@
           <a:p>
             <a:fld id="{42C1B6C2-A197-4731-A0B2-F9ADA2CD47A2}" type="datetimeFigureOut">
               <a:rPr lang="fr-FR" smtClean="0"/>
-              <a:t>11/05/2024</a:t>
+              <a:t>17/05/2024</a:t>
             </a:fld>
             <a:endParaRPr lang="fr-FR"/>
           </a:p>
@@ -414,7 +414,7 @@
           <a:p>
             <a:fld id="{42C1B6C2-A197-4731-A0B2-F9ADA2CD47A2}" type="datetimeFigureOut">
               <a:rPr lang="fr-FR" smtClean="0"/>
-              <a:t>11/05/2024</a:t>
+              <a:t>17/05/2024</a:t>
             </a:fld>
             <a:endParaRPr lang="fr-FR"/>
           </a:p>
@@ -594,7 +594,7 @@
           <a:p>
             <a:fld id="{42C1B6C2-A197-4731-A0B2-F9ADA2CD47A2}" type="datetimeFigureOut">
               <a:rPr lang="fr-FR" smtClean="0"/>
-              <a:t>11/05/2024</a:t>
+              <a:t>17/05/2024</a:t>
             </a:fld>
             <a:endParaRPr lang="fr-FR"/>
           </a:p>
@@ -764,7 +764,7 @@
           <a:p>
             <a:fld id="{42C1B6C2-A197-4731-A0B2-F9ADA2CD47A2}" type="datetimeFigureOut">
               <a:rPr lang="fr-FR" smtClean="0"/>
-              <a:t>11/05/2024</a:t>
+              <a:t>17/05/2024</a:t>
             </a:fld>
             <a:endParaRPr lang="fr-FR"/>
           </a:p>
@@ -1008,7 +1008,7 @@
           <a:p>
             <a:fld id="{42C1B6C2-A197-4731-A0B2-F9ADA2CD47A2}" type="datetimeFigureOut">
               <a:rPr lang="fr-FR" smtClean="0"/>
-              <a:t>11/05/2024</a:t>
+              <a:t>17/05/2024</a:t>
             </a:fld>
             <a:endParaRPr lang="fr-FR"/>
           </a:p>
@@ -1240,7 +1240,7 @@
           <a:p>
             <a:fld id="{42C1B6C2-A197-4731-A0B2-F9ADA2CD47A2}" type="datetimeFigureOut">
               <a:rPr lang="fr-FR" smtClean="0"/>
-              <a:t>11/05/2024</a:t>
+              <a:t>17/05/2024</a:t>
             </a:fld>
             <a:endParaRPr lang="fr-FR"/>
           </a:p>
@@ -1607,7 +1607,7 @@
           <a:p>
             <a:fld id="{42C1B6C2-A197-4731-A0B2-F9ADA2CD47A2}" type="datetimeFigureOut">
               <a:rPr lang="fr-FR" smtClean="0"/>
-              <a:t>11/05/2024</a:t>
+              <a:t>17/05/2024</a:t>
             </a:fld>
             <a:endParaRPr lang="fr-FR"/>
           </a:p>
@@ -1725,7 +1725,7 @@
           <a:p>
             <a:fld id="{42C1B6C2-A197-4731-A0B2-F9ADA2CD47A2}" type="datetimeFigureOut">
               <a:rPr lang="fr-FR" smtClean="0"/>
-              <a:t>11/05/2024</a:t>
+              <a:t>17/05/2024</a:t>
             </a:fld>
             <a:endParaRPr lang="fr-FR"/>
           </a:p>
@@ -1820,7 +1820,7 @@
           <a:p>
             <a:fld id="{42C1B6C2-A197-4731-A0B2-F9ADA2CD47A2}" type="datetimeFigureOut">
               <a:rPr lang="fr-FR" smtClean="0"/>
-              <a:t>11/05/2024</a:t>
+              <a:t>17/05/2024</a:t>
             </a:fld>
             <a:endParaRPr lang="fr-FR"/>
           </a:p>
@@ -2097,7 +2097,7 @@
           <a:p>
             <a:fld id="{42C1B6C2-A197-4731-A0B2-F9ADA2CD47A2}" type="datetimeFigureOut">
               <a:rPr lang="fr-FR" smtClean="0"/>
-              <a:t>11/05/2024</a:t>
+              <a:t>17/05/2024</a:t>
             </a:fld>
             <a:endParaRPr lang="fr-FR"/>
           </a:p>
@@ -2354,7 +2354,7 @@
           <a:p>
             <a:fld id="{42C1B6C2-A197-4731-A0B2-F9ADA2CD47A2}" type="datetimeFigureOut">
               <a:rPr lang="fr-FR" smtClean="0"/>
-              <a:t>11/05/2024</a:t>
+              <a:t>17/05/2024</a:t>
             </a:fld>
             <a:endParaRPr lang="fr-FR"/>
           </a:p>
@@ -2567,7 +2567,7 @@
           <a:p>
             <a:fld id="{42C1B6C2-A197-4731-A0B2-F9ADA2CD47A2}" type="datetimeFigureOut">
               <a:rPr lang="fr-FR" smtClean="0"/>
-              <a:t>11/05/2024</a:t>
+              <a:t>17/05/2024</a:t>
             </a:fld>
             <a:endParaRPr lang="fr-FR"/>
           </a:p>
@@ -3661,52 +3661,22 @@
                 <a:ea typeface="Calibri" panose="020F0502020204030204" pitchFamily="34" charset="0"/>
                 <a:cs typeface="Times New Roman" panose="02020603050405020304" pitchFamily="18" charset="0"/>
               </a:rPr>
-              <a:t>Screening </a:t>
-            </a:r>
-            <a:r>
-              <a:rPr kumimoji="0" lang="fr-FR" altLang="fr-FR" sz="1600" b="0" i="0" u="none" strike="noStrike" cap="none" normalizeH="0" baseline="0" noProof="1" smtClean="0">
+              <a:t>Screening of title and abstract </a:t>
+            </a:r>
+            <a:r>
+              <a:rPr kumimoji="0" lang="fr-FR" altLang="fr-FR" sz="1600" b="1" i="0" u="none" strike="noStrike" cap="none" normalizeH="0" baseline="0" noProof="1" smtClean="0">
                 <a:ln>
                   <a:noFill/>
                 </a:ln>
                 <a:solidFill>
-                  <a:srgbClr val="002060"/>
+                  <a:srgbClr val="0040CF"/>
                 </a:solidFill>
                 <a:effectLst/>
                 <a:latin typeface="Calibri" panose="020F0502020204030204" pitchFamily="34" charset="0"/>
                 <a:ea typeface="Calibri" panose="020F0502020204030204" pitchFamily="34" charset="0"/>
                 <a:cs typeface="Times New Roman" panose="02020603050405020304" pitchFamily="18" charset="0"/>
               </a:rPr>
-              <a:t>of title and abstract </a:t>
-            </a:r>
-            <a:r>
-              <a:rPr kumimoji="0" lang="fr-FR" altLang="fr-FR" sz="1600" b="1" i="0" u="none" strike="noStrike" cap="none" normalizeH="0" baseline="0" noProof="1" smtClean="0">
-                <a:ln>
-                  <a:noFill/>
-                </a:ln>
-                <a:solidFill>
-                  <a:srgbClr val="0040CF"/>
-                </a:solidFill>
-                <a:effectLst/>
-                <a:latin typeface="Calibri" panose="020F0502020204030204" pitchFamily="34" charset="0"/>
-                <a:ea typeface="Calibri" panose="020F0502020204030204" pitchFamily="34" charset="0"/>
-                <a:cs typeface="Times New Roman" panose="02020603050405020304" pitchFamily="18" charset="0"/>
-              </a:rPr>
-              <a:t>(</a:t>
-            </a:r>
-            <a:r>
-              <a:rPr kumimoji="0" lang="fr-FR" altLang="fr-FR" sz="1600" b="1" i="0" u="none" strike="noStrike" cap="none" normalizeH="0" baseline="0" noProof="1" smtClean="0">
-                <a:ln>
-                  <a:noFill/>
-                </a:ln>
-                <a:solidFill>
-                  <a:srgbClr val="0040CF"/>
-                </a:solidFill>
-                <a:effectLst/>
-                <a:latin typeface="Calibri" panose="020F0502020204030204" pitchFamily="34" charset="0"/>
-                <a:ea typeface="Calibri" panose="020F0502020204030204" pitchFamily="34" charset="0"/>
-                <a:cs typeface="Times New Roman" panose="02020603050405020304" pitchFamily="18" charset="0"/>
-              </a:rPr>
-              <a:t>n = </a:t>
+              <a:t>(n = </a:t>
             </a:r>
             <a:r>
               <a:rPr lang="fr-FR" altLang="fr-FR" sz="1600" b="1" noProof="1" smtClean="0">
@@ -4049,52 +4019,22 @@
                 <a:ea typeface="Calibri" panose="020F0502020204030204" pitchFamily="34" charset="0"/>
                 <a:cs typeface="Times New Roman" panose="02020603050405020304" pitchFamily="18" charset="0"/>
               </a:rPr>
-              <a:t>Studies excluded on </a:t>
-            </a:r>
-            <a:r>
-              <a:rPr kumimoji="0" lang="fr-FR" altLang="fr-FR" sz="1400" b="0" i="0" u="none" strike="noStrike" cap="none" normalizeH="0" baseline="0" noProof="1" smtClean="0">
+              <a:t>Studies excluded on title or abstract </a:t>
+            </a:r>
+            <a:r>
+              <a:rPr kumimoji="0" lang="fr-FR" altLang="fr-FR" sz="1400" b="1" i="0" u="none" strike="noStrike" cap="none" normalizeH="0" baseline="0" noProof="1" smtClean="0">
                 <a:ln>
                   <a:noFill/>
                 </a:ln>
                 <a:solidFill>
-                  <a:srgbClr val="002060"/>
+                  <a:srgbClr val="0040CF"/>
                 </a:solidFill>
                 <a:effectLst/>
                 <a:latin typeface="Calibri" panose="020F0502020204030204" pitchFamily="34" charset="0"/>
                 <a:ea typeface="Calibri" panose="020F0502020204030204" pitchFamily="34" charset="0"/>
                 <a:cs typeface="Times New Roman" panose="02020603050405020304" pitchFamily="18" charset="0"/>
               </a:rPr>
-              <a:t>title or abstract </a:t>
-            </a:r>
-            <a:r>
-              <a:rPr kumimoji="0" lang="fr-FR" altLang="fr-FR" sz="1400" b="1" i="0" u="none" strike="noStrike" cap="none" normalizeH="0" baseline="0" noProof="1" smtClean="0">
-                <a:ln>
-                  <a:noFill/>
-                </a:ln>
-                <a:solidFill>
-                  <a:srgbClr val="0040CF"/>
-                </a:solidFill>
-                <a:effectLst/>
-                <a:latin typeface="Calibri" panose="020F0502020204030204" pitchFamily="34" charset="0"/>
-                <a:ea typeface="Calibri" panose="020F0502020204030204" pitchFamily="34" charset="0"/>
-                <a:cs typeface="Times New Roman" panose="02020603050405020304" pitchFamily="18" charset="0"/>
-              </a:rPr>
-              <a:t>(n </a:t>
-            </a:r>
-            <a:r>
-              <a:rPr kumimoji="0" lang="fr-FR" altLang="fr-FR" sz="1400" b="1" i="0" u="none" strike="noStrike" cap="none" normalizeH="0" baseline="0" noProof="1" smtClean="0">
-                <a:ln>
-                  <a:noFill/>
-                </a:ln>
-                <a:solidFill>
-                  <a:srgbClr val="0040CF"/>
-                </a:solidFill>
-                <a:effectLst/>
-                <a:latin typeface="Calibri" panose="020F0502020204030204" pitchFamily="34" charset="0"/>
-                <a:ea typeface="Calibri" panose="020F0502020204030204" pitchFamily="34" charset="0"/>
-                <a:cs typeface="Times New Roman" panose="02020603050405020304" pitchFamily="18" charset="0"/>
-              </a:rPr>
-              <a:t>= </a:t>
+              <a:t>(n = </a:t>
             </a:r>
             <a:r>
               <a:rPr lang="fr-FR" altLang="fr-FR" sz="1400" b="1" noProof="1" smtClean="0">
@@ -4538,7 +4478,22 @@
                 <a:ea typeface="Calibri" panose="020F0502020204030204" pitchFamily="34" charset="0"/>
                 <a:cs typeface="Times New Roman" panose="02020603050405020304" pitchFamily="18" charset="0"/>
               </a:rPr>
-              <a:t>Full text not available (n = 4)</a:t>
+              <a:t>Full text not available (n = </a:t>
+            </a:r>
+            <a:r>
+              <a:rPr kumimoji="0" lang="fr-FR" altLang="fr-FR" sz="1200" b="0" i="0" u="none" strike="noStrike" cap="none" normalizeH="0" baseline="0" noProof="1" smtClean="0">
+                <a:ln>
+                  <a:noFill/>
+                </a:ln>
+                <a:solidFill>
+                  <a:srgbClr val="002060"/>
+                </a:solidFill>
+                <a:effectLst/>
+                <a:latin typeface="Calibri" panose="020F0502020204030204" pitchFamily="34" charset="0"/>
+                <a:ea typeface="Calibri" panose="020F0502020204030204" pitchFamily="34" charset="0"/>
+                <a:cs typeface="Times New Roman" panose="02020603050405020304" pitchFamily="18" charset="0"/>
+              </a:rPr>
+              <a:t>3)</a:t>
             </a:r>
             <a:endParaRPr kumimoji="0" lang="fr-FR" altLang="fr-FR" sz="400" b="0" i="0" u="none" strike="noStrike" cap="none" normalizeH="0" baseline="0" noProof="1" smtClean="0">
               <a:ln>
@@ -4622,7 +4577,22 @@
                 <a:ea typeface="Calibri" panose="020F0502020204030204" pitchFamily="34" charset="0"/>
                 <a:cs typeface="Times New Roman" panose="02020603050405020304" pitchFamily="18" charset="0"/>
               </a:rPr>
-              <a:t>The aim of the scenario(s) is not carbon neutrality (n = 12)</a:t>
+              <a:t>The aim of the scenario(s) is not carbon neutrality (n = </a:t>
+            </a:r>
+            <a:r>
+              <a:rPr kumimoji="0" lang="fr-FR" altLang="fr-FR" sz="1200" b="0" i="0" u="none" strike="noStrike" cap="none" normalizeH="0" baseline="0" noProof="1" smtClean="0">
+                <a:ln>
+                  <a:noFill/>
+                </a:ln>
+                <a:solidFill>
+                  <a:srgbClr val="002060"/>
+                </a:solidFill>
+                <a:effectLst/>
+                <a:latin typeface="Calibri" panose="020F0502020204030204" pitchFamily="34" charset="0"/>
+                <a:ea typeface="Calibri" panose="020F0502020204030204" pitchFamily="34" charset="0"/>
+                <a:cs typeface="Times New Roman" panose="02020603050405020304" pitchFamily="18" charset="0"/>
+              </a:rPr>
+              <a:t>13)</a:t>
             </a:r>
             <a:endParaRPr kumimoji="0" lang="fr-FR" altLang="fr-FR" sz="1800" b="0" i="0" u="none" strike="noStrike" cap="none" normalizeH="0" baseline="0" noProof="1" smtClean="0">
               <a:ln>

--- a/figures/flow chart.pptx
+++ b/figures/flow chart.pptx
@@ -244,7 +244,7 @@
           <a:p>
             <a:fld id="{42C1B6C2-A197-4731-A0B2-F9ADA2CD47A2}" type="datetimeFigureOut">
               <a:rPr lang="fr-FR" smtClean="0"/>
-              <a:t>17/05/2024</a:t>
+              <a:t>27/05/2024</a:t>
             </a:fld>
             <a:endParaRPr lang="fr-FR"/>
           </a:p>
@@ -414,7 +414,7 @@
           <a:p>
             <a:fld id="{42C1B6C2-A197-4731-A0B2-F9ADA2CD47A2}" type="datetimeFigureOut">
               <a:rPr lang="fr-FR" smtClean="0"/>
-              <a:t>17/05/2024</a:t>
+              <a:t>27/05/2024</a:t>
             </a:fld>
             <a:endParaRPr lang="fr-FR"/>
           </a:p>
@@ -594,7 +594,7 @@
           <a:p>
             <a:fld id="{42C1B6C2-A197-4731-A0B2-F9ADA2CD47A2}" type="datetimeFigureOut">
               <a:rPr lang="fr-FR" smtClean="0"/>
-              <a:t>17/05/2024</a:t>
+              <a:t>27/05/2024</a:t>
             </a:fld>
             <a:endParaRPr lang="fr-FR"/>
           </a:p>
@@ -764,7 +764,7 @@
           <a:p>
             <a:fld id="{42C1B6C2-A197-4731-A0B2-F9ADA2CD47A2}" type="datetimeFigureOut">
               <a:rPr lang="fr-FR" smtClean="0"/>
-              <a:t>17/05/2024</a:t>
+              <a:t>27/05/2024</a:t>
             </a:fld>
             <a:endParaRPr lang="fr-FR"/>
           </a:p>
@@ -1008,7 +1008,7 @@
           <a:p>
             <a:fld id="{42C1B6C2-A197-4731-A0B2-F9ADA2CD47A2}" type="datetimeFigureOut">
               <a:rPr lang="fr-FR" smtClean="0"/>
-              <a:t>17/05/2024</a:t>
+              <a:t>27/05/2024</a:t>
             </a:fld>
             <a:endParaRPr lang="fr-FR"/>
           </a:p>
@@ -1240,7 +1240,7 @@
           <a:p>
             <a:fld id="{42C1B6C2-A197-4731-A0B2-F9ADA2CD47A2}" type="datetimeFigureOut">
               <a:rPr lang="fr-FR" smtClean="0"/>
-              <a:t>17/05/2024</a:t>
+              <a:t>27/05/2024</a:t>
             </a:fld>
             <a:endParaRPr lang="fr-FR"/>
           </a:p>
@@ -1607,7 +1607,7 @@
           <a:p>
             <a:fld id="{42C1B6C2-A197-4731-A0B2-F9ADA2CD47A2}" type="datetimeFigureOut">
               <a:rPr lang="fr-FR" smtClean="0"/>
-              <a:t>17/05/2024</a:t>
+              <a:t>27/05/2024</a:t>
             </a:fld>
             <a:endParaRPr lang="fr-FR"/>
           </a:p>
@@ -1725,7 +1725,7 @@
           <a:p>
             <a:fld id="{42C1B6C2-A197-4731-A0B2-F9ADA2CD47A2}" type="datetimeFigureOut">
               <a:rPr lang="fr-FR" smtClean="0"/>
-              <a:t>17/05/2024</a:t>
+              <a:t>27/05/2024</a:t>
             </a:fld>
             <a:endParaRPr lang="fr-FR"/>
           </a:p>
@@ -1820,7 +1820,7 @@
           <a:p>
             <a:fld id="{42C1B6C2-A197-4731-A0B2-F9ADA2CD47A2}" type="datetimeFigureOut">
               <a:rPr lang="fr-FR" smtClean="0"/>
-              <a:t>17/05/2024</a:t>
+              <a:t>27/05/2024</a:t>
             </a:fld>
             <a:endParaRPr lang="fr-FR"/>
           </a:p>
@@ -2097,7 +2097,7 @@
           <a:p>
             <a:fld id="{42C1B6C2-A197-4731-A0B2-F9ADA2CD47A2}" type="datetimeFigureOut">
               <a:rPr lang="fr-FR" smtClean="0"/>
-              <a:t>17/05/2024</a:t>
+              <a:t>27/05/2024</a:t>
             </a:fld>
             <a:endParaRPr lang="fr-FR"/>
           </a:p>
@@ -2354,7 +2354,7 @@
           <a:p>
             <a:fld id="{42C1B6C2-A197-4731-A0B2-F9ADA2CD47A2}" type="datetimeFigureOut">
               <a:rPr lang="fr-FR" smtClean="0"/>
-              <a:t>17/05/2024</a:t>
+              <a:t>27/05/2024</a:t>
             </a:fld>
             <a:endParaRPr lang="fr-FR"/>
           </a:p>
@@ -2567,7 +2567,7 @@
           <a:p>
             <a:fld id="{42C1B6C2-A197-4731-A0B2-F9ADA2CD47A2}" type="datetimeFigureOut">
               <a:rPr lang="fr-FR" smtClean="0"/>
-              <a:t>17/05/2024</a:t>
+              <a:t>27/05/2024</a:t>
             </a:fld>
             <a:endParaRPr lang="fr-FR"/>
           </a:p>
@@ -3907,7 +3907,22 @@
                 <a:ea typeface="Calibri" panose="020F0502020204030204" pitchFamily="34" charset="0"/>
                 <a:cs typeface="Times New Roman" panose="02020603050405020304" pitchFamily="18" charset="0"/>
               </a:rPr>
-              <a:t>Duplicate removed</a:t>
+              <a:t>Duplicates </a:t>
+            </a:r>
+            <a:r>
+              <a:rPr kumimoji="0" lang="fr-FR" altLang="fr-FR" sz="1400" b="0" i="0" u="none" strike="noStrike" cap="none" normalizeH="0" baseline="0" noProof="1" smtClean="0">
+                <a:ln>
+                  <a:noFill/>
+                </a:ln>
+                <a:solidFill>
+                  <a:srgbClr val="002060"/>
+                </a:solidFill>
+                <a:effectLst/>
+                <a:latin typeface="Calibri" panose="020F0502020204030204" pitchFamily="34" charset="0"/>
+                <a:ea typeface="Calibri" panose="020F0502020204030204" pitchFamily="34" charset="0"/>
+                <a:cs typeface="Times New Roman" panose="02020603050405020304" pitchFamily="18" charset="0"/>
+              </a:rPr>
+              <a:t>removed</a:t>
             </a:r>
             <a:r>
               <a:rPr kumimoji="0" lang="fr-FR" altLang="fr-FR" sz="1400" b="0" i="0" u="none" strike="noStrike" cap="none" normalizeH="0" noProof="1" smtClean="0">
@@ -4478,22 +4493,7 @@
                 <a:ea typeface="Calibri" panose="020F0502020204030204" pitchFamily="34" charset="0"/>
                 <a:cs typeface="Times New Roman" panose="02020603050405020304" pitchFamily="18" charset="0"/>
               </a:rPr>
-              <a:t>Full text not available (n = </a:t>
-            </a:r>
-            <a:r>
-              <a:rPr kumimoji="0" lang="fr-FR" altLang="fr-FR" sz="1200" b="0" i="0" u="none" strike="noStrike" cap="none" normalizeH="0" baseline="0" noProof="1" smtClean="0">
-                <a:ln>
-                  <a:noFill/>
-                </a:ln>
-                <a:solidFill>
-                  <a:srgbClr val="002060"/>
-                </a:solidFill>
-                <a:effectLst/>
-                <a:latin typeface="Calibri" panose="020F0502020204030204" pitchFamily="34" charset="0"/>
-                <a:ea typeface="Calibri" panose="020F0502020204030204" pitchFamily="34" charset="0"/>
-                <a:cs typeface="Times New Roman" panose="02020603050405020304" pitchFamily="18" charset="0"/>
-              </a:rPr>
-              <a:t>3)</a:t>
+              <a:t>Full text not available (n = 3)</a:t>
             </a:r>
             <a:endParaRPr kumimoji="0" lang="fr-FR" altLang="fr-FR" sz="400" b="0" i="0" u="none" strike="noStrike" cap="none" normalizeH="0" baseline="0" noProof="1" smtClean="0">
               <a:ln>
@@ -4577,22 +4577,7 @@
                 <a:ea typeface="Calibri" panose="020F0502020204030204" pitchFamily="34" charset="0"/>
                 <a:cs typeface="Times New Roman" panose="02020603050405020304" pitchFamily="18" charset="0"/>
               </a:rPr>
-              <a:t>The aim of the scenario(s) is not carbon neutrality (n = </a:t>
-            </a:r>
-            <a:r>
-              <a:rPr kumimoji="0" lang="fr-FR" altLang="fr-FR" sz="1200" b="0" i="0" u="none" strike="noStrike" cap="none" normalizeH="0" baseline="0" noProof="1" smtClean="0">
-                <a:ln>
-                  <a:noFill/>
-                </a:ln>
-                <a:solidFill>
-                  <a:srgbClr val="002060"/>
-                </a:solidFill>
-                <a:effectLst/>
-                <a:latin typeface="Calibri" panose="020F0502020204030204" pitchFamily="34" charset="0"/>
-                <a:ea typeface="Calibri" panose="020F0502020204030204" pitchFamily="34" charset="0"/>
-                <a:cs typeface="Times New Roman" panose="02020603050405020304" pitchFamily="18" charset="0"/>
-              </a:rPr>
-              <a:t>13)</a:t>
+              <a:t>The aim of the scenario(s) is not carbon neutrality (n = 13)</a:t>
             </a:r>
             <a:endParaRPr kumimoji="0" lang="fr-FR" altLang="fr-FR" sz="1800" b="0" i="0" u="none" strike="noStrike" cap="none" normalizeH="0" baseline="0" noProof="1" smtClean="0">
               <a:ln>

--- a/figures/flow chart.pptx
+++ b/figures/flow chart.pptx
@@ -244,7 +244,7 @@
           <a:p>
             <a:fld id="{42C1B6C2-A197-4731-A0B2-F9ADA2CD47A2}" type="datetimeFigureOut">
               <a:rPr lang="fr-FR" smtClean="0"/>
-              <a:t>27/05/2024</a:t>
+              <a:t>10/06/2024</a:t>
             </a:fld>
             <a:endParaRPr lang="fr-FR"/>
           </a:p>
@@ -414,7 +414,7 @@
           <a:p>
             <a:fld id="{42C1B6C2-A197-4731-A0B2-F9ADA2CD47A2}" type="datetimeFigureOut">
               <a:rPr lang="fr-FR" smtClean="0"/>
-              <a:t>27/05/2024</a:t>
+              <a:t>10/06/2024</a:t>
             </a:fld>
             <a:endParaRPr lang="fr-FR"/>
           </a:p>
@@ -594,7 +594,7 @@
           <a:p>
             <a:fld id="{42C1B6C2-A197-4731-A0B2-F9ADA2CD47A2}" type="datetimeFigureOut">
               <a:rPr lang="fr-FR" smtClean="0"/>
-              <a:t>27/05/2024</a:t>
+              <a:t>10/06/2024</a:t>
             </a:fld>
             <a:endParaRPr lang="fr-FR"/>
           </a:p>
@@ -764,7 +764,7 @@
           <a:p>
             <a:fld id="{42C1B6C2-A197-4731-A0B2-F9ADA2CD47A2}" type="datetimeFigureOut">
               <a:rPr lang="fr-FR" smtClean="0"/>
-              <a:t>27/05/2024</a:t>
+              <a:t>10/06/2024</a:t>
             </a:fld>
             <a:endParaRPr lang="fr-FR"/>
           </a:p>
@@ -1008,7 +1008,7 @@
           <a:p>
             <a:fld id="{42C1B6C2-A197-4731-A0B2-F9ADA2CD47A2}" type="datetimeFigureOut">
               <a:rPr lang="fr-FR" smtClean="0"/>
-              <a:t>27/05/2024</a:t>
+              <a:t>10/06/2024</a:t>
             </a:fld>
             <a:endParaRPr lang="fr-FR"/>
           </a:p>
@@ -1240,7 +1240,7 @@
           <a:p>
             <a:fld id="{42C1B6C2-A197-4731-A0B2-F9ADA2CD47A2}" type="datetimeFigureOut">
               <a:rPr lang="fr-FR" smtClean="0"/>
-              <a:t>27/05/2024</a:t>
+              <a:t>10/06/2024</a:t>
             </a:fld>
             <a:endParaRPr lang="fr-FR"/>
           </a:p>
@@ -1607,7 +1607,7 @@
           <a:p>
             <a:fld id="{42C1B6C2-A197-4731-A0B2-F9ADA2CD47A2}" type="datetimeFigureOut">
               <a:rPr lang="fr-FR" smtClean="0"/>
-              <a:t>27/05/2024</a:t>
+              <a:t>10/06/2024</a:t>
             </a:fld>
             <a:endParaRPr lang="fr-FR"/>
           </a:p>
@@ -1725,7 +1725,7 @@
           <a:p>
             <a:fld id="{42C1B6C2-A197-4731-A0B2-F9ADA2CD47A2}" type="datetimeFigureOut">
               <a:rPr lang="fr-FR" smtClean="0"/>
-              <a:t>27/05/2024</a:t>
+              <a:t>10/06/2024</a:t>
             </a:fld>
             <a:endParaRPr lang="fr-FR"/>
           </a:p>
@@ -1820,7 +1820,7 @@
           <a:p>
             <a:fld id="{42C1B6C2-A197-4731-A0B2-F9ADA2CD47A2}" type="datetimeFigureOut">
               <a:rPr lang="fr-FR" smtClean="0"/>
-              <a:t>27/05/2024</a:t>
+              <a:t>10/06/2024</a:t>
             </a:fld>
             <a:endParaRPr lang="fr-FR"/>
           </a:p>
@@ -2097,7 +2097,7 @@
           <a:p>
             <a:fld id="{42C1B6C2-A197-4731-A0B2-F9ADA2CD47A2}" type="datetimeFigureOut">
               <a:rPr lang="fr-FR" smtClean="0"/>
-              <a:t>27/05/2024</a:t>
+              <a:t>10/06/2024</a:t>
             </a:fld>
             <a:endParaRPr lang="fr-FR"/>
           </a:p>
@@ -2354,7 +2354,7 @@
           <a:p>
             <a:fld id="{42C1B6C2-A197-4731-A0B2-F9ADA2CD47A2}" type="datetimeFigureOut">
               <a:rPr lang="fr-FR" smtClean="0"/>
-              <a:t>27/05/2024</a:t>
+              <a:t>10/06/2024</a:t>
             </a:fld>
             <a:endParaRPr lang="fr-FR"/>
           </a:p>
@@ -2567,7 +2567,7 @@
           <a:p>
             <a:fld id="{42C1B6C2-A197-4731-A0B2-F9ADA2CD47A2}" type="datetimeFigureOut">
               <a:rPr lang="fr-FR" smtClean="0"/>
-              <a:t>27/05/2024</a:t>
+              <a:t>10/06/2024</a:t>
             </a:fld>
             <a:endParaRPr lang="fr-FR"/>
           </a:p>
@@ -3907,22 +3907,7 @@
                 <a:ea typeface="Calibri" panose="020F0502020204030204" pitchFamily="34" charset="0"/>
                 <a:cs typeface="Times New Roman" panose="02020603050405020304" pitchFamily="18" charset="0"/>
               </a:rPr>
-              <a:t>Duplicates </a:t>
-            </a:r>
-            <a:r>
-              <a:rPr kumimoji="0" lang="fr-FR" altLang="fr-FR" sz="1400" b="0" i="0" u="none" strike="noStrike" cap="none" normalizeH="0" baseline="0" noProof="1" smtClean="0">
-                <a:ln>
-                  <a:noFill/>
-                </a:ln>
-                <a:solidFill>
-                  <a:srgbClr val="002060"/>
-                </a:solidFill>
-                <a:effectLst/>
-                <a:latin typeface="Calibri" panose="020F0502020204030204" pitchFamily="34" charset="0"/>
-                <a:ea typeface="Calibri" panose="020F0502020204030204" pitchFamily="34" charset="0"/>
-                <a:cs typeface="Times New Roman" panose="02020603050405020304" pitchFamily="18" charset="0"/>
-              </a:rPr>
-              <a:t>removed</a:t>
+              <a:t>Duplicates removed</a:t>
             </a:r>
             <a:r>
               <a:rPr kumimoji="0" lang="fr-FR" altLang="fr-FR" sz="1400" b="0" i="0" u="none" strike="noStrike" cap="none" normalizeH="0" noProof="1" smtClean="0">
@@ -6934,7 +6919,22 @@
                 <a:ea typeface="Calibri" panose="020F0502020204030204" pitchFamily="34" charset="0"/>
                 <a:cs typeface="Times New Roman" panose="02020603050405020304" pitchFamily="18" charset="0"/>
               </a:rPr>
-              <a:t>(n = 1975)</a:t>
+              <a:t>(n = </a:t>
+            </a:r>
+            <a:r>
+              <a:rPr kumimoji="0" lang="fr-FR" altLang="fr-FR" sz="1600" b="1" i="0" u="none" strike="noStrike" cap="none" normalizeH="0" baseline="0" noProof="1" smtClean="0">
+                <a:ln>
+                  <a:noFill/>
+                </a:ln>
+                <a:solidFill>
+                  <a:srgbClr val="0040CF"/>
+                </a:solidFill>
+                <a:effectLst/>
+                <a:latin typeface="Calibri" panose="020F0502020204030204" pitchFamily="34" charset="0"/>
+                <a:ea typeface="Calibri" panose="020F0502020204030204" pitchFamily="34" charset="0"/>
+                <a:cs typeface="Times New Roman" panose="02020603050405020304" pitchFamily="18" charset="0"/>
+              </a:rPr>
+              <a:t>2348)</a:t>
             </a:r>
             <a:endParaRPr kumimoji="0" lang="fr-FR" altLang="fr-FR" sz="1800" b="0" i="0" u="none" strike="noStrike" cap="none" normalizeH="0" baseline="0" noProof="1" smtClean="0">
               <a:ln>
@@ -7034,7 +7034,33 @@
                 <a:ea typeface="Calibri" panose="020F0502020204030204" pitchFamily="34" charset="0"/>
                 <a:cs typeface="Times New Roman" panose="02020603050405020304" pitchFamily="18" charset="0"/>
               </a:rPr>
-              <a:t>(n = 77)    </a:t>
+              <a:t>(n = </a:t>
+            </a:r>
+            <a:r>
+              <a:rPr lang="fr-FR" altLang="fr-FR" sz="1600" b="1" noProof="1" smtClean="0">
+                <a:solidFill>
+                  <a:srgbClr val="0040CF"/>
+                </a:solidFill>
+                <a:latin typeface="Calibri" panose="020F0502020204030204" pitchFamily="34" charset="0"/>
+                <a:ea typeface="Calibri" panose="020F0502020204030204" pitchFamily="34" charset="0"/>
+                <a:cs typeface="Times New Roman" panose="02020603050405020304" pitchFamily="18" charset="0"/>
+              </a:rPr>
+              <a:t>89</a:t>
+            </a:r>
+            <a:r>
+              <a:rPr kumimoji="0" lang="fr-FR" altLang="fr-FR" sz="1600" b="1" i="0" u="none" strike="noStrike" cap="none" normalizeH="0" baseline="0" noProof="1" smtClean="0">
+                <a:ln>
+                  <a:noFill/>
+                </a:ln>
+                <a:solidFill>
+                  <a:srgbClr val="0040CF"/>
+                </a:solidFill>
+                <a:effectLst/>
+                <a:latin typeface="Calibri" panose="020F0502020204030204" pitchFamily="34" charset="0"/>
+                <a:ea typeface="Calibri" panose="020F0502020204030204" pitchFamily="34" charset="0"/>
+                <a:cs typeface="Times New Roman" panose="02020603050405020304" pitchFamily="18" charset="0"/>
+              </a:rPr>
+              <a:t>)    </a:t>
             </a:r>
             <a:endParaRPr kumimoji="0" lang="fr-FR" altLang="fr-FR" sz="1800" b="0" i="0" u="none" strike="noStrike" cap="none" normalizeH="0" baseline="0" noProof="1" smtClean="0">
               <a:ln>
@@ -7131,7 +7157,22 @@
                 <a:ea typeface="Calibri" panose="020F0502020204030204" pitchFamily="34" charset="0"/>
                 <a:cs typeface="Times New Roman" panose="02020603050405020304" pitchFamily="18" charset="0"/>
               </a:rPr>
-              <a:t>(n = 1106)</a:t>
+              <a:t>(n = </a:t>
+            </a:r>
+            <a:r>
+              <a:rPr kumimoji="0" lang="fr-FR" altLang="fr-FR" sz="1400" b="1" i="0" u="none" strike="noStrike" cap="none" normalizeH="0" baseline="0" noProof="1" smtClean="0">
+                <a:ln>
+                  <a:noFill/>
+                </a:ln>
+                <a:solidFill>
+                  <a:srgbClr val="0040CF"/>
+                </a:solidFill>
+                <a:effectLst/>
+                <a:latin typeface="Calibri" panose="020F0502020204030204" pitchFamily="34" charset="0"/>
+                <a:ea typeface="Calibri" panose="020F0502020204030204" pitchFamily="34" charset="0"/>
+                <a:cs typeface="Times New Roman" panose="02020603050405020304" pitchFamily="18" charset="0"/>
+              </a:rPr>
+              <a:t>1391)</a:t>
             </a:r>
             <a:endParaRPr kumimoji="0" lang="fr-FR" altLang="fr-FR" sz="1800" b="0" i="0" u="none" strike="noStrike" cap="none" normalizeH="0" baseline="0" noProof="1" smtClean="0">
               <a:ln>
@@ -7231,7 +7272,33 @@
                 <a:ea typeface="Calibri" panose="020F0502020204030204" pitchFamily="34" charset="0"/>
                 <a:cs typeface="Times New Roman" panose="02020603050405020304" pitchFamily="18" charset="0"/>
               </a:rPr>
-              <a:t>(n = 1898)</a:t>
+              <a:t>(n = </a:t>
+            </a:r>
+            <a:r>
+              <a:rPr lang="fr-FR" altLang="fr-FR" sz="1400" b="1" noProof="1" smtClean="0">
+                <a:solidFill>
+                  <a:srgbClr val="0040CF"/>
+                </a:solidFill>
+                <a:latin typeface="Calibri" panose="020F0502020204030204" pitchFamily="34" charset="0"/>
+                <a:ea typeface="Calibri" panose="020F0502020204030204" pitchFamily="34" charset="0"/>
+                <a:cs typeface="Times New Roman" panose="02020603050405020304" pitchFamily="18" charset="0"/>
+              </a:rPr>
+              <a:t>2259</a:t>
+            </a:r>
+            <a:r>
+              <a:rPr kumimoji="0" lang="fr-FR" altLang="fr-FR" sz="1400" b="1" i="0" u="none" strike="noStrike" cap="none" normalizeH="0" baseline="0" noProof="1" smtClean="0">
+                <a:ln>
+                  <a:noFill/>
+                </a:ln>
+                <a:solidFill>
+                  <a:srgbClr val="0040CF"/>
+                </a:solidFill>
+                <a:effectLst/>
+                <a:latin typeface="Calibri" panose="020F0502020204030204" pitchFamily="34" charset="0"/>
+                <a:ea typeface="Calibri" panose="020F0502020204030204" pitchFamily="34" charset="0"/>
+                <a:cs typeface="Times New Roman" panose="02020603050405020304" pitchFamily="18" charset="0"/>
+              </a:rPr>
+              <a:t>)</a:t>
             </a:r>
             <a:endParaRPr kumimoji="0" lang="fr-FR" altLang="fr-FR" sz="1800" b="0" i="0" u="none" strike="noStrike" cap="none" normalizeH="0" baseline="0" noProof="1" smtClean="0">
               <a:ln>
@@ -7421,7 +7488,18 @@
                 <a:ea typeface="Calibri" panose="020F0502020204030204" pitchFamily="34" charset="0"/>
                 <a:cs typeface="Times New Roman" panose="02020603050405020304" pitchFamily="18" charset="0"/>
               </a:rPr>
-              <a:t>Études exclues</a:t>
+              <a:t>Études </a:t>
+            </a:r>
+            <a:r>
+              <a:rPr lang="fr-FR" altLang="fr-FR" sz="1400" noProof="1" smtClean="0">
+                <a:solidFill>
+                  <a:srgbClr val="002060"/>
+                </a:solidFill>
+                <a:latin typeface="Calibri" panose="020F0502020204030204" pitchFamily="34" charset="0"/>
+                <a:ea typeface="Calibri" panose="020F0502020204030204" pitchFamily="34" charset="0"/>
+                <a:cs typeface="Times New Roman" panose="02020603050405020304" pitchFamily="18" charset="0"/>
+              </a:rPr>
+              <a:t>exclues </a:t>
             </a:r>
             <a:r>
               <a:rPr kumimoji="0" lang="fr-FR" altLang="fr-FR" sz="1400" b="1" i="0" u="none" strike="noStrike" cap="none" normalizeH="0" baseline="0" noProof="1" smtClean="0">
@@ -7436,7 +7514,48 @@
                 <a:ea typeface="Calibri" panose="020F0502020204030204" pitchFamily="34" charset="0"/>
                 <a:cs typeface="Times New Roman" panose="02020603050405020304" pitchFamily="18" charset="0"/>
               </a:rPr>
-              <a:t>(n = 29)  </a:t>
+              <a:t>(</a:t>
+            </a:r>
+            <a:r>
+              <a:rPr kumimoji="0" lang="fr-FR" altLang="fr-FR" sz="1400" b="1" i="0" u="none" strike="noStrike" cap="none" normalizeH="0" baseline="0" noProof="1" smtClean="0">
+                <a:ln>
+                  <a:noFill/>
+                </a:ln>
+                <a:solidFill>
+                  <a:srgbClr val="0040CF"/>
+                </a:solidFill>
+                <a:effectLst/>
+                <a:latin typeface="Calibri" panose="020F0502020204030204" pitchFamily="34" charset="0"/>
+                <a:ea typeface="Calibri" panose="020F0502020204030204" pitchFamily="34" charset="0"/>
+                <a:cs typeface="Times New Roman" panose="02020603050405020304" pitchFamily="18" charset="0"/>
+              </a:rPr>
+              <a:t>n = </a:t>
+            </a:r>
+            <a:r>
+              <a:rPr lang="fr-FR" altLang="fr-FR" sz="1400" b="1" noProof="1" smtClean="0">
+                <a:solidFill>
+                  <a:srgbClr val="0040CF"/>
+                </a:solidFill>
+                <a:latin typeface="Calibri" panose="020F0502020204030204" pitchFamily="34" charset="0"/>
+                <a:ea typeface="Calibri" panose="020F0502020204030204" pitchFamily="34" charset="0"/>
+                <a:cs typeface="Times New Roman" panose="02020603050405020304" pitchFamily="18" charset="0"/>
+              </a:rPr>
+              <a:t>33</a:t>
+            </a:r>
+            <a:r>
+              <a:rPr kumimoji="0" lang="fr-FR" altLang="fr-FR" sz="1400" b="1" i="0" u="none" strike="noStrike" cap="none" normalizeH="0" baseline="0" noProof="1" smtClean="0">
+                <a:ln>
+                  <a:noFill/>
+                </a:ln>
+                <a:solidFill>
+                  <a:srgbClr val="0040CF"/>
+                </a:solidFill>
+                <a:effectLst/>
+                <a:latin typeface="Calibri" panose="020F0502020204030204" pitchFamily="34" charset="0"/>
+                <a:ea typeface="Calibri" panose="020F0502020204030204" pitchFamily="34" charset="0"/>
+                <a:cs typeface="Times New Roman" panose="02020603050405020304" pitchFamily="18" charset="0"/>
+              </a:rPr>
+              <a:t>)  </a:t>
             </a:r>
             <a:endParaRPr kumimoji="0" lang="fr-FR" altLang="fr-FR" sz="400" b="0" i="0" u="none" strike="noStrike" cap="none" normalizeH="0" baseline="0" noProof="1" smtClean="0">
               <a:ln>
@@ -7676,7 +7795,22 @@
                 <a:ea typeface="Calibri" panose="020F0502020204030204" pitchFamily="34" charset="0"/>
                 <a:cs typeface="Times New Roman" panose="02020603050405020304" pitchFamily="18" charset="0"/>
               </a:rPr>
-              <a:t>Pas d’évaluation d’impact sanitaire ou économique (n = 5)</a:t>
+              <a:t>Pas d’évaluation d’impact sanitaire ou économique (n = </a:t>
+            </a:r>
+            <a:r>
+              <a:rPr kumimoji="0" lang="fr-FR" altLang="fr-FR" sz="1200" b="0" i="0" u="none" strike="noStrike" cap="none" normalizeH="0" baseline="0" noProof="1" smtClean="0">
+                <a:ln>
+                  <a:noFill/>
+                </a:ln>
+                <a:solidFill>
+                  <a:srgbClr val="002060"/>
+                </a:solidFill>
+                <a:effectLst/>
+                <a:latin typeface="Calibri" panose="020F0502020204030204" pitchFamily="34" charset="0"/>
+                <a:ea typeface="Calibri" panose="020F0502020204030204" pitchFamily="34" charset="0"/>
+                <a:cs typeface="Times New Roman" panose="02020603050405020304" pitchFamily="18" charset="0"/>
+              </a:rPr>
+              <a:t>10)</a:t>
             </a:r>
             <a:endParaRPr kumimoji="0" lang="fr-FR" altLang="fr-FR" sz="400" b="0" i="0" u="none" strike="noStrike" cap="none" normalizeH="0" baseline="0" noProof="1" smtClean="0">
               <a:ln>
@@ -7748,7 +7882,22 @@
                 <a:ea typeface="Calibri" panose="020F0502020204030204" pitchFamily="34" charset="0"/>
                 <a:cs typeface="Times New Roman" panose="02020603050405020304" pitchFamily="18" charset="0"/>
               </a:rPr>
-              <a:t> (n = 14)</a:t>
+              <a:t> (n = </a:t>
+            </a:r>
+            <a:r>
+              <a:rPr kumimoji="0" lang="fr-FR" altLang="fr-FR" sz="1200" b="0" i="0" u="none" strike="noStrike" cap="none" normalizeH="0" baseline="0" noProof="1" smtClean="0">
+                <a:ln>
+                  <a:noFill/>
+                </a:ln>
+                <a:solidFill>
+                  <a:srgbClr val="002060"/>
+                </a:solidFill>
+                <a:effectLst/>
+                <a:latin typeface="Calibri" panose="020F0502020204030204" pitchFamily="34" charset="0"/>
+                <a:ea typeface="Calibri" panose="020F0502020204030204" pitchFamily="34" charset="0"/>
+                <a:cs typeface="Times New Roman" panose="02020603050405020304" pitchFamily="18" charset="0"/>
+              </a:rPr>
+              <a:t>13)</a:t>
             </a:r>
             <a:endParaRPr kumimoji="0" lang="fr-FR" altLang="fr-FR" sz="1800" b="0" i="0" u="none" strike="noStrike" cap="none" normalizeH="0" baseline="0" noProof="1" smtClean="0">
               <a:ln>
@@ -8028,7 +8177,33 @@
                 <a:ea typeface="Calibri" panose="020F0502020204030204" pitchFamily="34" charset="0"/>
                 <a:cs typeface="Times New Roman" panose="02020603050405020304" pitchFamily="18" charset="0"/>
               </a:rPr>
-              <a:t>(n = 48)    </a:t>
+              <a:t>(n = </a:t>
+            </a:r>
+            <a:r>
+              <a:rPr lang="fr-FR" altLang="fr-FR" sz="1600" b="1" noProof="1" smtClean="0">
+                <a:solidFill>
+                  <a:srgbClr val="0040CF"/>
+                </a:solidFill>
+                <a:latin typeface="Calibri" panose="020F0502020204030204" pitchFamily="34" charset="0"/>
+                <a:ea typeface="Calibri" panose="020F0502020204030204" pitchFamily="34" charset="0"/>
+                <a:cs typeface="Times New Roman" panose="02020603050405020304" pitchFamily="18" charset="0"/>
+              </a:rPr>
+              <a:t>56</a:t>
+            </a:r>
+            <a:r>
+              <a:rPr kumimoji="0" lang="fr-FR" altLang="fr-FR" sz="1600" b="1" i="0" u="none" strike="noStrike" cap="none" normalizeH="0" baseline="0" noProof="1" smtClean="0">
+                <a:ln>
+                  <a:noFill/>
+                </a:ln>
+                <a:solidFill>
+                  <a:srgbClr val="0040CF"/>
+                </a:solidFill>
+                <a:effectLst/>
+                <a:latin typeface="Calibri" panose="020F0502020204030204" pitchFamily="34" charset="0"/>
+                <a:ea typeface="Calibri" panose="020F0502020204030204" pitchFamily="34" charset="0"/>
+                <a:cs typeface="Times New Roman" panose="02020603050405020304" pitchFamily="18" charset="0"/>
+              </a:rPr>
+              <a:t>)    </a:t>
             </a:r>
             <a:endParaRPr kumimoji="0" lang="fr-FR" altLang="fr-FR" sz="1800" b="0" i="0" u="none" strike="noStrike" cap="none" normalizeH="0" baseline="0" noProof="1" smtClean="0">
               <a:ln>
@@ -8631,7 +8806,22 @@
                 <a:ea typeface="Calibri" panose="020F0502020204030204" pitchFamily="34" charset="0"/>
                 <a:cs typeface="Times New Roman" panose="02020603050405020304" pitchFamily="18" charset="0"/>
               </a:rPr>
-              <a:t>(n = 3042)</a:t>
+              <a:t>(n = </a:t>
+            </a:r>
+            <a:r>
+              <a:rPr kumimoji="0" lang="fr-FR" altLang="fr-FR" sz="1600" b="1" i="0" u="none" strike="noStrike" cap="none" normalizeH="0" baseline="0" noProof="1" smtClean="0">
+                <a:ln>
+                  <a:noFill/>
+                </a:ln>
+                <a:solidFill>
+                  <a:srgbClr val="0040CF"/>
+                </a:solidFill>
+                <a:effectLst/>
+                <a:latin typeface="Calibri" panose="020F0502020204030204" pitchFamily="34" charset="0"/>
+                <a:ea typeface="Calibri" panose="020F0502020204030204" pitchFamily="34" charset="0"/>
+                <a:cs typeface="Times New Roman" panose="02020603050405020304" pitchFamily="18" charset="0"/>
+              </a:rPr>
+              <a:t>3700)</a:t>
             </a:r>
             <a:endParaRPr kumimoji="0" lang="fr-FR" altLang="fr-FR" sz="400" b="0" i="0" u="none" strike="noStrike" cap="none" normalizeH="0" baseline="0" noProof="1" smtClean="0">
               <a:ln>
@@ -8673,7 +8863,22 @@
                 <a:ea typeface="Calibri" panose="020F0502020204030204" pitchFamily="34" charset="0"/>
                 <a:cs typeface="Times New Roman" panose="02020603050405020304" pitchFamily="18" charset="0"/>
               </a:rPr>
-              <a:t>Scopus (n = 1179)</a:t>
+              <a:t>Scopus (n = </a:t>
+            </a:r>
+            <a:r>
+              <a:rPr kumimoji="0" lang="fr-FR" altLang="fr-FR" sz="1400" b="0" i="0" u="none" strike="noStrike" cap="none" normalizeH="0" baseline="0" noProof="1" smtClean="0">
+                <a:ln>
+                  <a:noFill/>
+                </a:ln>
+                <a:solidFill>
+                  <a:srgbClr val="002060"/>
+                </a:solidFill>
+                <a:effectLst/>
+                <a:latin typeface="Calibri" panose="020F0502020204030204" pitchFamily="34" charset="0"/>
+                <a:ea typeface="Calibri" panose="020F0502020204030204" pitchFamily="34" charset="0"/>
+                <a:cs typeface="Times New Roman" panose="02020603050405020304" pitchFamily="18" charset="0"/>
+              </a:rPr>
+              <a:t>1663)</a:t>
             </a:r>
             <a:endParaRPr kumimoji="0" lang="fr-FR" altLang="fr-FR" sz="400" b="0" i="0" u="none" strike="noStrike" cap="none" normalizeH="0" baseline="0" noProof="1" smtClean="0">
               <a:ln>
@@ -8757,7 +8962,33 @@
                 <a:ea typeface="Calibri" panose="020F0502020204030204" pitchFamily="34" charset="0"/>
                 <a:cs typeface="Times New Roman" panose="02020603050405020304" pitchFamily="18" charset="0"/>
               </a:rPr>
-              <a:t>PubMed (n = 762)</a:t>
+              <a:t>PubMed (n = </a:t>
+            </a:r>
+            <a:r>
+              <a:rPr lang="fr-FR" altLang="fr-FR" sz="1400" noProof="1" smtClean="0">
+                <a:solidFill>
+                  <a:srgbClr val="002060"/>
+                </a:solidFill>
+                <a:latin typeface="Calibri" panose="020F0502020204030204" pitchFamily="34" charset="0"/>
+                <a:ea typeface="Calibri" panose="020F0502020204030204" pitchFamily="34" charset="0"/>
+                <a:cs typeface="Times New Roman" panose="02020603050405020304" pitchFamily="18" charset="0"/>
+              </a:rPr>
+              <a:t>936</a:t>
+            </a:r>
+            <a:r>
+              <a:rPr kumimoji="0" lang="fr-FR" altLang="fr-FR" sz="1400" b="0" i="0" u="none" strike="noStrike" cap="none" normalizeH="0" baseline="0" noProof="1" smtClean="0">
+                <a:ln>
+                  <a:noFill/>
+                </a:ln>
+                <a:solidFill>
+                  <a:srgbClr val="002060"/>
+                </a:solidFill>
+                <a:effectLst/>
+                <a:latin typeface="Calibri" panose="020F0502020204030204" pitchFamily="34" charset="0"/>
+                <a:ea typeface="Calibri" panose="020F0502020204030204" pitchFamily="34" charset="0"/>
+                <a:cs typeface="Times New Roman" panose="02020603050405020304" pitchFamily="18" charset="0"/>
+              </a:rPr>
+              <a:t>)</a:t>
             </a:r>
             <a:endParaRPr kumimoji="0" lang="fr-FR" altLang="fr-FR" sz="1800" b="0" i="0" u="none" strike="noStrike" cap="none" normalizeH="0" baseline="0" noProof="1" smtClean="0">
               <a:ln>

--- a/figures/flow chart.pptx
+++ b/figures/flow chart.pptx
@@ -244,7 +244,7 @@
           <a:p>
             <a:fld id="{42C1B6C2-A197-4731-A0B2-F9ADA2CD47A2}" type="datetimeFigureOut">
               <a:rPr lang="fr-FR" smtClean="0"/>
-              <a:t>10/06/2024</a:t>
+              <a:t>12/06/2024</a:t>
             </a:fld>
             <a:endParaRPr lang="fr-FR"/>
           </a:p>
@@ -414,7 +414,7 @@
           <a:p>
             <a:fld id="{42C1B6C2-A197-4731-A0B2-F9ADA2CD47A2}" type="datetimeFigureOut">
               <a:rPr lang="fr-FR" smtClean="0"/>
-              <a:t>10/06/2024</a:t>
+              <a:t>12/06/2024</a:t>
             </a:fld>
             <a:endParaRPr lang="fr-FR"/>
           </a:p>
@@ -594,7 +594,7 @@
           <a:p>
             <a:fld id="{42C1B6C2-A197-4731-A0B2-F9ADA2CD47A2}" type="datetimeFigureOut">
               <a:rPr lang="fr-FR" smtClean="0"/>
-              <a:t>10/06/2024</a:t>
+              <a:t>12/06/2024</a:t>
             </a:fld>
             <a:endParaRPr lang="fr-FR"/>
           </a:p>
@@ -764,7 +764,7 @@
           <a:p>
             <a:fld id="{42C1B6C2-A197-4731-A0B2-F9ADA2CD47A2}" type="datetimeFigureOut">
               <a:rPr lang="fr-FR" smtClean="0"/>
-              <a:t>10/06/2024</a:t>
+              <a:t>12/06/2024</a:t>
             </a:fld>
             <a:endParaRPr lang="fr-FR"/>
           </a:p>
@@ -1008,7 +1008,7 @@
           <a:p>
             <a:fld id="{42C1B6C2-A197-4731-A0B2-F9ADA2CD47A2}" type="datetimeFigureOut">
               <a:rPr lang="fr-FR" smtClean="0"/>
-              <a:t>10/06/2024</a:t>
+              <a:t>12/06/2024</a:t>
             </a:fld>
             <a:endParaRPr lang="fr-FR"/>
           </a:p>
@@ -1240,7 +1240,7 @@
           <a:p>
             <a:fld id="{42C1B6C2-A197-4731-A0B2-F9ADA2CD47A2}" type="datetimeFigureOut">
               <a:rPr lang="fr-FR" smtClean="0"/>
-              <a:t>10/06/2024</a:t>
+              <a:t>12/06/2024</a:t>
             </a:fld>
             <a:endParaRPr lang="fr-FR"/>
           </a:p>
@@ -1607,7 +1607,7 @@
           <a:p>
             <a:fld id="{42C1B6C2-A197-4731-A0B2-F9ADA2CD47A2}" type="datetimeFigureOut">
               <a:rPr lang="fr-FR" smtClean="0"/>
-              <a:t>10/06/2024</a:t>
+              <a:t>12/06/2024</a:t>
             </a:fld>
             <a:endParaRPr lang="fr-FR"/>
           </a:p>
@@ -1725,7 +1725,7 @@
           <a:p>
             <a:fld id="{42C1B6C2-A197-4731-A0B2-F9ADA2CD47A2}" type="datetimeFigureOut">
               <a:rPr lang="fr-FR" smtClean="0"/>
-              <a:t>10/06/2024</a:t>
+              <a:t>12/06/2024</a:t>
             </a:fld>
             <a:endParaRPr lang="fr-FR"/>
           </a:p>
@@ -1820,7 +1820,7 @@
           <a:p>
             <a:fld id="{42C1B6C2-A197-4731-A0B2-F9ADA2CD47A2}" type="datetimeFigureOut">
               <a:rPr lang="fr-FR" smtClean="0"/>
-              <a:t>10/06/2024</a:t>
+              <a:t>12/06/2024</a:t>
             </a:fld>
             <a:endParaRPr lang="fr-FR"/>
           </a:p>
@@ -2097,7 +2097,7 @@
           <a:p>
             <a:fld id="{42C1B6C2-A197-4731-A0B2-F9ADA2CD47A2}" type="datetimeFigureOut">
               <a:rPr lang="fr-FR" smtClean="0"/>
-              <a:t>10/06/2024</a:t>
+              <a:t>12/06/2024</a:t>
             </a:fld>
             <a:endParaRPr lang="fr-FR"/>
           </a:p>
@@ -2354,7 +2354,7 @@
           <a:p>
             <a:fld id="{42C1B6C2-A197-4731-A0B2-F9ADA2CD47A2}" type="datetimeFigureOut">
               <a:rPr lang="fr-FR" smtClean="0"/>
-              <a:t>10/06/2024</a:t>
+              <a:t>12/06/2024</a:t>
             </a:fld>
             <a:endParaRPr lang="fr-FR"/>
           </a:p>
@@ -2567,7 +2567,7 @@
           <a:p>
             <a:fld id="{42C1B6C2-A197-4731-A0B2-F9ADA2CD47A2}" type="datetimeFigureOut">
               <a:rPr lang="fr-FR" smtClean="0"/>
-              <a:t>10/06/2024</a:t>
+              <a:t>12/06/2024</a:t>
             </a:fld>
             <a:endParaRPr lang="fr-FR"/>
           </a:p>
@@ -4295,7 +4295,7 @@
                 <a:ea typeface="Calibri" panose="020F0502020204030204" pitchFamily="34" charset="0"/>
                 <a:cs typeface="Times New Roman" panose="02020603050405020304" pitchFamily="18" charset="0"/>
               </a:rPr>
-              <a:t>33</a:t>
+              <a:t>32</a:t>
             </a:r>
             <a:r>
               <a:rPr kumimoji="0" lang="fr-FR" altLang="fr-FR" sz="1400" b="1" i="0" u="none" strike="noStrike" cap="none" normalizeH="0" baseline="0" noProof="1" smtClean="0">
@@ -4436,7 +4436,22 @@
                 <a:ea typeface="Calibri" panose="020F0502020204030204" pitchFamily="34" charset="0"/>
                 <a:cs typeface="Times New Roman" panose="02020603050405020304" pitchFamily="18" charset="0"/>
               </a:rPr>
-              <a:t>No co-benefit pathway (n = 4)</a:t>
+              <a:t>No co-benefit pathway (n = </a:t>
+            </a:r>
+            <a:r>
+              <a:rPr kumimoji="0" lang="fr-FR" altLang="fr-FR" sz="1200" b="0" i="0" u="none" strike="noStrike" cap="none" normalizeH="0" baseline="0" noProof="1" smtClean="0">
+                <a:ln>
+                  <a:noFill/>
+                </a:ln>
+                <a:solidFill>
+                  <a:srgbClr val="002060"/>
+                </a:solidFill>
+                <a:effectLst/>
+                <a:latin typeface="Calibri" panose="020F0502020204030204" pitchFamily="34" charset="0"/>
+                <a:ea typeface="Calibri" panose="020F0502020204030204" pitchFamily="34" charset="0"/>
+                <a:cs typeface="Times New Roman" panose="02020603050405020304" pitchFamily="18" charset="0"/>
+              </a:rPr>
+              <a:t>5)</a:t>
             </a:r>
             <a:endParaRPr kumimoji="0" lang="fr-FR" altLang="fr-FR" sz="400" b="0" i="0" u="none" strike="noStrike" cap="none" normalizeH="0" baseline="0" noProof="1" smtClean="0">
               <a:ln>
@@ -4850,7 +4865,7 @@
                 <a:ea typeface="Calibri" panose="020F0502020204030204" pitchFamily="34" charset="0"/>
                 <a:cs typeface="Times New Roman" panose="02020603050405020304" pitchFamily="18" charset="0"/>
               </a:rPr>
-              <a:t>56</a:t>
+              <a:t>55</a:t>
             </a:r>
             <a:r>
               <a:rPr kumimoji="0" lang="fr-FR" altLang="fr-FR" sz="1600" b="1" i="0" u="none" strike="noStrike" cap="none" normalizeH="0" baseline="0" noProof="1" smtClean="0">
@@ -6919,22 +6934,7 @@
                 <a:ea typeface="Calibri" panose="020F0502020204030204" pitchFamily="34" charset="0"/>
                 <a:cs typeface="Times New Roman" panose="02020603050405020304" pitchFamily="18" charset="0"/>
               </a:rPr>
-              <a:t>(n = </a:t>
-            </a:r>
-            <a:r>
-              <a:rPr kumimoji="0" lang="fr-FR" altLang="fr-FR" sz="1600" b="1" i="0" u="none" strike="noStrike" cap="none" normalizeH="0" baseline="0" noProof="1" smtClean="0">
-                <a:ln>
-                  <a:noFill/>
-                </a:ln>
-                <a:solidFill>
-                  <a:srgbClr val="0040CF"/>
-                </a:solidFill>
-                <a:effectLst/>
-                <a:latin typeface="Calibri" panose="020F0502020204030204" pitchFamily="34" charset="0"/>
-                <a:ea typeface="Calibri" panose="020F0502020204030204" pitchFamily="34" charset="0"/>
-                <a:cs typeface="Times New Roman" panose="02020603050405020304" pitchFamily="18" charset="0"/>
-              </a:rPr>
-              <a:t>2348)</a:t>
+              <a:t>(n = 2348)</a:t>
             </a:r>
             <a:endParaRPr kumimoji="0" lang="fr-FR" altLang="fr-FR" sz="1800" b="0" i="0" u="none" strike="noStrike" cap="none" normalizeH="0" baseline="0" noProof="1" smtClean="0">
               <a:ln>
@@ -7157,22 +7157,7 @@
                 <a:ea typeface="Calibri" panose="020F0502020204030204" pitchFamily="34" charset="0"/>
                 <a:cs typeface="Times New Roman" panose="02020603050405020304" pitchFamily="18" charset="0"/>
               </a:rPr>
-              <a:t>(n = </a:t>
-            </a:r>
-            <a:r>
-              <a:rPr kumimoji="0" lang="fr-FR" altLang="fr-FR" sz="1400" b="1" i="0" u="none" strike="noStrike" cap="none" normalizeH="0" baseline="0" noProof="1" smtClean="0">
-                <a:ln>
-                  <a:noFill/>
-                </a:ln>
-                <a:solidFill>
-                  <a:srgbClr val="0040CF"/>
-                </a:solidFill>
-                <a:effectLst/>
-                <a:latin typeface="Calibri" panose="020F0502020204030204" pitchFamily="34" charset="0"/>
-                <a:ea typeface="Calibri" panose="020F0502020204030204" pitchFamily="34" charset="0"/>
-                <a:cs typeface="Times New Roman" panose="02020603050405020304" pitchFamily="18" charset="0"/>
-              </a:rPr>
-              <a:t>1391)</a:t>
+              <a:t>(n = 1391)</a:t>
             </a:r>
             <a:endParaRPr kumimoji="0" lang="fr-FR" altLang="fr-FR" sz="1800" b="0" i="0" u="none" strike="noStrike" cap="none" normalizeH="0" baseline="0" noProof="1" smtClean="0">
               <a:ln>
@@ -7514,33 +7499,18 @@
                 <a:ea typeface="Calibri" panose="020F0502020204030204" pitchFamily="34" charset="0"/>
                 <a:cs typeface="Times New Roman" panose="02020603050405020304" pitchFamily="18" charset="0"/>
               </a:rPr>
-              <a:t>(</a:t>
-            </a:r>
-            <a:r>
-              <a:rPr kumimoji="0" lang="fr-FR" altLang="fr-FR" sz="1400" b="1" i="0" u="none" strike="noStrike" cap="none" normalizeH="0" baseline="0" noProof="1" smtClean="0">
-                <a:ln>
-                  <a:noFill/>
-                </a:ln>
+              <a:t>(n = </a:t>
+            </a:r>
+            <a:r>
+              <a:rPr lang="fr-FR" altLang="fr-FR" sz="1400" b="1" noProof="1" smtClean="0">
                 <a:solidFill>
                   <a:srgbClr val="0040CF"/>
                 </a:solidFill>
-                <a:effectLst/>
                 <a:latin typeface="Calibri" panose="020F0502020204030204" pitchFamily="34" charset="0"/>
                 <a:ea typeface="Calibri" panose="020F0502020204030204" pitchFamily="34" charset="0"/>
                 <a:cs typeface="Times New Roman" panose="02020603050405020304" pitchFamily="18" charset="0"/>
               </a:rPr>
-              <a:t>n = </a:t>
-            </a:r>
-            <a:r>
-              <a:rPr lang="fr-FR" altLang="fr-FR" sz="1400" b="1" noProof="1" smtClean="0">
-                <a:solidFill>
-                  <a:srgbClr val="0040CF"/>
-                </a:solidFill>
-                <a:latin typeface="Calibri" panose="020F0502020204030204" pitchFamily="34" charset="0"/>
-                <a:ea typeface="Calibri" panose="020F0502020204030204" pitchFamily="34" charset="0"/>
-                <a:cs typeface="Times New Roman" panose="02020603050405020304" pitchFamily="18" charset="0"/>
-              </a:rPr>
-              <a:t>33</a:t>
+              <a:t>32</a:t>
             </a:r>
             <a:r>
               <a:rPr kumimoji="0" lang="fr-FR" altLang="fr-FR" sz="1400" b="1" i="0" u="none" strike="noStrike" cap="none" normalizeH="0" baseline="0" noProof="1" smtClean="0">
@@ -7681,7 +7651,22 @@
                 <a:ea typeface="Calibri" panose="020F0502020204030204" pitchFamily="34" charset="0"/>
                 <a:cs typeface="Times New Roman" panose="02020603050405020304" pitchFamily="18" charset="0"/>
               </a:rPr>
-              <a:t>Pas de co-bénéfice (n = 4)</a:t>
+              <a:t>Pas de co-bénéfice (n = </a:t>
+            </a:r>
+            <a:r>
+              <a:rPr kumimoji="0" lang="fr-FR" altLang="fr-FR" sz="1200" b="0" i="0" u="none" strike="noStrike" cap="none" normalizeH="0" baseline="0" noProof="1" smtClean="0">
+                <a:ln>
+                  <a:noFill/>
+                </a:ln>
+                <a:solidFill>
+                  <a:srgbClr val="002060"/>
+                </a:solidFill>
+                <a:effectLst/>
+                <a:latin typeface="Calibri" panose="020F0502020204030204" pitchFamily="34" charset="0"/>
+                <a:ea typeface="Calibri" panose="020F0502020204030204" pitchFamily="34" charset="0"/>
+                <a:cs typeface="Times New Roman" panose="02020603050405020304" pitchFamily="18" charset="0"/>
+              </a:rPr>
+              <a:t>5)</a:t>
             </a:r>
             <a:endParaRPr kumimoji="0" lang="fr-FR" altLang="fr-FR" sz="400" b="0" i="0" u="none" strike="noStrike" cap="none" normalizeH="0" baseline="0" noProof="1" smtClean="0">
               <a:ln>
@@ -7795,22 +7780,7 @@
                 <a:ea typeface="Calibri" panose="020F0502020204030204" pitchFamily="34" charset="0"/>
                 <a:cs typeface="Times New Roman" panose="02020603050405020304" pitchFamily="18" charset="0"/>
               </a:rPr>
-              <a:t>Pas d’évaluation d’impact sanitaire ou économique (n = </a:t>
-            </a:r>
-            <a:r>
-              <a:rPr kumimoji="0" lang="fr-FR" altLang="fr-FR" sz="1200" b="0" i="0" u="none" strike="noStrike" cap="none" normalizeH="0" baseline="0" noProof="1" smtClean="0">
-                <a:ln>
-                  <a:noFill/>
-                </a:ln>
-                <a:solidFill>
-                  <a:srgbClr val="002060"/>
-                </a:solidFill>
-                <a:effectLst/>
-                <a:latin typeface="Calibri" panose="020F0502020204030204" pitchFamily="34" charset="0"/>
-                <a:ea typeface="Calibri" panose="020F0502020204030204" pitchFamily="34" charset="0"/>
-                <a:cs typeface="Times New Roman" panose="02020603050405020304" pitchFamily="18" charset="0"/>
-              </a:rPr>
-              <a:t>10)</a:t>
+              <a:t>Pas d’évaluation d’impact sanitaire ou économique (n = 10)</a:t>
             </a:r>
             <a:endParaRPr kumimoji="0" lang="fr-FR" altLang="fr-FR" sz="400" b="0" i="0" u="none" strike="noStrike" cap="none" normalizeH="0" baseline="0" noProof="1" smtClean="0">
               <a:ln>
@@ -7882,22 +7852,7 @@
                 <a:ea typeface="Calibri" panose="020F0502020204030204" pitchFamily="34" charset="0"/>
                 <a:cs typeface="Times New Roman" panose="02020603050405020304" pitchFamily="18" charset="0"/>
               </a:rPr>
-              <a:t> (n = </a:t>
-            </a:r>
-            <a:r>
-              <a:rPr kumimoji="0" lang="fr-FR" altLang="fr-FR" sz="1200" b="0" i="0" u="none" strike="noStrike" cap="none" normalizeH="0" baseline="0" noProof="1" smtClean="0">
-                <a:ln>
-                  <a:noFill/>
-                </a:ln>
-                <a:solidFill>
-                  <a:srgbClr val="002060"/>
-                </a:solidFill>
-                <a:effectLst/>
-                <a:latin typeface="Calibri" panose="020F0502020204030204" pitchFamily="34" charset="0"/>
-                <a:ea typeface="Calibri" panose="020F0502020204030204" pitchFamily="34" charset="0"/>
-                <a:cs typeface="Times New Roman" panose="02020603050405020304" pitchFamily="18" charset="0"/>
-              </a:rPr>
-              <a:t>13)</a:t>
+              <a:t> (n = 13)</a:t>
             </a:r>
             <a:endParaRPr kumimoji="0" lang="fr-FR" altLang="fr-FR" sz="1800" b="0" i="0" u="none" strike="noStrike" cap="none" normalizeH="0" baseline="0" noProof="1" smtClean="0">
               <a:ln>
@@ -8188,7 +8143,7 @@
                 <a:ea typeface="Calibri" panose="020F0502020204030204" pitchFamily="34" charset="0"/>
                 <a:cs typeface="Times New Roman" panose="02020603050405020304" pitchFamily="18" charset="0"/>
               </a:rPr>
-              <a:t>56</a:t>
+              <a:t>55</a:t>
             </a:r>
             <a:r>
               <a:rPr kumimoji="0" lang="fr-FR" altLang="fr-FR" sz="1600" b="1" i="0" u="none" strike="noStrike" cap="none" normalizeH="0" baseline="0" noProof="1" smtClean="0">
@@ -8806,22 +8761,7 @@
                 <a:ea typeface="Calibri" panose="020F0502020204030204" pitchFamily="34" charset="0"/>
                 <a:cs typeface="Times New Roman" panose="02020603050405020304" pitchFamily="18" charset="0"/>
               </a:rPr>
-              <a:t>(n = </a:t>
-            </a:r>
-            <a:r>
-              <a:rPr kumimoji="0" lang="fr-FR" altLang="fr-FR" sz="1600" b="1" i="0" u="none" strike="noStrike" cap="none" normalizeH="0" baseline="0" noProof="1" smtClean="0">
-                <a:ln>
-                  <a:noFill/>
-                </a:ln>
-                <a:solidFill>
-                  <a:srgbClr val="0040CF"/>
-                </a:solidFill>
-                <a:effectLst/>
-                <a:latin typeface="Calibri" panose="020F0502020204030204" pitchFamily="34" charset="0"/>
-                <a:ea typeface="Calibri" panose="020F0502020204030204" pitchFamily="34" charset="0"/>
-                <a:cs typeface="Times New Roman" panose="02020603050405020304" pitchFamily="18" charset="0"/>
-              </a:rPr>
-              <a:t>3700)</a:t>
+              <a:t>(n = 3700)</a:t>
             </a:r>
             <a:endParaRPr kumimoji="0" lang="fr-FR" altLang="fr-FR" sz="400" b="0" i="0" u="none" strike="noStrike" cap="none" normalizeH="0" baseline="0" noProof="1" smtClean="0">
               <a:ln>
@@ -8863,22 +8803,7 @@
                 <a:ea typeface="Calibri" panose="020F0502020204030204" pitchFamily="34" charset="0"/>
                 <a:cs typeface="Times New Roman" panose="02020603050405020304" pitchFamily="18" charset="0"/>
               </a:rPr>
-              <a:t>Scopus (n = </a:t>
-            </a:r>
-            <a:r>
-              <a:rPr kumimoji="0" lang="fr-FR" altLang="fr-FR" sz="1400" b="0" i="0" u="none" strike="noStrike" cap="none" normalizeH="0" baseline="0" noProof="1" smtClean="0">
-                <a:ln>
-                  <a:noFill/>
-                </a:ln>
-                <a:solidFill>
-                  <a:srgbClr val="002060"/>
-                </a:solidFill>
-                <a:effectLst/>
-                <a:latin typeface="Calibri" panose="020F0502020204030204" pitchFamily="34" charset="0"/>
-                <a:ea typeface="Calibri" panose="020F0502020204030204" pitchFamily="34" charset="0"/>
-                <a:cs typeface="Times New Roman" panose="02020603050405020304" pitchFamily="18" charset="0"/>
-              </a:rPr>
-              <a:t>1663)</a:t>
+              <a:t>Scopus (n = 1663)</a:t>
             </a:r>
             <a:endParaRPr kumimoji="0" lang="fr-FR" altLang="fr-FR" sz="400" b="0" i="0" u="none" strike="noStrike" cap="none" normalizeH="0" baseline="0" noProof="1" smtClean="0">
               <a:ln>

--- a/figures/flow chart.pptx
+++ b/figures/flow chart.pptx
@@ -244,7 +244,7 @@
           <a:p>
             <a:fld id="{42C1B6C2-A197-4731-A0B2-F9ADA2CD47A2}" type="datetimeFigureOut">
               <a:rPr lang="fr-FR" smtClean="0"/>
-              <a:t>12/06/2024</a:t>
+              <a:t>21/06/2024</a:t>
             </a:fld>
             <a:endParaRPr lang="fr-FR"/>
           </a:p>
@@ -414,7 +414,7 @@
           <a:p>
             <a:fld id="{42C1B6C2-A197-4731-A0B2-F9ADA2CD47A2}" type="datetimeFigureOut">
               <a:rPr lang="fr-FR" smtClean="0"/>
-              <a:t>12/06/2024</a:t>
+              <a:t>21/06/2024</a:t>
             </a:fld>
             <a:endParaRPr lang="fr-FR"/>
           </a:p>
@@ -594,7 +594,7 @@
           <a:p>
             <a:fld id="{42C1B6C2-A197-4731-A0B2-F9ADA2CD47A2}" type="datetimeFigureOut">
               <a:rPr lang="fr-FR" smtClean="0"/>
-              <a:t>12/06/2024</a:t>
+              <a:t>21/06/2024</a:t>
             </a:fld>
             <a:endParaRPr lang="fr-FR"/>
           </a:p>
@@ -764,7 +764,7 @@
           <a:p>
             <a:fld id="{42C1B6C2-A197-4731-A0B2-F9ADA2CD47A2}" type="datetimeFigureOut">
               <a:rPr lang="fr-FR" smtClean="0"/>
-              <a:t>12/06/2024</a:t>
+              <a:t>21/06/2024</a:t>
             </a:fld>
             <a:endParaRPr lang="fr-FR"/>
           </a:p>
@@ -1008,7 +1008,7 @@
           <a:p>
             <a:fld id="{42C1B6C2-A197-4731-A0B2-F9ADA2CD47A2}" type="datetimeFigureOut">
               <a:rPr lang="fr-FR" smtClean="0"/>
-              <a:t>12/06/2024</a:t>
+              <a:t>21/06/2024</a:t>
             </a:fld>
             <a:endParaRPr lang="fr-FR"/>
           </a:p>
@@ -1240,7 +1240,7 @@
           <a:p>
             <a:fld id="{42C1B6C2-A197-4731-A0B2-F9ADA2CD47A2}" type="datetimeFigureOut">
               <a:rPr lang="fr-FR" smtClean="0"/>
-              <a:t>12/06/2024</a:t>
+              <a:t>21/06/2024</a:t>
             </a:fld>
             <a:endParaRPr lang="fr-FR"/>
           </a:p>
@@ -1607,7 +1607,7 @@
           <a:p>
             <a:fld id="{42C1B6C2-A197-4731-A0B2-F9ADA2CD47A2}" type="datetimeFigureOut">
               <a:rPr lang="fr-FR" smtClean="0"/>
-              <a:t>12/06/2024</a:t>
+              <a:t>21/06/2024</a:t>
             </a:fld>
             <a:endParaRPr lang="fr-FR"/>
           </a:p>
@@ -1725,7 +1725,7 @@
           <a:p>
             <a:fld id="{42C1B6C2-A197-4731-A0B2-F9ADA2CD47A2}" type="datetimeFigureOut">
               <a:rPr lang="fr-FR" smtClean="0"/>
-              <a:t>12/06/2024</a:t>
+              <a:t>21/06/2024</a:t>
             </a:fld>
             <a:endParaRPr lang="fr-FR"/>
           </a:p>
@@ -1820,7 +1820,7 @@
           <a:p>
             <a:fld id="{42C1B6C2-A197-4731-A0B2-F9ADA2CD47A2}" type="datetimeFigureOut">
               <a:rPr lang="fr-FR" smtClean="0"/>
-              <a:t>12/06/2024</a:t>
+              <a:t>21/06/2024</a:t>
             </a:fld>
             <a:endParaRPr lang="fr-FR"/>
           </a:p>
@@ -2097,7 +2097,7 @@
           <a:p>
             <a:fld id="{42C1B6C2-A197-4731-A0B2-F9ADA2CD47A2}" type="datetimeFigureOut">
               <a:rPr lang="fr-FR" smtClean="0"/>
-              <a:t>12/06/2024</a:t>
+              <a:t>21/06/2024</a:t>
             </a:fld>
             <a:endParaRPr lang="fr-FR"/>
           </a:p>
@@ -2354,7 +2354,7 @@
           <a:p>
             <a:fld id="{42C1B6C2-A197-4731-A0B2-F9ADA2CD47A2}" type="datetimeFigureOut">
               <a:rPr lang="fr-FR" smtClean="0"/>
-              <a:t>12/06/2024</a:t>
+              <a:t>21/06/2024</a:t>
             </a:fld>
             <a:endParaRPr lang="fr-FR"/>
           </a:p>
@@ -2567,7 +2567,7 @@
           <a:p>
             <a:fld id="{42C1B6C2-A197-4731-A0B2-F9ADA2CD47A2}" type="datetimeFigureOut">
               <a:rPr lang="fr-FR" smtClean="0"/>
-              <a:t>12/06/2024</a:t>
+              <a:t>21/06/2024</a:t>
             </a:fld>
             <a:endParaRPr lang="fr-FR"/>
           </a:p>
@@ -4295,7 +4295,7 @@
                 <a:ea typeface="Calibri" panose="020F0502020204030204" pitchFamily="34" charset="0"/>
                 <a:cs typeface="Times New Roman" panose="02020603050405020304" pitchFamily="18" charset="0"/>
               </a:rPr>
-              <a:t>32</a:t>
+              <a:t>34</a:t>
             </a:r>
             <a:r>
               <a:rPr kumimoji="0" lang="fr-FR" altLang="fr-FR" sz="1400" b="1" i="0" u="none" strike="noStrike" cap="none" normalizeH="0" baseline="0" noProof="1" smtClean="0">
@@ -4352,7 +4352,82 @@
                 <a:ea typeface="Calibri" panose="020F0502020204030204" pitchFamily="34" charset="0"/>
                 <a:cs typeface="Times New Roman" panose="02020603050405020304" pitchFamily="18" charset="0"/>
               </a:rPr>
-              <a:t>Duplicate (n = 2)</a:t>
+              <a:t>Duplicate (n = 2</a:t>
+            </a:r>
+            <a:r>
+              <a:rPr kumimoji="0" lang="fr-FR" altLang="fr-FR" sz="1200" b="0" i="0" u="none" strike="noStrike" cap="none" normalizeH="0" baseline="0" noProof="1" smtClean="0">
+                <a:ln>
+                  <a:noFill/>
+                </a:ln>
+                <a:solidFill>
+                  <a:srgbClr val="002060"/>
+                </a:solidFill>
+                <a:effectLst/>
+                <a:latin typeface="Calibri" panose="020F0502020204030204" pitchFamily="34" charset="0"/>
+                <a:ea typeface="Calibri" panose="020F0502020204030204" pitchFamily="34" charset="0"/>
+                <a:cs typeface="Times New Roman" panose="02020603050405020304" pitchFamily="18" charset="0"/>
+              </a:rPr>
+              <a:t>)</a:t>
+            </a:r>
+            <a:r>
+              <a:rPr kumimoji="0" lang="fr-FR" altLang="fr-FR" sz="400" b="0" i="0" u="none" strike="noStrike" cap="none" normalizeH="0" baseline="0" noProof="1" smtClean="0">
+                <a:ln>
+                  <a:noFill/>
+                </a:ln>
+                <a:solidFill>
+                  <a:schemeClr val="tx1"/>
+                </a:solidFill>
+                <a:effectLst/>
+              </a:rPr>
+              <a:t> </a:t>
+            </a:r>
+          </a:p>
+          <a:p>
+            <a:pPr marL="0" marR="0" lvl="0" indent="130175" algn="l" defTabSz="914400" rtl="0" eaLnBrk="0" fontAlgn="base" latinLnBrk="0" hangingPunct="0">
+              <a:lnSpc>
+                <a:spcPct val="100000"/>
+              </a:lnSpc>
+              <a:spcBef>
+                <a:spcPct val="0"/>
+              </a:spcBef>
+              <a:spcAft>
+                <a:spcPct val="0"/>
+              </a:spcAft>
+              <a:buClrTx/>
+              <a:buSzTx/>
+              <a:buFontTx/>
+              <a:buNone/>
+              <a:tabLst/>
+            </a:pPr>
+            <a:r>
+              <a:rPr kumimoji="0" lang="fr-FR" altLang="fr-FR" sz="1200" b="0" i="0" u="none" strike="noStrike" cap="none" normalizeH="0" baseline="0" noProof="1" smtClean="0">
+                <a:ln>
+                  <a:noFill/>
+                </a:ln>
+                <a:solidFill>
+                  <a:srgbClr val="002060"/>
+                </a:solidFill>
+                <a:effectLst/>
+                <a:latin typeface="Calibri" panose="020F0502020204030204" pitchFamily="34" charset="0"/>
+                <a:ea typeface="Calibri" panose="020F0502020204030204" pitchFamily="34" charset="0"/>
+                <a:cs typeface="Times New Roman" panose="02020603050405020304" pitchFamily="18" charset="0"/>
+              </a:rPr>
+              <a:t>No </a:t>
+            </a:r>
+            <a:r>
+              <a:rPr kumimoji="0" lang="fr-FR" altLang="fr-FR" sz="1200" b="0" i="0" u="none" strike="noStrike" cap="none" normalizeH="0" baseline="0" noProof="1" smtClean="0">
+                <a:ln>
+                  <a:noFill/>
+                </a:ln>
+                <a:solidFill>
+                  <a:srgbClr val="002060"/>
+                </a:solidFill>
+                <a:effectLst/>
+                <a:latin typeface="Calibri" panose="020F0502020204030204" pitchFamily="34" charset="0"/>
+                <a:ea typeface="Calibri" panose="020F0502020204030204" pitchFamily="34" charset="0"/>
+                <a:cs typeface="Times New Roman" panose="02020603050405020304" pitchFamily="18" charset="0"/>
+              </a:rPr>
+              <a:t>co-benefit pathway (n = 5)</a:t>
             </a:r>
             <a:endParaRPr kumimoji="0" lang="fr-FR" altLang="fr-FR" sz="400" b="0" i="0" u="none" strike="noStrike" cap="none" normalizeH="0" baseline="0" noProof="1" smtClean="0">
               <a:ln>
@@ -4394,7 +4469,33 @@
                 <a:ea typeface="Calibri" panose="020F0502020204030204" pitchFamily="34" charset="0"/>
                 <a:cs typeface="Times New Roman" panose="02020603050405020304" pitchFamily="18" charset="0"/>
               </a:rPr>
-              <a:t>Chinese full-text (n = 1)</a:t>
+              <a:t>Full text not available (n = </a:t>
+            </a:r>
+            <a:r>
+              <a:rPr lang="fr-FR" altLang="fr-FR" sz="1200" noProof="1">
+                <a:solidFill>
+                  <a:srgbClr val="002060"/>
+                </a:solidFill>
+                <a:latin typeface="Calibri" panose="020F0502020204030204" pitchFamily="34" charset="0"/>
+                <a:ea typeface="Calibri" panose="020F0502020204030204" pitchFamily="34" charset="0"/>
+                <a:cs typeface="Times New Roman" panose="02020603050405020304" pitchFamily="18" charset="0"/>
+              </a:rPr>
+              <a:t>3</a:t>
+            </a:r>
+            <a:r>
+              <a:rPr kumimoji="0" lang="fr-FR" altLang="fr-FR" sz="1200" b="0" i="0" u="none" strike="noStrike" cap="none" normalizeH="0" baseline="0" noProof="1" smtClean="0">
+                <a:ln>
+                  <a:noFill/>
+                </a:ln>
+                <a:solidFill>
+                  <a:srgbClr val="002060"/>
+                </a:solidFill>
+                <a:effectLst/>
+                <a:latin typeface="Calibri" panose="020F0502020204030204" pitchFamily="34" charset="0"/>
+                <a:ea typeface="Calibri" panose="020F0502020204030204" pitchFamily="34" charset="0"/>
+                <a:cs typeface="Times New Roman" panose="02020603050405020304" pitchFamily="18" charset="0"/>
+              </a:rPr>
+              <a:t>)</a:t>
             </a:r>
             <a:endParaRPr kumimoji="0" lang="fr-FR" altLang="fr-FR" sz="400" b="0" i="0" u="none" strike="noStrike" cap="none" normalizeH="0" baseline="0" noProof="1" smtClean="0">
               <a:ln>
@@ -4436,7 +4537,7 @@
                 <a:ea typeface="Calibri" panose="020F0502020204030204" pitchFamily="34" charset="0"/>
                 <a:cs typeface="Times New Roman" panose="02020603050405020304" pitchFamily="18" charset="0"/>
               </a:rPr>
-              <a:t>No co-benefit pathway (n = </a:t>
+              <a:t>No health (or economic) impact assessment (n = </a:t>
             </a:r>
             <a:r>
               <a:rPr kumimoji="0" lang="fr-FR" altLang="fr-FR" sz="1200" b="0" i="0" u="none" strike="noStrike" cap="none" normalizeH="0" baseline="0" noProof="1" smtClean="0">
@@ -4451,7 +4552,7 @@
                 <a:ea typeface="Calibri" panose="020F0502020204030204" pitchFamily="34" charset="0"/>
                 <a:cs typeface="Times New Roman" panose="02020603050405020304" pitchFamily="18" charset="0"/>
               </a:rPr>
-              <a:t>5)</a:t>
+              <a:t>10)</a:t>
             </a:r>
             <a:endParaRPr kumimoji="0" lang="fr-FR" altLang="fr-FR" sz="400" b="0" i="0" u="none" strike="noStrike" cap="none" normalizeH="0" baseline="0" noProof="1" smtClean="0">
               <a:ln>
@@ -4493,35 +4594,8 @@
                 <a:ea typeface="Calibri" panose="020F0502020204030204" pitchFamily="34" charset="0"/>
                 <a:cs typeface="Times New Roman" panose="02020603050405020304" pitchFamily="18" charset="0"/>
               </a:rPr>
-              <a:t>Full text not available (n = 3)</a:t>
-            </a:r>
-            <a:endParaRPr kumimoji="0" lang="fr-FR" altLang="fr-FR" sz="400" b="0" i="0" u="none" strike="noStrike" cap="none" normalizeH="0" baseline="0" noProof="1" smtClean="0">
-              <a:ln>
-                <a:noFill/>
-              </a:ln>
-              <a:solidFill>
-                <a:schemeClr val="tx1"/>
-              </a:solidFill>
-              <a:effectLst/>
-            </a:endParaRPr>
-          </a:p>
-          <a:p>
-            <a:pPr marL="0" marR="0" lvl="0" indent="130175" algn="l" defTabSz="914400" rtl="0" eaLnBrk="0" fontAlgn="base" latinLnBrk="0" hangingPunct="0">
-              <a:lnSpc>
-                <a:spcPct val="100000"/>
-              </a:lnSpc>
-              <a:spcBef>
-                <a:spcPct val="0"/>
-              </a:spcBef>
-              <a:spcAft>
-                <a:spcPct val="0"/>
-              </a:spcAft>
-              <a:buClrTx/>
-              <a:buSzTx/>
-              <a:buFontTx/>
-              <a:buNone/>
-              <a:tabLst/>
-            </a:pPr>
+              <a:t>The aim of the scenario(s) is not </a:t>
+            </a:r>
             <a:r>
               <a:rPr kumimoji="0" lang="fr-FR" altLang="fr-FR" sz="1200" b="0" i="0" u="none" strike="noStrike" cap="none" normalizeH="0" baseline="0" noProof="1" smtClean="0">
                 <a:ln>
@@ -4535,35 +4609,8 @@
                 <a:ea typeface="Calibri" panose="020F0502020204030204" pitchFamily="34" charset="0"/>
                 <a:cs typeface="Times New Roman" panose="02020603050405020304" pitchFamily="18" charset="0"/>
               </a:rPr>
-              <a:t>No health (or economic) impact assessment (n = 10)</a:t>
-            </a:r>
-            <a:endParaRPr kumimoji="0" lang="fr-FR" altLang="fr-FR" sz="400" b="0" i="0" u="none" strike="noStrike" cap="none" normalizeH="0" baseline="0" noProof="1" smtClean="0">
-              <a:ln>
-                <a:noFill/>
-              </a:ln>
-              <a:solidFill>
-                <a:schemeClr val="tx1"/>
-              </a:solidFill>
-              <a:effectLst/>
-            </a:endParaRPr>
-          </a:p>
-          <a:p>
-            <a:pPr marL="0" marR="0" lvl="0" indent="130175" algn="l" defTabSz="914400" rtl="0" eaLnBrk="0" fontAlgn="base" latinLnBrk="0" hangingPunct="0">
-              <a:lnSpc>
-                <a:spcPct val="100000"/>
-              </a:lnSpc>
-              <a:spcBef>
-                <a:spcPct val="0"/>
-              </a:spcBef>
-              <a:spcAft>
-                <a:spcPct val="0"/>
-              </a:spcAft>
-              <a:buClrTx/>
-              <a:buSzTx/>
-              <a:buFontTx/>
-              <a:buNone/>
-              <a:tabLst/>
-            </a:pPr>
+              <a:t>net-zero emissions </a:t>
+            </a:r>
             <a:r>
               <a:rPr kumimoji="0" lang="fr-FR" altLang="fr-FR" sz="1200" b="0" i="0" u="none" strike="noStrike" cap="none" normalizeH="0" baseline="0" noProof="1" smtClean="0">
                 <a:ln>
@@ -4577,7 +4624,22 @@
                 <a:ea typeface="Calibri" panose="020F0502020204030204" pitchFamily="34" charset="0"/>
                 <a:cs typeface="Times New Roman" panose="02020603050405020304" pitchFamily="18" charset="0"/>
               </a:rPr>
-              <a:t>The aim of the scenario(s) is not carbon neutrality (n = 13)</a:t>
+              <a:t>(n = </a:t>
+            </a:r>
+            <a:r>
+              <a:rPr kumimoji="0" lang="fr-FR" altLang="fr-FR" sz="1200" b="0" i="0" u="none" strike="noStrike" cap="none" normalizeH="0" baseline="0" noProof="1" smtClean="0">
+                <a:ln>
+                  <a:noFill/>
+                </a:ln>
+                <a:solidFill>
+                  <a:srgbClr val="002060"/>
+                </a:solidFill>
+                <a:effectLst/>
+                <a:latin typeface="Calibri" panose="020F0502020204030204" pitchFamily="34" charset="0"/>
+                <a:ea typeface="Calibri" panose="020F0502020204030204" pitchFamily="34" charset="0"/>
+                <a:cs typeface="Times New Roman" panose="02020603050405020304" pitchFamily="18" charset="0"/>
+              </a:rPr>
+              <a:t>14)</a:t>
             </a:r>
             <a:endParaRPr kumimoji="0" lang="fr-FR" altLang="fr-FR" sz="1800" b="0" i="0" u="none" strike="noStrike" cap="none" normalizeH="0" baseline="0" noProof="1" smtClean="0">
               <a:ln>
@@ -7510,7 +7572,7 @@
                 <a:ea typeface="Calibri" panose="020F0502020204030204" pitchFamily="34" charset="0"/>
                 <a:cs typeface="Times New Roman" panose="02020603050405020304" pitchFamily="18" charset="0"/>
               </a:rPr>
-              <a:t>32</a:t>
+              <a:t>34</a:t>
             </a:r>
             <a:r>
               <a:rPr kumimoji="0" lang="fr-FR" altLang="fr-FR" sz="1400" b="1" i="0" u="none" strike="noStrike" cap="none" normalizeH="0" baseline="0" noProof="1" smtClean="0">
@@ -7567,7 +7629,82 @@
                 <a:ea typeface="Calibri" panose="020F0502020204030204" pitchFamily="34" charset="0"/>
                 <a:cs typeface="Times New Roman" panose="02020603050405020304" pitchFamily="18" charset="0"/>
               </a:rPr>
-              <a:t>Doublons (n = 2)</a:t>
+              <a:t>Doublons (n = 2</a:t>
+            </a:r>
+            <a:r>
+              <a:rPr kumimoji="0" lang="fr-FR" altLang="fr-FR" sz="1200" b="0" i="0" u="none" strike="noStrike" cap="none" normalizeH="0" baseline="0" noProof="1" smtClean="0">
+                <a:ln>
+                  <a:noFill/>
+                </a:ln>
+                <a:solidFill>
+                  <a:srgbClr val="002060"/>
+                </a:solidFill>
+                <a:effectLst/>
+                <a:latin typeface="Calibri" panose="020F0502020204030204" pitchFamily="34" charset="0"/>
+                <a:ea typeface="Calibri" panose="020F0502020204030204" pitchFamily="34" charset="0"/>
+                <a:cs typeface="Times New Roman" panose="02020603050405020304" pitchFamily="18" charset="0"/>
+              </a:rPr>
+              <a:t>)</a:t>
+            </a:r>
+          </a:p>
+          <a:p>
+            <a:pPr marL="0" marR="0" lvl="0" indent="130175" algn="l" defTabSz="914400" rtl="0" eaLnBrk="0" fontAlgn="base" latinLnBrk="0" hangingPunct="0">
+              <a:lnSpc>
+                <a:spcPct val="100000"/>
+              </a:lnSpc>
+              <a:spcBef>
+                <a:spcPct val="0"/>
+              </a:spcBef>
+              <a:spcAft>
+                <a:spcPct val="0"/>
+              </a:spcAft>
+              <a:buClrTx/>
+              <a:buSzTx/>
+              <a:buFontTx/>
+              <a:buNone/>
+              <a:tabLst/>
+            </a:pPr>
+            <a:r>
+              <a:rPr kumimoji="0" lang="fr-FR" altLang="fr-FR" sz="400" b="0" i="0" u="none" strike="noStrike" cap="none" normalizeH="0" baseline="0" noProof="1" smtClean="0">
+                <a:ln>
+                  <a:noFill/>
+                </a:ln>
+                <a:solidFill>
+                  <a:schemeClr val="tx1"/>
+                </a:solidFill>
+                <a:effectLst/>
+              </a:rPr>
+              <a:t> </a:t>
+            </a:r>
+            <a:r>
+              <a:rPr kumimoji="0" lang="fr-FR" altLang="fr-FR" sz="1200" b="0" i="0" u="none" strike="noStrike" cap="none" normalizeH="0" baseline="0" noProof="1" smtClean="0">
+                <a:ln>
+                  <a:noFill/>
+                </a:ln>
+                <a:solidFill>
+                  <a:srgbClr val="002060"/>
+                </a:solidFill>
+                <a:effectLst/>
+                <a:latin typeface="Calibri" panose="020F0502020204030204" pitchFamily="34" charset="0"/>
+                <a:ea typeface="Calibri" panose="020F0502020204030204" pitchFamily="34" charset="0"/>
+                <a:cs typeface="Times New Roman" panose="02020603050405020304" pitchFamily="18" charset="0"/>
+              </a:rPr>
+              <a:t>Pas </a:t>
+            </a:r>
+            <a:r>
+              <a:rPr kumimoji="0" lang="fr-FR" altLang="fr-FR" sz="1200" b="0" i="0" u="none" strike="noStrike" cap="none" normalizeH="0" baseline="0" noProof="1" smtClean="0">
+                <a:ln>
+                  <a:noFill/>
+                </a:ln>
+                <a:solidFill>
+                  <a:srgbClr val="002060"/>
+                </a:solidFill>
+                <a:effectLst/>
+                <a:latin typeface="Calibri" panose="020F0502020204030204" pitchFamily="34" charset="0"/>
+                <a:ea typeface="Calibri" panose="020F0502020204030204" pitchFamily="34" charset="0"/>
+                <a:cs typeface="Times New Roman" panose="02020603050405020304" pitchFamily="18" charset="0"/>
+              </a:rPr>
+              <a:t>de co-bénéfice (n = 5)</a:t>
             </a:r>
             <a:endParaRPr kumimoji="0" lang="fr-FR" altLang="fr-FR" sz="400" b="0" i="0" u="none" strike="noStrike" cap="none" normalizeH="0" baseline="0" noProof="1" smtClean="0">
               <a:ln>
@@ -7609,7 +7746,37 @@
                 <a:ea typeface="Calibri" panose="020F0502020204030204" pitchFamily="34" charset="0"/>
                 <a:cs typeface="Times New Roman" panose="02020603050405020304" pitchFamily="18" charset="0"/>
               </a:rPr>
-              <a:t>Texte en Chinois (n = 1)</a:t>
+              <a:t>Texte entier</a:t>
+            </a:r>
+            <a:r>
+              <a:rPr kumimoji="0" lang="fr-FR" altLang="fr-FR" sz="1200" b="0" i="0" u="none" strike="noStrike" cap="none" normalizeH="0" noProof="1" smtClean="0">
+                <a:ln>
+                  <a:noFill/>
+                </a:ln>
+                <a:solidFill>
+                  <a:srgbClr val="002060"/>
+                </a:solidFill>
+                <a:effectLst/>
+                <a:latin typeface="Calibri" panose="020F0502020204030204" pitchFamily="34" charset="0"/>
+                <a:ea typeface="Calibri" panose="020F0502020204030204" pitchFamily="34" charset="0"/>
+                <a:cs typeface="Times New Roman" panose="02020603050405020304" pitchFamily="18" charset="0"/>
+              </a:rPr>
+              <a:t> non disponible </a:t>
+            </a:r>
+            <a:r>
+              <a:rPr kumimoji="0" lang="fr-FR" altLang="fr-FR" sz="1200" b="0" i="0" u="none" strike="noStrike" cap="none" normalizeH="0" baseline="0" noProof="1" smtClean="0">
+                <a:ln>
+                  <a:noFill/>
+                </a:ln>
+                <a:solidFill>
+                  <a:srgbClr val="002060"/>
+                </a:solidFill>
+                <a:effectLst/>
+                <a:latin typeface="Calibri" panose="020F0502020204030204" pitchFamily="34" charset="0"/>
+                <a:ea typeface="Calibri" panose="020F0502020204030204" pitchFamily="34" charset="0"/>
+                <a:cs typeface="Times New Roman" panose="02020603050405020304" pitchFamily="18" charset="0"/>
+              </a:rPr>
+              <a:t>(n = 3)</a:t>
             </a:r>
             <a:endParaRPr kumimoji="0" lang="fr-FR" altLang="fr-FR" sz="400" b="0" i="0" u="none" strike="noStrike" cap="none" normalizeH="0" baseline="0" noProof="1" smtClean="0">
               <a:ln>
@@ -7651,22 +7818,7 @@
                 <a:ea typeface="Calibri" panose="020F0502020204030204" pitchFamily="34" charset="0"/>
                 <a:cs typeface="Times New Roman" panose="02020603050405020304" pitchFamily="18" charset="0"/>
               </a:rPr>
-              <a:t>Pas de co-bénéfice (n = </a:t>
-            </a:r>
-            <a:r>
-              <a:rPr kumimoji="0" lang="fr-FR" altLang="fr-FR" sz="1200" b="0" i="0" u="none" strike="noStrike" cap="none" normalizeH="0" baseline="0" noProof="1" smtClean="0">
-                <a:ln>
-                  <a:noFill/>
-                </a:ln>
-                <a:solidFill>
-                  <a:srgbClr val="002060"/>
-                </a:solidFill>
-                <a:effectLst/>
-                <a:latin typeface="Calibri" panose="020F0502020204030204" pitchFamily="34" charset="0"/>
-                <a:ea typeface="Calibri" panose="020F0502020204030204" pitchFamily="34" charset="0"/>
-                <a:cs typeface="Times New Roman" panose="02020603050405020304" pitchFamily="18" charset="0"/>
-              </a:rPr>
-              <a:t>5)</a:t>
+              <a:t>Pas d’évaluation d’impact sanitaire ou économique (n = 10)</a:t>
             </a:r>
             <a:endParaRPr kumimoji="0" lang="fr-FR" altLang="fr-FR" sz="400" b="0" i="0" u="none" strike="noStrike" cap="none" normalizeH="0" baseline="0" noProof="1" smtClean="0">
               <a:ln>
@@ -7708,7 +7860,7 @@
                 <a:ea typeface="Calibri" panose="020F0502020204030204" pitchFamily="34" charset="0"/>
                 <a:cs typeface="Times New Roman" panose="02020603050405020304" pitchFamily="18" charset="0"/>
               </a:rPr>
-              <a:t>Texte entier</a:t>
+              <a:t>L’objectif du</a:t>
             </a:r>
             <a:r>
               <a:rPr kumimoji="0" lang="fr-FR" altLang="fr-FR" sz="1200" b="0" i="0" u="none" strike="noStrike" cap="none" normalizeH="0" noProof="1" smtClean="0">
@@ -7723,7 +7875,7 @@
                 <a:ea typeface="Calibri" panose="020F0502020204030204" pitchFamily="34" charset="0"/>
                 <a:cs typeface="Times New Roman" panose="02020603050405020304" pitchFamily="18" charset="0"/>
               </a:rPr>
-              <a:t> non disponible </a:t>
+              <a:t> scénario n’est pas la neutralité carbone</a:t>
             </a:r>
             <a:r>
               <a:rPr kumimoji="0" lang="fr-FR" altLang="fr-FR" sz="1200" b="0" i="0" u="none" strike="noStrike" cap="none" normalizeH="0" baseline="0" noProof="1" smtClean="0">
@@ -7738,35 +7890,8 @@
                 <a:ea typeface="Calibri" panose="020F0502020204030204" pitchFamily="34" charset="0"/>
                 <a:cs typeface="Times New Roman" panose="02020603050405020304" pitchFamily="18" charset="0"/>
               </a:rPr>
-              <a:t>(n = 3)</a:t>
-            </a:r>
-            <a:endParaRPr kumimoji="0" lang="fr-FR" altLang="fr-FR" sz="400" b="0" i="0" u="none" strike="noStrike" cap="none" normalizeH="0" baseline="0" noProof="1" smtClean="0">
-              <a:ln>
-                <a:noFill/>
-              </a:ln>
-              <a:solidFill>
-                <a:schemeClr val="tx1"/>
-              </a:solidFill>
-              <a:effectLst/>
-            </a:endParaRPr>
-          </a:p>
-          <a:p>
-            <a:pPr marL="0" marR="0" lvl="0" indent="130175" algn="l" defTabSz="914400" rtl="0" eaLnBrk="0" fontAlgn="base" latinLnBrk="0" hangingPunct="0">
-              <a:lnSpc>
-                <a:spcPct val="100000"/>
-              </a:lnSpc>
-              <a:spcBef>
-                <a:spcPct val="0"/>
-              </a:spcBef>
-              <a:spcAft>
-                <a:spcPct val="0"/>
-              </a:spcAft>
-              <a:buClrTx/>
-              <a:buSzTx/>
-              <a:buFontTx/>
-              <a:buNone/>
-              <a:tabLst/>
-            </a:pPr>
+              <a:t> (n = </a:t>
+            </a:r>
             <a:r>
               <a:rPr kumimoji="0" lang="fr-FR" altLang="fr-FR" sz="1200" b="0" i="0" u="none" strike="noStrike" cap="none" normalizeH="0" baseline="0" noProof="1" smtClean="0">
                 <a:ln>
@@ -7780,79 +7905,7 @@
                 <a:ea typeface="Calibri" panose="020F0502020204030204" pitchFamily="34" charset="0"/>
                 <a:cs typeface="Times New Roman" panose="02020603050405020304" pitchFamily="18" charset="0"/>
               </a:rPr>
-              <a:t>Pas d’évaluation d’impact sanitaire ou économique (n = 10)</a:t>
-            </a:r>
-            <a:endParaRPr kumimoji="0" lang="fr-FR" altLang="fr-FR" sz="400" b="0" i="0" u="none" strike="noStrike" cap="none" normalizeH="0" baseline="0" noProof="1" smtClean="0">
-              <a:ln>
-                <a:noFill/>
-              </a:ln>
-              <a:solidFill>
-                <a:schemeClr val="tx1"/>
-              </a:solidFill>
-              <a:effectLst/>
-            </a:endParaRPr>
-          </a:p>
-          <a:p>
-            <a:pPr marL="0" marR="0" lvl="0" indent="130175" algn="l" defTabSz="914400" rtl="0" eaLnBrk="0" fontAlgn="base" latinLnBrk="0" hangingPunct="0">
-              <a:lnSpc>
-                <a:spcPct val="100000"/>
-              </a:lnSpc>
-              <a:spcBef>
-                <a:spcPct val="0"/>
-              </a:spcBef>
-              <a:spcAft>
-                <a:spcPct val="0"/>
-              </a:spcAft>
-              <a:buClrTx/>
-              <a:buSzTx/>
-              <a:buFontTx/>
-              <a:buNone/>
-              <a:tabLst/>
-            </a:pPr>
-            <a:r>
-              <a:rPr kumimoji="0" lang="fr-FR" altLang="fr-FR" sz="1200" b="0" i="0" u="none" strike="noStrike" cap="none" normalizeH="0" baseline="0" noProof="1" smtClean="0">
-                <a:ln>
-                  <a:noFill/>
-                </a:ln>
-                <a:solidFill>
-                  <a:srgbClr val="002060"/>
-                </a:solidFill>
-                <a:effectLst/>
-                <a:latin typeface="Calibri" panose="020F0502020204030204" pitchFamily="34" charset="0"/>
-                <a:ea typeface="Calibri" panose="020F0502020204030204" pitchFamily="34" charset="0"/>
-                <a:cs typeface="Times New Roman" panose="02020603050405020304" pitchFamily="18" charset="0"/>
-              </a:rPr>
-              <a:t>L’objectif du</a:t>
-            </a:r>
-            <a:r>
-              <a:rPr kumimoji="0" lang="fr-FR" altLang="fr-FR" sz="1200" b="0" i="0" u="none" strike="noStrike" cap="none" normalizeH="0" noProof="1" smtClean="0">
-                <a:ln>
-                  <a:noFill/>
-                </a:ln>
-                <a:solidFill>
-                  <a:srgbClr val="002060"/>
-                </a:solidFill>
-                <a:effectLst/>
-                <a:latin typeface="Calibri" panose="020F0502020204030204" pitchFamily="34" charset="0"/>
-                <a:ea typeface="Calibri" panose="020F0502020204030204" pitchFamily="34" charset="0"/>
-                <a:cs typeface="Times New Roman" panose="02020603050405020304" pitchFamily="18" charset="0"/>
-              </a:rPr>
-              <a:t> scénario n’est pas la neutralité carbone</a:t>
-            </a:r>
-            <a:r>
-              <a:rPr kumimoji="0" lang="fr-FR" altLang="fr-FR" sz="1200" b="0" i="0" u="none" strike="noStrike" cap="none" normalizeH="0" baseline="0" noProof="1" smtClean="0">
-                <a:ln>
-                  <a:noFill/>
-                </a:ln>
-                <a:solidFill>
-                  <a:srgbClr val="002060"/>
-                </a:solidFill>
-                <a:effectLst/>
-                <a:latin typeface="Calibri" panose="020F0502020204030204" pitchFamily="34" charset="0"/>
-                <a:ea typeface="Calibri" panose="020F0502020204030204" pitchFamily="34" charset="0"/>
-                <a:cs typeface="Times New Roman" panose="02020603050405020304" pitchFamily="18" charset="0"/>
-              </a:rPr>
-              <a:t> (n = 13)</a:t>
+              <a:t>14)</a:t>
             </a:r>
             <a:endParaRPr kumimoji="0" lang="fr-FR" altLang="fr-FR" sz="1800" b="0" i="0" u="none" strike="noStrike" cap="none" normalizeH="0" baseline="0" noProof="1" smtClean="0">
               <a:ln>

--- a/figures/flow chart.pptx
+++ b/figures/flow chart.pptx
@@ -244,7 +244,7 @@
           <a:p>
             <a:fld id="{42C1B6C2-A197-4731-A0B2-F9ADA2CD47A2}" type="datetimeFigureOut">
               <a:rPr lang="fr-FR" smtClean="0"/>
-              <a:t>21/06/2024</a:t>
+              <a:t>12/09/2024</a:t>
             </a:fld>
             <a:endParaRPr lang="fr-FR"/>
           </a:p>
@@ -414,7 +414,7 @@
           <a:p>
             <a:fld id="{42C1B6C2-A197-4731-A0B2-F9ADA2CD47A2}" type="datetimeFigureOut">
               <a:rPr lang="fr-FR" smtClean="0"/>
-              <a:t>21/06/2024</a:t>
+              <a:t>12/09/2024</a:t>
             </a:fld>
             <a:endParaRPr lang="fr-FR"/>
           </a:p>
@@ -594,7 +594,7 @@
           <a:p>
             <a:fld id="{42C1B6C2-A197-4731-A0B2-F9ADA2CD47A2}" type="datetimeFigureOut">
               <a:rPr lang="fr-FR" smtClean="0"/>
-              <a:t>21/06/2024</a:t>
+              <a:t>12/09/2024</a:t>
             </a:fld>
             <a:endParaRPr lang="fr-FR"/>
           </a:p>
@@ -764,7 +764,7 @@
           <a:p>
             <a:fld id="{42C1B6C2-A197-4731-A0B2-F9ADA2CD47A2}" type="datetimeFigureOut">
               <a:rPr lang="fr-FR" smtClean="0"/>
-              <a:t>21/06/2024</a:t>
+              <a:t>12/09/2024</a:t>
             </a:fld>
             <a:endParaRPr lang="fr-FR"/>
           </a:p>
@@ -1008,7 +1008,7 @@
           <a:p>
             <a:fld id="{42C1B6C2-A197-4731-A0B2-F9ADA2CD47A2}" type="datetimeFigureOut">
               <a:rPr lang="fr-FR" smtClean="0"/>
-              <a:t>21/06/2024</a:t>
+              <a:t>12/09/2024</a:t>
             </a:fld>
             <a:endParaRPr lang="fr-FR"/>
           </a:p>
@@ -1240,7 +1240,7 @@
           <a:p>
             <a:fld id="{42C1B6C2-A197-4731-A0B2-F9ADA2CD47A2}" type="datetimeFigureOut">
               <a:rPr lang="fr-FR" smtClean="0"/>
-              <a:t>21/06/2024</a:t>
+              <a:t>12/09/2024</a:t>
             </a:fld>
             <a:endParaRPr lang="fr-FR"/>
           </a:p>
@@ -1607,7 +1607,7 @@
           <a:p>
             <a:fld id="{42C1B6C2-A197-4731-A0B2-F9ADA2CD47A2}" type="datetimeFigureOut">
               <a:rPr lang="fr-FR" smtClean="0"/>
-              <a:t>21/06/2024</a:t>
+              <a:t>12/09/2024</a:t>
             </a:fld>
             <a:endParaRPr lang="fr-FR"/>
           </a:p>
@@ -1725,7 +1725,7 @@
           <a:p>
             <a:fld id="{42C1B6C2-A197-4731-A0B2-F9ADA2CD47A2}" type="datetimeFigureOut">
               <a:rPr lang="fr-FR" smtClean="0"/>
-              <a:t>21/06/2024</a:t>
+              <a:t>12/09/2024</a:t>
             </a:fld>
             <a:endParaRPr lang="fr-FR"/>
           </a:p>
@@ -1820,7 +1820,7 @@
           <a:p>
             <a:fld id="{42C1B6C2-A197-4731-A0B2-F9ADA2CD47A2}" type="datetimeFigureOut">
               <a:rPr lang="fr-FR" smtClean="0"/>
-              <a:t>21/06/2024</a:t>
+              <a:t>12/09/2024</a:t>
             </a:fld>
             <a:endParaRPr lang="fr-FR"/>
           </a:p>
@@ -2097,7 +2097,7 @@
           <a:p>
             <a:fld id="{42C1B6C2-A197-4731-A0B2-F9ADA2CD47A2}" type="datetimeFigureOut">
               <a:rPr lang="fr-FR" smtClean="0"/>
-              <a:t>21/06/2024</a:t>
+              <a:t>12/09/2024</a:t>
             </a:fld>
             <a:endParaRPr lang="fr-FR"/>
           </a:p>
@@ -2354,7 +2354,7 @@
           <a:p>
             <a:fld id="{42C1B6C2-A197-4731-A0B2-F9ADA2CD47A2}" type="datetimeFigureOut">
               <a:rPr lang="fr-FR" smtClean="0"/>
-              <a:t>21/06/2024</a:t>
+              <a:t>12/09/2024</a:t>
             </a:fld>
             <a:endParaRPr lang="fr-FR"/>
           </a:p>
@@ -2567,7 +2567,7 @@
           <a:p>
             <a:fld id="{42C1B6C2-A197-4731-A0B2-F9ADA2CD47A2}" type="datetimeFigureOut">
               <a:rPr lang="fr-FR" smtClean="0"/>
-              <a:t>21/06/2024</a:t>
+              <a:t>12/09/2024</a:t>
             </a:fld>
             <a:endParaRPr lang="fr-FR"/>
           </a:p>
@@ -3687,7 +3687,7 @@
                 <a:ea typeface="Calibri" panose="020F0502020204030204" pitchFamily="34" charset="0"/>
                 <a:cs typeface="Times New Roman" panose="02020603050405020304" pitchFamily="18" charset="0"/>
               </a:rPr>
-              <a:t>2348</a:t>
+              <a:t>2582</a:t>
             </a:r>
             <a:r>
               <a:rPr kumimoji="0" lang="fr-FR" altLang="fr-FR" sz="1600" b="1" i="0" u="none" strike="noStrike" cap="none" normalizeH="0" baseline="0" noProof="1" smtClean="0">
@@ -3810,7 +3810,7 @@
                 <a:ea typeface="Calibri" panose="020F0502020204030204" pitchFamily="34" charset="0"/>
                 <a:cs typeface="Times New Roman" panose="02020603050405020304" pitchFamily="18" charset="0"/>
               </a:rPr>
-              <a:t>89</a:t>
+              <a:t>92</a:t>
             </a:r>
             <a:r>
               <a:rPr kumimoji="0" lang="fr-FR" altLang="fr-FR" sz="1600" b="1" i="0" u="none" strike="noStrike" cap="none" normalizeH="0" baseline="0" noProof="1" smtClean="0">
@@ -3937,7 +3937,22 @@
                 <a:ea typeface="Calibri" panose="020F0502020204030204" pitchFamily="34" charset="0"/>
                 <a:cs typeface="Times New Roman" panose="02020603050405020304" pitchFamily="18" charset="0"/>
               </a:rPr>
-              <a:t>(n = 1391)</a:t>
+              <a:t>(n = </a:t>
+            </a:r>
+            <a:r>
+              <a:rPr kumimoji="0" lang="fr-FR" altLang="fr-FR" sz="1400" b="1" i="0" u="none" strike="noStrike" cap="none" normalizeH="0" baseline="0" noProof="1" smtClean="0">
+                <a:ln>
+                  <a:noFill/>
+                </a:ln>
+                <a:solidFill>
+                  <a:srgbClr val="0040CF"/>
+                </a:solidFill>
+                <a:effectLst/>
+                <a:latin typeface="Calibri" panose="020F0502020204030204" pitchFamily="34" charset="0"/>
+                <a:ea typeface="Calibri" panose="020F0502020204030204" pitchFamily="34" charset="0"/>
+                <a:cs typeface="Times New Roman" panose="02020603050405020304" pitchFamily="18" charset="0"/>
+              </a:rPr>
+              <a:t>1433)</a:t>
             </a:r>
             <a:endParaRPr kumimoji="0" lang="fr-FR" altLang="fr-FR" sz="1800" b="0" i="0" u="none" strike="noStrike" cap="none" normalizeH="0" baseline="0" noProof="1" smtClean="0">
               <a:ln>
@@ -4045,7 +4060,7 @@
                 <a:ea typeface="Calibri" panose="020F0502020204030204" pitchFamily="34" charset="0"/>
                 <a:cs typeface="Times New Roman" panose="02020603050405020304" pitchFamily="18" charset="0"/>
               </a:rPr>
-              <a:t>2259</a:t>
+              <a:t>2490</a:t>
             </a:r>
             <a:r>
               <a:rPr kumimoji="0" lang="fr-FR" altLang="fr-FR" sz="1400" b="1" i="0" u="none" strike="noStrike" cap="none" normalizeH="0" baseline="0" noProof="1" smtClean="0">
@@ -4352,22 +4367,7 @@
                 <a:ea typeface="Calibri" panose="020F0502020204030204" pitchFamily="34" charset="0"/>
                 <a:cs typeface="Times New Roman" panose="02020603050405020304" pitchFamily="18" charset="0"/>
               </a:rPr>
-              <a:t>Duplicate (n = 2</a:t>
-            </a:r>
-            <a:r>
-              <a:rPr kumimoji="0" lang="fr-FR" altLang="fr-FR" sz="1200" b="0" i="0" u="none" strike="noStrike" cap="none" normalizeH="0" baseline="0" noProof="1" smtClean="0">
-                <a:ln>
-                  <a:noFill/>
-                </a:ln>
-                <a:solidFill>
-                  <a:srgbClr val="002060"/>
-                </a:solidFill>
-                <a:effectLst/>
-                <a:latin typeface="Calibri" panose="020F0502020204030204" pitchFamily="34" charset="0"/>
-                <a:ea typeface="Calibri" panose="020F0502020204030204" pitchFamily="34" charset="0"/>
-                <a:cs typeface="Times New Roman" panose="02020603050405020304" pitchFamily="18" charset="0"/>
-              </a:rPr>
-              <a:t>)</a:t>
+              <a:t>Duplicate (n = 2)</a:t>
             </a:r>
             <a:r>
               <a:rPr kumimoji="0" lang="fr-FR" altLang="fr-FR" sz="400" b="0" i="0" u="none" strike="noStrike" cap="none" normalizeH="0" baseline="0" noProof="1" smtClean="0">
@@ -4412,22 +4412,7 @@
                 <a:ea typeface="Calibri" panose="020F0502020204030204" pitchFamily="34" charset="0"/>
                 <a:cs typeface="Times New Roman" panose="02020603050405020304" pitchFamily="18" charset="0"/>
               </a:rPr>
-              <a:t>No </a:t>
-            </a:r>
-            <a:r>
-              <a:rPr kumimoji="0" lang="fr-FR" altLang="fr-FR" sz="1200" b="0" i="0" u="none" strike="noStrike" cap="none" normalizeH="0" baseline="0" noProof="1" smtClean="0">
-                <a:ln>
-                  <a:noFill/>
-                </a:ln>
-                <a:solidFill>
-                  <a:srgbClr val="002060"/>
-                </a:solidFill>
-                <a:effectLst/>
-                <a:latin typeface="Calibri" panose="020F0502020204030204" pitchFamily="34" charset="0"/>
-                <a:ea typeface="Calibri" panose="020F0502020204030204" pitchFamily="34" charset="0"/>
-                <a:cs typeface="Times New Roman" panose="02020603050405020304" pitchFamily="18" charset="0"/>
-              </a:rPr>
-              <a:t>co-benefit pathway (n = 5)</a:t>
+              <a:t>No co-benefit pathway (n = 5)</a:t>
             </a:r>
             <a:endParaRPr kumimoji="0" lang="fr-FR" altLang="fr-FR" sz="400" b="0" i="0" u="none" strike="noStrike" cap="none" normalizeH="0" baseline="0" noProof="1" smtClean="0">
               <a:ln>
@@ -4537,22 +4522,7 @@
                 <a:ea typeface="Calibri" panose="020F0502020204030204" pitchFamily="34" charset="0"/>
                 <a:cs typeface="Times New Roman" panose="02020603050405020304" pitchFamily="18" charset="0"/>
               </a:rPr>
-              <a:t>No health (or economic) impact assessment (n = </a:t>
-            </a:r>
-            <a:r>
-              <a:rPr kumimoji="0" lang="fr-FR" altLang="fr-FR" sz="1200" b="0" i="0" u="none" strike="noStrike" cap="none" normalizeH="0" baseline="0" noProof="1" smtClean="0">
-                <a:ln>
-                  <a:noFill/>
-                </a:ln>
-                <a:solidFill>
-                  <a:srgbClr val="002060"/>
-                </a:solidFill>
-                <a:effectLst/>
-                <a:latin typeface="Calibri" panose="020F0502020204030204" pitchFamily="34" charset="0"/>
-                <a:ea typeface="Calibri" panose="020F0502020204030204" pitchFamily="34" charset="0"/>
-                <a:cs typeface="Times New Roman" panose="02020603050405020304" pitchFamily="18" charset="0"/>
-              </a:rPr>
-              <a:t>10)</a:t>
+              <a:t>No health (or economic) impact assessment (n = 10)</a:t>
             </a:r>
             <a:endParaRPr kumimoji="0" lang="fr-FR" altLang="fr-FR" sz="400" b="0" i="0" u="none" strike="noStrike" cap="none" normalizeH="0" baseline="0" noProof="1" smtClean="0">
               <a:ln>
@@ -4594,52 +4564,7 @@
                 <a:ea typeface="Calibri" panose="020F0502020204030204" pitchFamily="34" charset="0"/>
                 <a:cs typeface="Times New Roman" panose="02020603050405020304" pitchFamily="18" charset="0"/>
               </a:rPr>
-              <a:t>The aim of the scenario(s) is not </a:t>
-            </a:r>
-            <a:r>
-              <a:rPr kumimoji="0" lang="fr-FR" altLang="fr-FR" sz="1200" b="0" i="0" u="none" strike="noStrike" cap="none" normalizeH="0" baseline="0" noProof="1" smtClean="0">
-                <a:ln>
-                  <a:noFill/>
-                </a:ln>
-                <a:solidFill>
-                  <a:srgbClr val="002060"/>
-                </a:solidFill>
-                <a:effectLst/>
-                <a:latin typeface="Calibri" panose="020F0502020204030204" pitchFamily="34" charset="0"/>
-                <a:ea typeface="Calibri" panose="020F0502020204030204" pitchFamily="34" charset="0"/>
-                <a:cs typeface="Times New Roman" panose="02020603050405020304" pitchFamily="18" charset="0"/>
-              </a:rPr>
-              <a:t>net-zero emissions </a:t>
-            </a:r>
-            <a:r>
-              <a:rPr kumimoji="0" lang="fr-FR" altLang="fr-FR" sz="1200" b="0" i="0" u="none" strike="noStrike" cap="none" normalizeH="0" baseline="0" noProof="1" smtClean="0">
-                <a:ln>
-                  <a:noFill/>
-                </a:ln>
-                <a:solidFill>
-                  <a:srgbClr val="002060"/>
-                </a:solidFill>
-                <a:effectLst/>
-                <a:latin typeface="Calibri" panose="020F0502020204030204" pitchFamily="34" charset="0"/>
-                <a:ea typeface="Calibri" panose="020F0502020204030204" pitchFamily="34" charset="0"/>
-                <a:cs typeface="Times New Roman" panose="02020603050405020304" pitchFamily="18" charset="0"/>
-              </a:rPr>
-              <a:t>(n = </a:t>
-            </a:r>
-            <a:r>
-              <a:rPr kumimoji="0" lang="fr-FR" altLang="fr-FR" sz="1200" b="0" i="0" u="none" strike="noStrike" cap="none" normalizeH="0" baseline="0" noProof="1" smtClean="0">
-                <a:ln>
-                  <a:noFill/>
-                </a:ln>
-                <a:solidFill>
-                  <a:srgbClr val="002060"/>
-                </a:solidFill>
-                <a:effectLst/>
-                <a:latin typeface="Calibri" panose="020F0502020204030204" pitchFamily="34" charset="0"/>
-                <a:ea typeface="Calibri" panose="020F0502020204030204" pitchFamily="34" charset="0"/>
-                <a:cs typeface="Times New Roman" panose="02020603050405020304" pitchFamily="18" charset="0"/>
-              </a:rPr>
-              <a:t>14)</a:t>
+              <a:t>The aim of the scenario(s) is not net-zero emissions (n = 14)</a:t>
             </a:r>
             <a:endParaRPr kumimoji="0" lang="fr-FR" altLang="fr-FR" sz="1800" b="0" i="0" u="none" strike="noStrike" cap="none" normalizeH="0" baseline="0" noProof="1" smtClean="0">
               <a:ln>
@@ -4927,7 +4852,7 @@
                 <a:ea typeface="Calibri" panose="020F0502020204030204" pitchFamily="34" charset="0"/>
                 <a:cs typeface="Times New Roman" panose="02020603050405020304" pitchFamily="18" charset="0"/>
               </a:rPr>
-              <a:t>55</a:t>
+              <a:t>58</a:t>
             </a:r>
             <a:r>
               <a:rPr kumimoji="0" lang="fr-FR" altLang="fr-FR" sz="1600" b="1" i="0" u="none" strike="noStrike" cap="none" normalizeH="0" baseline="0" noProof="1" smtClean="0">
@@ -5549,7 +5474,22 @@
                 <a:ea typeface="Calibri" panose="020F0502020204030204" pitchFamily="34" charset="0"/>
                 <a:cs typeface="Times New Roman" panose="02020603050405020304" pitchFamily="18" charset="0"/>
               </a:rPr>
-              <a:t>(n = 3700)</a:t>
+              <a:t>(n = </a:t>
+            </a:r>
+            <a:r>
+              <a:rPr kumimoji="0" lang="fr-FR" altLang="fr-FR" sz="1600" b="1" i="0" u="none" strike="noStrike" cap="none" normalizeH="0" baseline="0" noProof="1" smtClean="0">
+                <a:ln>
+                  <a:noFill/>
+                </a:ln>
+                <a:solidFill>
+                  <a:srgbClr val="0040CF"/>
+                </a:solidFill>
+                <a:effectLst/>
+                <a:latin typeface="Calibri" panose="020F0502020204030204" pitchFamily="34" charset="0"/>
+                <a:ea typeface="Calibri" panose="020F0502020204030204" pitchFamily="34" charset="0"/>
+                <a:cs typeface="Times New Roman" panose="02020603050405020304" pitchFamily="18" charset="0"/>
+              </a:rPr>
+              <a:t>3976)</a:t>
             </a:r>
             <a:endParaRPr kumimoji="0" lang="fr-FR" altLang="fr-FR" sz="400" b="0" i="0" u="none" strike="noStrike" cap="none" normalizeH="0" baseline="0" noProof="1" smtClean="0">
               <a:ln>
@@ -5690,7 +5630,18 @@
                 <a:ea typeface="Calibri" panose="020F0502020204030204" pitchFamily="34" charset="0"/>
                 <a:cs typeface="Times New Roman" panose="02020603050405020304" pitchFamily="18" charset="0"/>
               </a:rPr>
-              <a:t> 936</a:t>
+              <a:t> </a:t>
+            </a:r>
+            <a:r>
+              <a:rPr lang="fr-FR" altLang="fr-FR" sz="1400" noProof="1" smtClean="0">
+                <a:solidFill>
+                  <a:srgbClr val="002060"/>
+                </a:solidFill>
+                <a:latin typeface="Calibri" panose="020F0502020204030204" pitchFamily="34" charset="0"/>
+                <a:ea typeface="Calibri" panose="020F0502020204030204" pitchFamily="34" charset="0"/>
+                <a:cs typeface="Times New Roman" panose="02020603050405020304" pitchFamily="18" charset="0"/>
+              </a:rPr>
+              <a:t>1212</a:t>
             </a:r>
             <a:r>
               <a:rPr kumimoji="0" lang="fr-FR" altLang="fr-FR" sz="1400" b="0" i="0" u="none" strike="noStrike" cap="none" normalizeH="0" baseline="0" noProof="1" smtClean="0">
@@ -7629,22 +7580,7 @@
                 <a:ea typeface="Calibri" panose="020F0502020204030204" pitchFamily="34" charset="0"/>
                 <a:cs typeface="Times New Roman" panose="02020603050405020304" pitchFamily="18" charset="0"/>
               </a:rPr>
-              <a:t>Doublons (n = 2</a:t>
-            </a:r>
-            <a:r>
-              <a:rPr kumimoji="0" lang="fr-FR" altLang="fr-FR" sz="1200" b="0" i="0" u="none" strike="noStrike" cap="none" normalizeH="0" baseline="0" noProof="1" smtClean="0">
-                <a:ln>
-                  <a:noFill/>
-                </a:ln>
-                <a:solidFill>
-                  <a:srgbClr val="002060"/>
-                </a:solidFill>
-                <a:effectLst/>
-                <a:latin typeface="Calibri" panose="020F0502020204030204" pitchFamily="34" charset="0"/>
-                <a:ea typeface="Calibri" panose="020F0502020204030204" pitchFamily="34" charset="0"/>
-                <a:cs typeface="Times New Roman" panose="02020603050405020304" pitchFamily="18" charset="0"/>
-              </a:rPr>
-              <a:t>)</a:t>
+              <a:t>Doublons (n = 2)</a:t>
             </a:r>
           </a:p>
           <a:p>
@@ -7689,22 +7625,7 @@
                 <a:ea typeface="Calibri" panose="020F0502020204030204" pitchFamily="34" charset="0"/>
                 <a:cs typeface="Times New Roman" panose="02020603050405020304" pitchFamily="18" charset="0"/>
               </a:rPr>
-              <a:t>Pas </a:t>
-            </a:r>
-            <a:r>
-              <a:rPr kumimoji="0" lang="fr-FR" altLang="fr-FR" sz="1200" b="0" i="0" u="none" strike="noStrike" cap="none" normalizeH="0" baseline="0" noProof="1" smtClean="0">
-                <a:ln>
-                  <a:noFill/>
-                </a:ln>
-                <a:solidFill>
-                  <a:srgbClr val="002060"/>
-                </a:solidFill>
-                <a:effectLst/>
-                <a:latin typeface="Calibri" panose="020F0502020204030204" pitchFamily="34" charset="0"/>
-                <a:ea typeface="Calibri" panose="020F0502020204030204" pitchFamily="34" charset="0"/>
-                <a:cs typeface="Times New Roman" panose="02020603050405020304" pitchFamily="18" charset="0"/>
-              </a:rPr>
-              <a:t>de co-bénéfice (n = 5)</a:t>
+              <a:t>Pas de co-bénéfice (n = 5)</a:t>
             </a:r>
             <a:endParaRPr kumimoji="0" lang="fr-FR" altLang="fr-FR" sz="400" b="0" i="0" u="none" strike="noStrike" cap="none" normalizeH="0" baseline="0" noProof="1" smtClean="0">
               <a:ln>
@@ -7890,22 +7811,7 @@
                 <a:ea typeface="Calibri" panose="020F0502020204030204" pitchFamily="34" charset="0"/>
                 <a:cs typeface="Times New Roman" panose="02020603050405020304" pitchFamily="18" charset="0"/>
               </a:rPr>
-              <a:t> (n = </a:t>
-            </a:r>
-            <a:r>
-              <a:rPr kumimoji="0" lang="fr-FR" altLang="fr-FR" sz="1200" b="0" i="0" u="none" strike="noStrike" cap="none" normalizeH="0" baseline="0" noProof="1" smtClean="0">
-                <a:ln>
-                  <a:noFill/>
-                </a:ln>
-                <a:solidFill>
-                  <a:srgbClr val="002060"/>
-                </a:solidFill>
-                <a:effectLst/>
-                <a:latin typeface="Calibri" panose="020F0502020204030204" pitchFamily="34" charset="0"/>
-                <a:ea typeface="Calibri" panose="020F0502020204030204" pitchFamily="34" charset="0"/>
-                <a:cs typeface="Times New Roman" panose="02020603050405020304" pitchFamily="18" charset="0"/>
-              </a:rPr>
-              <a:t>14)</a:t>
+              <a:t> (n = 14)</a:t>
             </a:r>
             <a:endParaRPr kumimoji="0" lang="fr-FR" altLang="fr-FR" sz="1800" b="0" i="0" u="none" strike="noStrike" cap="none" normalizeH="0" baseline="0" noProof="1" smtClean="0">
               <a:ln>

--- a/figures/flow chart.pptx
+++ b/figures/flow chart.pptx
@@ -244,7 +244,7 @@
           <a:p>
             <a:fld id="{42C1B6C2-A197-4731-A0B2-F9ADA2CD47A2}" type="datetimeFigureOut">
               <a:rPr lang="fr-FR" smtClean="0"/>
-              <a:t>12/09/2024</a:t>
+              <a:t>05/12/2024</a:t>
             </a:fld>
             <a:endParaRPr lang="fr-FR"/>
           </a:p>
@@ -414,7 +414,7 @@
           <a:p>
             <a:fld id="{42C1B6C2-A197-4731-A0B2-F9ADA2CD47A2}" type="datetimeFigureOut">
               <a:rPr lang="fr-FR" smtClean="0"/>
-              <a:t>12/09/2024</a:t>
+              <a:t>05/12/2024</a:t>
             </a:fld>
             <a:endParaRPr lang="fr-FR"/>
           </a:p>
@@ -594,7 +594,7 @@
           <a:p>
             <a:fld id="{42C1B6C2-A197-4731-A0B2-F9ADA2CD47A2}" type="datetimeFigureOut">
               <a:rPr lang="fr-FR" smtClean="0"/>
-              <a:t>12/09/2024</a:t>
+              <a:t>05/12/2024</a:t>
             </a:fld>
             <a:endParaRPr lang="fr-FR"/>
           </a:p>
@@ -764,7 +764,7 @@
           <a:p>
             <a:fld id="{42C1B6C2-A197-4731-A0B2-F9ADA2CD47A2}" type="datetimeFigureOut">
               <a:rPr lang="fr-FR" smtClean="0"/>
-              <a:t>12/09/2024</a:t>
+              <a:t>05/12/2024</a:t>
             </a:fld>
             <a:endParaRPr lang="fr-FR"/>
           </a:p>
@@ -1008,7 +1008,7 @@
           <a:p>
             <a:fld id="{42C1B6C2-A197-4731-A0B2-F9ADA2CD47A2}" type="datetimeFigureOut">
               <a:rPr lang="fr-FR" smtClean="0"/>
-              <a:t>12/09/2024</a:t>
+              <a:t>05/12/2024</a:t>
             </a:fld>
             <a:endParaRPr lang="fr-FR"/>
           </a:p>
@@ -1240,7 +1240,7 @@
           <a:p>
             <a:fld id="{42C1B6C2-A197-4731-A0B2-F9ADA2CD47A2}" type="datetimeFigureOut">
               <a:rPr lang="fr-FR" smtClean="0"/>
-              <a:t>12/09/2024</a:t>
+              <a:t>05/12/2024</a:t>
             </a:fld>
             <a:endParaRPr lang="fr-FR"/>
           </a:p>
@@ -1607,7 +1607,7 @@
           <a:p>
             <a:fld id="{42C1B6C2-A197-4731-A0B2-F9ADA2CD47A2}" type="datetimeFigureOut">
               <a:rPr lang="fr-FR" smtClean="0"/>
-              <a:t>12/09/2024</a:t>
+              <a:t>05/12/2024</a:t>
             </a:fld>
             <a:endParaRPr lang="fr-FR"/>
           </a:p>
@@ -1725,7 +1725,7 @@
           <a:p>
             <a:fld id="{42C1B6C2-A197-4731-A0B2-F9ADA2CD47A2}" type="datetimeFigureOut">
               <a:rPr lang="fr-FR" smtClean="0"/>
-              <a:t>12/09/2024</a:t>
+              <a:t>05/12/2024</a:t>
             </a:fld>
             <a:endParaRPr lang="fr-FR"/>
           </a:p>
@@ -1820,7 +1820,7 @@
           <a:p>
             <a:fld id="{42C1B6C2-A197-4731-A0B2-F9ADA2CD47A2}" type="datetimeFigureOut">
               <a:rPr lang="fr-FR" smtClean="0"/>
-              <a:t>12/09/2024</a:t>
+              <a:t>05/12/2024</a:t>
             </a:fld>
             <a:endParaRPr lang="fr-FR"/>
           </a:p>
@@ -2097,7 +2097,7 @@
           <a:p>
             <a:fld id="{42C1B6C2-A197-4731-A0B2-F9ADA2CD47A2}" type="datetimeFigureOut">
               <a:rPr lang="fr-FR" smtClean="0"/>
-              <a:t>12/09/2024</a:t>
+              <a:t>05/12/2024</a:t>
             </a:fld>
             <a:endParaRPr lang="fr-FR"/>
           </a:p>
@@ -2354,7 +2354,7 @@
           <a:p>
             <a:fld id="{42C1B6C2-A197-4731-A0B2-F9ADA2CD47A2}" type="datetimeFigureOut">
               <a:rPr lang="fr-FR" smtClean="0"/>
-              <a:t>12/09/2024</a:t>
+              <a:t>05/12/2024</a:t>
             </a:fld>
             <a:endParaRPr lang="fr-FR"/>
           </a:p>
@@ -2567,7 +2567,7 @@
           <a:p>
             <a:fld id="{42C1B6C2-A197-4731-A0B2-F9ADA2CD47A2}" type="datetimeFigureOut">
               <a:rPr lang="fr-FR" smtClean="0"/>
-              <a:t>12/09/2024</a:t>
+              <a:t>05/12/2024</a:t>
             </a:fld>
             <a:endParaRPr lang="fr-FR"/>
           </a:p>
@@ -3937,22 +3937,7 @@
                 <a:ea typeface="Calibri" panose="020F0502020204030204" pitchFamily="34" charset="0"/>
                 <a:cs typeface="Times New Roman" panose="02020603050405020304" pitchFamily="18" charset="0"/>
               </a:rPr>
-              <a:t>(n = </a:t>
-            </a:r>
-            <a:r>
-              <a:rPr kumimoji="0" lang="fr-FR" altLang="fr-FR" sz="1400" b="1" i="0" u="none" strike="noStrike" cap="none" normalizeH="0" baseline="0" noProof="1" smtClean="0">
-                <a:ln>
-                  <a:noFill/>
-                </a:ln>
-                <a:solidFill>
-                  <a:srgbClr val="0040CF"/>
-                </a:solidFill>
-                <a:effectLst/>
-                <a:latin typeface="Calibri" panose="020F0502020204030204" pitchFamily="34" charset="0"/>
-                <a:ea typeface="Calibri" panose="020F0502020204030204" pitchFamily="34" charset="0"/>
-                <a:cs typeface="Times New Roman" panose="02020603050405020304" pitchFamily="18" charset="0"/>
-              </a:rPr>
-              <a:t>1433)</a:t>
+              <a:t>(n = 1433)</a:t>
             </a:r>
             <a:endParaRPr kumimoji="0" lang="fr-FR" altLang="fr-FR" sz="1800" b="0" i="0" u="none" strike="noStrike" cap="none" normalizeH="0" baseline="0" noProof="1" smtClean="0">
               <a:ln>
@@ -5474,22 +5459,7 @@
                 <a:ea typeface="Calibri" panose="020F0502020204030204" pitchFamily="34" charset="0"/>
                 <a:cs typeface="Times New Roman" panose="02020603050405020304" pitchFamily="18" charset="0"/>
               </a:rPr>
-              <a:t>(n = </a:t>
-            </a:r>
-            <a:r>
-              <a:rPr kumimoji="0" lang="fr-FR" altLang="fr-FR" sz="1600" b="1" i="0" u="none" strike="noStrike" cap="none" normalizeH="0" baseline="0" noProof="1" smtClean="0">
-                <a:ln>
-                  <a:noFill/>
-                </a:ln>
-                <a:solidFill>
-                  <a:srgbClr val="0040CF"/>
-                </a:solidFill>
-                <a:effectLst/>
-                <a:latin typeface="Calibri" panose="020F0502020204030204" pitchFamily="34" charset="0"/>
-                <a:ea typeface="Calibri" panose="020F0502020204030204" pitchFamily="34" charset="0"/>
-                <a:cs typeface="Times New Roman" panose="02020603050405020304" pitchFamily="18" charset="0"/>
-              </a:rPr>
-              <a:t>3976)</a:t>
+              <a:t>(n = 3976)</a:t>
             </a:r>
             <a:endParaRPr kumimoji="0" lang="fr-FR" altLang="fr-FR" sz="400" b="0" i="0" u="none" strike="noStrike" cap="none" normalizeH="0" baseline="0" noProof="1" smtClean="0">
               <a:ln>
@@ -6947,7 +6917,22 @@
                 <a:ea typeface="Calibri" panose="020F0502020204030204" pitchFamily="34" charset="0"/>
                 <a:cs typeface="Times New Roman" panose="02020603050405020304" pitchFamily="18" charset="0"/>
               </a:rPr>
-              <a:t>(n = 2348)</a:t>
+              <a:t>(n = </a:t>
+            </a:r>
+            <a:r>
+              <a:rPr kumimoji="0" lang="fr-FR" altLang="fr-FR" sz="1600" b="1" i="0" u="none" strike="noStrike" cap="none" normalizeH="0" baseline="0" noProof="1" smtClean="0">
+                <a:ln>
+                  <a:noFill/>
+                </a:ln>
+                <a:solidFill>
+                  <a:srgbClr val="0040CF"/>
+                </a:solidFill>
+                <a:effectLst/>
+                <a:latin typeface="Calibri" panose="020F0502020204030204" pitchFamily="34" charset="0"/>
+                <a:ea typeface="Calibri" panose="020F0502020204030204" pitchFamily="34" charset="0"/>
+                <a:cs typeface="Times New Roman" panose="02020603050405020304" pitchFamily="18" charset="0"/>
+              </a:rPr>
+              <a:t>2582)</a:t>
             </a:r>
             <a:endParaRPr kumimoji="0" lang="fr-FR" altLang="fr-FR" sz="1800" b="0" i="0" u="none" strike="noStrike" cap="none" normalizeH="0" baseline="0" noProof="1" smtClean="0">
               <a:ln>
@@ -7058,7 +7043,7 @@
                 <a:ea typeface="Calibri" panose="020F0502020204030204" pitchFamily="34" charset="0"/>
                 <a:cs typeface="Times New Roman" panose="02020603050405020304" pitchFamily="18" charset="0"/>
               </a:rPr>
-              <a:t>89</a:t>
+              <a:t>92</a:t>
             </a:r>
             <a:r>
               <a:rPr kumimoji="0" lang="fr-FR" altLang="fr-FR" sz="1600" b="1" i="0" u="none" strike="noStrike" cap="none" normalizeH="0" baseline="0" noProof="1" smtClean="0">
@@ -7281,7 +7266,7 @@
                 <a:ea typeface="Calibri" panose="020F0502020204030204" pitchFamily="34" charset="0"/>
                 <a:cs typeface="Times New Roman" panose="02020603050405020304" pitchFamily="18" charset="0"/>
               </a:rPr>
-              <a:t>2259</a:t>
+              <a:t>2490</a:t>
             </a:r>
             <a:r>
               <a:rPr kumimoji="0" lang="fr-FR" altLang="fr-FR" sz="1400" b="1" i="0" u="none" strike="noStrike" cap="none" normalizeH="0" baseline="0" noProof="1" smtClean="0">
@@ -8102,7 +8087,7 @@
                 <a:ea typeface="Calibri" panose="020F0502020204030204" pitchFamily="34" charset="0"/>
                 <a:cs typeface="Times New Roman" panose="02020603050405020304" pitchFamily="18" charset="0"/>
               </a:rPr>
-              <a:t>55</a:t>
+              <a:t>58</a:t>
             </a:r>
             <a:r>
               <a:rPr kumimoji="0" lang="fr-FR" altLang="fr-FR" sz="1600" b="1" i="0" u="none" strike="noStrike" cap="none" normalizeH="0" baseline="0" noProof="1" smtClean="0">
@@ -8720,7 +8705,22 @@
                 <a:ea typeface="Calibri" panose="020F0502020204030204" pitchFamily="34" charset="0"/>
                 <a:cs typeface="Times New Roman" panose="02020603050405020304" pitchFamily="18" charset="0"/>
               </a:rPr>
-              <a:t>(n = 3700)</a:t>
+              <a:t>(n = </a:t>
+            </a:r>
+            <a:r>
+              <a:rPr kumimoji="0" lang="fr-FR" altLang="fr-FR" sz="1600" b="1" i="0" u="none" strike="noStrike" cap="none" normalizeH="0" baseline="0" noProof="1" smtClean="0">
+                <a:ln>
+                  <a:noFill/>
+                </a:ln>
+                <a:solidFill>
+                  <a:srgbClr val="0040CF"/>
+                </a:solidFill>
+                <a:effectLst/>
+                <a:latin typeface="Calibri" panose="020F0502020204030204" pitchFamily="34" charset="0"/>
+                <a:ea typeface="Calibri" panose="020F0502020204030204" pitchFamily="34" charset="0"/>
+                <a:cs typeface="Times New Roman" panose="02020603050405020304" pitchFamily="18" charset="0"/>
+              </a:rPr>
+              <a:t>3976)</a:t>
             </a:r>
             <a:endParaRPr kumimoji="0" lang="fr-FR" altLang="fr-FR" sz="400" b="0" i="0" u="none" strike="noStrike" cap="none" normalizeH="0" baseline="0" noProof="1" smtClean="0">
               <a:ln>
@@ -8857,7 +8857,7 @@
                 <a:ea typeface="Calibri" panose="020F0502020204030204" pitchFamily="34" charset="0"/>
                 <a:cs typeface="Times New Roman" panose="02020603050405020304" pitchFamily="18" charset="0"/>
               </a:rPr>
-              <a:t>936</a:t>
+              <a:t>1212</a:t>
             </a:r>
             <a:r>
               <a:rPr kumimoji="0" lang="fr-FR" altLang="fr-FR" sz="1400" b="0" i="0" u="none" strike="noStrike" cap="none" normalizeH="0" baseline="0" noProof="1" smtClean="0">
